--- a/PPT/PPT2020/DB第05章.pptx
+++ b/PPT/PPT2020/DB第05章.pptx
@@ -350,7 +350,7 @@
             </a:extLst>
           </p:cNvPr>
           <p:cNvSpPr>
-            <a:spLocks noGrp="1" noChangeArrowheads="1"/>
+            <a:spLocks noGrp="1" noRot="1" noChangeAspect="1" noChangeArrowheads="1"/>
           </p:cNvSpPr>
           <p:nvPr>
             <p:ph type="sldImg" idx="4294967295"/>
@@ -3947,7 +3947,7 @@
         </p:nvSpPr>
         <p:spPr bwMode="auto">
           <a:xfrm>
-            <a:off x="1692275" y="5784850"/>
+            <a:off x="1945481" y="5385593"/>
             <a:ext cx="5256213" cy="668338"/>
           </a:xfrm>
           <a:prstGeom prst="rect">
@@ -4102,22 +4102,22 @@
               <a:buNone/>
             </a:pPr>
             <a:r>
-              <a:rPr lang="zh-CN" altLang="en-US" sz="2400" b="1">
+              <a:rPr lang="zh-CN" altLang="en-US" sz="2400" b="1" dirty="0">
                 <a:solidFill>
                   <a:schemeClr val="bg1"/>
                 </a:solidFill>
-                <a:latin typeface="Times-Roman" charset="0"/>
-                <a:ea typeface="隶书" panose="02010509060101010101" pitchFamily="49" charset="-122"/>
+                <a:latin typeface="华文楷体" panose="02010600040101010101" pitchFamily="2" charset="-122"/>
+                <a:ea typeface="华文楷体" panose="02010600040101010101" pitchFamily="2" charset="-122"/>
                 <a:sym typeface="Arial" panose="020B0604020202020204" pitchFamily="34" charset="0"/>
               </a:rPr>
-              <a:t>河北大学计算机科学与技术学院</a:t>
-            </a:r>
-            <a:endParaRPr lang="zh-CN" altLang="en-US" sz="2400" b="1">
+              <a:t>河北大学网络空间安全与计算机学院</a:t>
+            </a:r>
+            <a:endParaRPr lang="zh-CN" altLang="en-US" sz="2400" b="1" dirty="0">
               <a:solidFill>
                 <a:schemeClr val="bg1"/>
               </a:solidFill>
-              <a:latin typeface="Times-Roman" charset="0"/>
-              <a:ea typeface="隶书" panose="02010509060101010101" pitchFamily="49" charset="-122"/>
+              <a:latin typeface="华文楷体" panose="02010600040101010101" pitchFamily="2" charset="-122"/>
+              <a:ea typeface="华文楷体" panose="02010600040101010101" pitchFamily="2" charset="-122"/>
               <a:sym typeface="宋体" panose="02010600030101010101" pitchFamily="2" charset="-122"/>
             </a:endParaRPr>
           </a:p>
@@ -7213,7 +7213,7 @@
         </p:nvGraphicFramePr>
         <p:xfrm>
           <a:off x="323850" y="1916113"/>
-          <a:ext cx="8632825" cy="3652837"/>
+          <a:ext cx="8632825" cy="3652838"/>
         </p:xfrm>
         <a:graphic>
           <a:graphicData uri="http://schemas.openxmlformats.org/drawingml/2006/table">
@@ -10035,20 +10035,32 @@
               <a:buNone/>
             </a:pPr>
             <a:r>
-              <a:rPr lang="en-US" altLang="zh-CN" sz="2400"/>
+              <a:rPr lang="en-US" altLang="zh-CN" sz="2400" dirty="0"/>
               <a:t>[</a:t>
             </a:r>
             <a:r>
-              <a:rPr lang="zh-CN" altLang="en-US" sz="2400"/>
+              <a:rPr lang="zh-CN" altLang="en-US" sz="2400" dirty="0"/>
               <a:t>例5.</a:t>
             </a:r>
             <a:r>
-              <a:rPr lang="en-US" altLang="zh-CN" sz="2400"/>
+              <a:rPr lang="en-US" altLang="zh-CN" sz="2400" dirty="0"/>
               <a:t>4]</a:t>
             </a:r>
             <a:r>
-              <a:rPr lang="zh-CN" altLang="en-US" sz="2400"/>
-              <a:t>  显式说明参照完整性的违约处理示例</a:t>
+              <a:rPr lang="zh-CN" altLang="en-US" sz="2400" dirty="0"/>
+              <a:t>  </a:t>
+            </a:r>
+            <a:r>
+              <a:rPr lang="zh-CN" altLang="en-US" sz="2400" dirty="0">
+                <a:solidFill>
+                  <a:srgbClr val="FF0000"/>
+                </a:solidFill>
+              </a:rPr>
+              <a:t>显式说明</a:t>
+            </a:r>
+            <a:r>
+              <a:rPr lang="zh-CN" altLang="en-US" sz="2400" dirty="0"/>
+              <a:t>参照完整性的违约处理示例</a:t>
             </a:r>
           </a:p>
           <a:p>
@@ -10060,11 +10072,11 @@
               <a:buNone/>
             </a:pPr>
             <a:r>
-              <a:rPr lang="zh-CN" altLang="en-US" sz="2000"/>
+              <a:rPr lang="zh-CN" altLang="en-US" sz="2000" dirty="0"/>
               <a:t>       </a:t>
             </a:r>
             <a:r>
-              <a:rPr lang="en-US" altLang="zh-CN" sz="2000"/>
+              <a:rPr lang="en-US" altLang="zh-CN" sz="2000" dirty="0"/>
               <a:t>CREATE TABLE SC</a:t>
             </a:r>
           </a:p>
@@ -10077,35 +10089,39 @@
               <a:buNone/>
             </a:pPr>
             <a:r>
-              <a:rPr lang="en-US" altLang="zh-CN" sz="2000"/>
+              <a:rPr lang="en-US" altLang="zh-CN" sz="2000" dirty="0"/>
               <a:t>        </a:t>
             </a:r>
             <a:r>
-              <a:rPr lang="zh-CN" altLang="en-US" sz="2000"/>
+              <a:rPr lang="zh-CN" altLang="en-US" sz="2000" dirty="0"/>
               <a:t>(  </a:t>
             </a:r>
             <a:r>
-              <a:rPr lang="en-US" altLang="zh-CN" sz="2000"/>
-              <a:t>Sno   CHAR</a:t>
-            </a:r>
-            <a:r>
-              <a:rPr lang="zh-CN" altLang="en-US" sz="2000"/>
+              <a:rPr lang="en-US" altLang="zh-CN" sz="2000" dirty="0" err="1"/>
+              <a:t>Sno</a:t>
+            </a:r>
+            <a:r>
+              <a:rPr lang="en-US" altLang="zh-CN" sz="2000" dirty="0"/>
+              <a:t>   CHAR</a:t>
+            </a:r>
+            <a:r>
+              <a:rPr lang="zh-CN" altLang="en-US" sz="2000" dirty="0"/>
               <a:t>(</a:t>
             </a:r>
             <a:r>
-              <a:rPr lang="en-US" altLang="zh-CN" sz="2000"/>
+              <a:rPr lang="en-US" altLang="zh-CN" sz="2000" dirty="0"/>
               <a:t>9</a:t>
             </a:r>
             <a:r>
-              <a:rPr lang="zh-CN" altLang="en-US" sz="2000"/>
+              <a:rPr lang="zh-CN" altLang="en-US" sz="2000" dirty="0"/>
               <a:t>)</a:t>
             </a:r>
             <a:r>
-              <a:rPr lang="en-US" altLang="zh-CN" sz="2000"/>
+              <a:rPr lang="en-US" altLang="zh-CN" sz="2000" dirty="0"/>
               <a:t>  NOT NULL</a:t>
             </a:r>
             <a:r>
-              <a:rPr lang="zh-CN" altLang="en-US" sz="2000"/>
+              <a:rPr lang="zh-CN" altLang="en-US" sz="2000" dirty="0"/>
               <a:t>，</a:t>
             </a:r>
           </a:p>
@@ -10118,31 +10134,35 @@
               <a:buNone/>
             </a:pPr>
             <a:r>
-              <a:rPr lang="zh-CN" altLang="en-US" sz="2000"/>
+              <a:rPr lang="zh-CN" altLang="en-US" sz="2000" dirty="0"/>
               <a:t>           </a:t>
             </a:r>
             <a:r>
-              <a:rPr lang="en-US" altLang="zh-CN" sz="2000"/>
-              <a:t>Cno   CHAR</a:t>
-            </a:r>
-            <a:r>
-              <a:rPr lang="zh-CN" altLang="en-US" sz="2000"/>
+              <a:rPr lang="en-US" altLang="zh-CN" sz="2000" dirty="0" err="1"/>
+              <a:t>Cno</a:t>
+            </a:r>
+            <a:r>
+              <a:rPr lang="en-US" altLang="zh-CN" sz="2000" dirty="0"/>
+              <a:t>   CHAR</a:t>
+            </a:r>
+            <a:r>
+              <a:rPr lang="zh-CN" altLang="en-US" sz="2000" dirty="0"/>
               <a:t>(</a:t>
             </a:r>
             <a:r>
-              <a:rPr lang="en-US" altLang="zh-CN" sz="2000"/>
+              <a:rPr lang="en-US" altLang="zh-CN" sz="2000" dirty="0"/>
               <a:t>4</a:t>
             </a:r>
             <a:r>
-              <a:rPr lang="zh-CN" altLang="en-US" sz="2000"/>
+              <a:rPr lang="zh-CN" altLang="en-US" sz="2000" dirty="0"/>
               <a:t>)</a:t>
             </a:r>
             <a:r>
-              <a:rPr lang="en-US" altLang="zh-CN" sz="2000"/>
+              <a:rPr lang="en-US" altLang="zh-CN" sz="2000" dirty="0"/>
               <a:t>  NOT NULL</a:t>
             </a:r>
             <a:r>
-              <a:rPr lang="zh-CN" altLang="en-US" sz="2000"/>
+              <a:rPr lang="zh-CN" altLang="en-US" sz="2000" dirty="0"/>
               <a:t>，</a:t>
             </a:r>
           </a:p>
@@ -10155,15 +10175,15 @@
               <a:buNone/>
             </a:pPr>
             <a:r>
-              <a:rPr lang="zh-CN" altLang="en-US" sz="2000"/>
+              <a:rPr lang="zh-CN" altLang="en-US" sz="2000" dirty="0"/>
               <a:t>           </a:t>
             </a:r>
             <a:r>
-              <a:rPr lang="en-US" altLang="zh-CN" sz="2000"/>
+              <a:rPr lang="en-US" altLang="zh-CN" sz="2000" dirty="0"/>
               <a:t>Grade  SMALLINT</a:t>
             </a:r>
             <a:r>
-              <a:rPr lang="zh-CN" altLang="en-US" sz="2000"/>
+              <a:rPr lang="zh-CN" altLang="en-US" sz="2000" dirty="0"/>
               <a:t>,</a:t>
             </a:r>
           </a:p>
@@ -10176,31 +10196,31 @@
               <a:buNone/>
             </a:pPr>
             <a:r>
-              <a:rPr lang="zh-CN" altLang="en-US" sz="2000"/>
+              <a:rPr lang="zh-CN" altLang="en-US" sz="2000" dirty="0"/>
               <a:t>           </a:t>
             </a:r>
             <a:r>
-              <a:rPr lang="en-US" altLang="zh-CN" sz="2000"/>
+              <a:rPr lang="en-US" altLang="zh-CN" sz="2000" dirty="0"/>
               <a:t>PRIMARY KEY</a:t>
             </a:r>
             <a:r>
-              <a:rPr lang="zh-CN" altLang="en-US" sz="2000"/>
+              <a:rPr lang="zh-CN" altLang="en-US" sz="2000" dirty="0"/>
               <a:t>(</a:t>
             </a:r>
             <a:r>
-              <a:rPr lang="en-US" altLang="zh-CN" sz="2000"/>
+              <a:rPr lang="en-US" altLang="zh-CN" sz="2000" dirty="0" err="1"/>
               <a:t>Sno</a:t>
             </a:r>
             <a:r>
-              <a:rPr lang="zh-CN" altLang="en-US" sz="2000"/>
+              <a:rPr lang="zh-CN" altLang="en-US" sz="2000" dirty="0"/>
               <a:t>,</a:t>
             </a:r>
             <a:r>
-              <a:rPr lang="en-US" altLang="zh-CN" sz="2000"/>
+              <a:rPr lang="en-US" altLang="zh-CN" sz="2000" dirty="0" err="1"/>
               <a:t>Cno</a:t>
             </a:r>
             <a:r>
-              <a:rPr lang="zh-CN" altLang="en-US" sz="2000"/>
+              <a:rPr lang="zh-CN" altLang="en-US" sz="2000" dirty="0"/>
               <a:t>)， 			</a:t>
             </a:r>
           </a:p>
@@ -10213,43 +10233,43 @@
               <a:buNone/>
             </a:pPr>
             <a:r>
-              <a:rPr lang="zh-CN" altLang="en-US" sz="2000"/>
+              <a:rPr lang="zh-CN" altLang="en-US" sz="2000" dirty="0"/>
               <a:t>           </a:t>
             </a:r>
             <a:r>
-              <a:rPr lang="en-US" altLang="zh-CN" sz="2000"/>
+              <a:rPr lang="en-US" altLang="zh-CN" sz="2000" dirty="0"/>
               <a:t>FOREIGN KEY </a:t>
             </a:r>
             <a:r>
-              <a:rPr lang="zh-CN" altLang="en-US" sz="2000"/>
+              <a:rPr lang="zh-CN" altLang="en-US" sz="2000" dirty="0"/>
               <a:t>(</a:t>
             </a:r>
             <a:r>
-              <a:rPr lang="en-US" altLang="zh-CN" sz="2000"/>
+              <a:rPr lang="en-US" altLang="zh-CN" sz="2000" dirty="0" err="1"/>
               <a:t>Sno</a:t>
             </a:r>
             <a:r>
-              <a:rPr lang="zh-CN" altLang="en-US" sz="2000"/>
+              <a:rPr lang="zh-CN" altLang="en-US" sz="2000" dirty="0"/>
               <a:t>)</a:t>
             </a:r>
             <a:r>
-              <a:rPr lang="en-US" altLang="zh-CN" sz="2000"/>
+              <a:rPr lang="en-US" altLang="zh-CN" sz="2000" dirty="0"/>
               <a:t> REFERENCES Student</a:t>
             </a:r>
             <a:r>
-              <a:rPr lang="zh-CN" altLang="en-US" sz="2000"/>
+              <a:rPr lang="zh-CN" altLang="en-US" sz="2000" dirty="0"/>
               <a:t>(</a:t>
             </a:r>
             <a:r>
-              <a:rPr lang="en-US" altLang="zh-CN" sz="2000"/>
+              <a:rPr lang="en-US" altLang="zh-CN" sz="2000" dirty="0" err="1"/>
               <a:t>Sno</a:t>
             </a:r>
             <a:r>
-              <a:rPr lang="zh-CN" altLang="en-US" sz="2000"/>
+              <a:rPr lang="zh-CN" altLang="en-US" sz="2000" dirty="0"/>
               <a:t>)</a:t>
             </a:r>
             <a:r>
-              <a:rPr lang="en-US" altLang="zh-CN" sz="2000"/>
+              <a:rPr lang="en-US" altLang="zh-CN" sz="2000" dirty="0"/>
               <a:t> </a:t>
             </a:r>
           </a:p>
@@ -10262,11 +10282,11 @@
               <a:buNone/>
             </a:pPr>
             <a:r>
-              <a:rPr lang="en-US" altLang="zh-CN" sz="2000"/>
+              <a:rPr lang="en-US" altLang="zh-CN" sz="2000" dirty="0"/>
               <a:t>		</a:t>
             </a:r>
             <a:r>
-              <a:rPr lang="en-US" altLang="zh-CN" sz="2000">
+              <a:rPr lang="en-US" altLang="zh-CN" sz="2000" dirty="0">
                 <a:solidFill>
                   <a:srgbClr val="0066FF"/>
                 </a:solidFill>
@@ -10274,19 +10294,19 @@
               <a:t>ON DELETE CASCADE</a:t>
             </a:r>
             <a:r>
-              <a:rPr lang="en-US" altLang="zh-CN" sz="2000"/>
+              <a:rPr lang="en-US" altLang="zh-CN" sz="2000" dirty="0"/>
               <a:t>       </a:t>
             </a:r>
             <a:r>
-              <a:rPr lang="en-US" altLang="zh-CN" sz="1600"/>
+              <a:rPr lang="en-US" altLang="zh-CN" sz="1600" dirty="0"/>
               <a:t> </a:t>
             </a:r>
             <a:r>
-              <a:rPr lang="en-US" altLang="zh-CN" sz="1800"/>
+              <a:rPr lang="en-US" altLang="zh-CN" sz="1800" dirty="0"/>
               <a:t>/*</a:t>
             </a:r>
             <a:r>
-              <a:rPr lang="zh-CN" altLang="en-US" sz="1800">
+              <a:rPr lang="zh-CN" altLang="en-US" sz="1800" dirty="0">
                 <a:solidFill>
                   <a:srgbClr val="FF00FF"/>
                 </a:solidFill>
@@ -10294,18 +10314,18 @@
               <a:t>级联删除</a:t>
             </a:r>
             <a:r>
-              <a:rPr lang="en-US" altLang="zh-CN" sz="1800"/>
+              <a:rPr lang="en-US" altLang="zh-CN" sz="1800" dirty="0"/>
               <a:t>SC</a:t>
             </a:r>
             <a:r>
-              <a:rPr lang="zh-CN" altLang="en-US" sz="1800"/>
+              <a:rPr lang="zh-CN" altLang="en-US" sz="1800" dirty="0"/>
               <a:t>表中相应的元组*</a:t>
             </a:r>
             <a:r>
-              <a:rPr lang="en-US" altLang="zh-CN" sz="1800"/>
+              <a:rPr lang="en-US" altLang="zh-CN" sz="1800" dirty="0"/>
               <a:t>/</a:t>
             </a:r>
-            <a:endParaRPr lang="en-US" altLang="zh-CN" sz="1600"/>
+            <a:endParaRPr lang="en-US" altLang="zh-CN" sz="1600" dirty="0"/>
           </a:p>
           <a:p>
             <a:pPr eaLnBrk="1" hangingPunct="1">
@@ -10316,11 +10336,11 @@
               <a:buNone/>
             </a:pPr>
             <a:r>
-              <a:rPr lang="en-US" altLang="zh-CN" sz="2000"/>
+              <a:rPr lang="en-US" altLang="zh-CN" sz="2000" dirty="0"/>
               <a:t>             </a:t>
             </a:r>
             <a:r>
-              <a:rPr lang="en-US" altLang="zh-CN" sz="2000">
+              <a:rPr lang="en-US" altLang="zh-CN" sz="2000" dirty="0">
                 <a:solidFill>
                   <a:srgbClr val="0066FF"/>
                 </a:solidFill>
@@ -10328,7 +10348,7 @@
               <a:t>ON UPDATE CASCADE</a:t>
             </a:r>
             <a:r>
-              <a:rPr lang="zh-CN" altLang="en-US" sz="2000">
+              <a:rPr lang="zh-CN" altLang="en-US" sz="2000" dirty="0">
                 <a:solidFill>
                   <a:srgbClr val="0066FF"/>
                 </a:solidFill>
@@ -10336,15 +10356,15 @@
               <a:t>,</a:t>
             </a:r>
             <a:r>
-              <a:rPr lang="zh-CN" altLang="en-US" sz="2000"/>
+              <a:rPr lang="zh-CN" altLang="en-US" sz="2000" dirty="0"/>
               <a:t>      </a:t>
             </a:r>
             <a:r>
-              <a:rPr lang="en-US" altLang="zh-CN" sz="1800"/>
+              <a:rPr lang="en-US" altLang="zh-CN" sz="1800" dirty="0"/>
               <a:t>/*</a:t>
             </a:r>
             <a:r>
-              <a:rPr lang="zh-CN" altLang="en-US" sz="1800">
+              <a:rPr lang="zh-CN" altLang="en-US" sz="1800" dirty="0">
                 <a:solidFill>
                   <a:srgbClr val="FF00FF"/>
                 </a:solidFill>
@@ -10352,15 +10372,15 @@
               <a:t>级联更新</a:t>
             </a:r>
             <a:r>
-              <a:rPr lang="en-US" altLang="zh-CN" sz="1800"/>
+              <a:rPr lang="en-US" altLang="zh-CN" sz="1800" dirty="0"/>
               <a:t>SC</a:t>
             </a:r>
             <a:r>
-              <a:rPr lang="zh-CN" altLang="en-US" sz="1800"/>
+              <a:rPr lang="zh-CN" altLang="en-US" sz="1800" dirty="0"/>
               <a:t>表中相应的元组*</a:t>
             </a:r>
             <a:r>
-              <a:rPr lang="en-US" altLang="zh-CN" sz="1800"/>
+              <a:rPr lang="en-US" altLang="zh-CN" sz="1800" dirty="0"/>
               <a:t>/</a:t>
             </a:r>
           </a:p>
@@ -10373,47 +10393,47 @@
               <a:buNone/>
             </a:pPr>
             <a:r>
-              <a:rPr lang="en-US" altLang="zh-CN" sz="2000"/>
+              <a:rPr lang="en-US" altLang="zh-CN" sz="2000" dirty="0"/>
               <a:t>         </a:t>
             </a:r>
             <a:r>
-              <a:rPr lang="zh-CN" altLang="en-US" sz="2000"/>
+              <a:rPr lang="zh-CN" altLang="en-US" sz="2000" dirty="0"/>
               <a:t>  </a:t>
             </a:r>
             <a:r>
-              <a:rPr lang="en-US" altLang="zh-CN" sz="2000"/>
+              <a:rPr lang="en-US" altLang="zh-CN" sz="2000" dirty="0"/>
               <a:t>FOREIGN KEY </a:t>
             </a:r>
             <a:r>
-              <a:rPr lang="zh-CN" altLang="en-US" sz="2000"/>
+              <a:rPr lang="zh-CN" altLang="en-US" sz="2000" dirty="0"/>
               <a:t>(</a:t>
             </a:r>
             <a:r>
-              <a:rPr lang="en-US" altLang="zh-CN" sz="2000"/>
+              <a:rPr lang="en-US" altLang="zh-CN" sz="2000" dirty="0" err="1"/>
               <a:t>Cno</a:t>
             </a:r>
             <a:r>
-              <a:rPr lang="zh-CN" altLang="en-US" sz="2000"/>
+              <a:rPr lang="zh-CN" altLang="en-US" sz="2000" dirty="0"/>
               <a:t>)</a:t>
             </a:r>
             <a:r>
-              <a:rPr lang="en-US" altLang="zh-CN" sz="2000"/>
+              <a:rPr lang="en-US" altLang="zh-CN" sz="2000" dirty="0"/>
               <a:t> REFERENCES Course</a:t>
             </a:r>
             <a:r>
-              <a:rPr lang="zh-CN" altLang="en-US" sz="2000"/>
+              <a:rPr lang="zh-CN" altLang="en-US" sz="2000" dirty="0"/>
               <a:t>(</a:t>
             </a:r>
             <a:r>
-              <a:rPr lang="en-US" altLang="zh-CN" sz="2000"/>
+              <a:rPr lang="en-US" altLang="zh-CN" sz="2000" dirty="0" err="1"/>
               <a:t>Cno</a:t>
             </a:r>
             <a:r>
-              <a:rPr lang="zh-CN" altLang="en-US" sz="2000"/>
+              <a:rPr lang="zh-CN" altLang="en-US" sz="2000" dirty="0"/>
               <a:t>)</a:t>
             </a:r>
             <a:r>
-              <a:rPr lang="en-US" altLang="zh-CN" sz="2000"/>
+              <a:rPr lang="en-US" altLang="zh-CN" sz="2000" dirty="0"/>
               <a:t>	                    </a:t>
             </a:r>
           </a:p>
@@ -10426,11 +10446,11 @@
               <a:buNone/>
             </a:pPr>
             <a:r>
-              <a:rPr lang="en-US" altLang="zh-CN" sz="2000"/>
+              <a:rPr lang="en-US" altLang="zh-CN" sz="2000" dirty="0"/>
               <a:t>             </a:t>
             </a:r>
             <a:r>
-              <a:rPr lang="en-US" altLang="zh-CN" sz="2000">
+              <a:rPr lang="en-US" altLang="zh-CN" sz="2000" dirty="0">
                 <a:solidFill>
                   <a:srgbClr val="0066FF"/>
                 </a:solidFill>
@@ -10438,7 +10458,7 @@
               <a:t>ON DELETE NO ACTION</a:t>
             </a:r>
             <a:r>
-              <a:rPr lang="en-US" altLang="zh-CN" sz="2000"/>
+              <a:rPr lang="en-US" altLang="zh-CN" sz="2000" dirty="0"/>
               <a:t> 	</a:t>
             </a:r>
           </a:p>
@@ -10451,31 +10471,31 @@
               <a:buNone/>
             </a:pPr>
             <a:r>
-              <a:rPr lang="en-US" altLang="zh-CN" sz="1800"/>
+              <a:rPr lang="en-US" altLang="zh-CN" sz="1800" dirty="0"/>
               <a:t>                 /*</a:t>
             </a:r>
             <a:r>
-              <a:rPr lang="zh-CN" altLang="en-US" sz="1800"/>
+              <a:rPr lang="zh-CN" altLang="en-US" sz="1800" dirty="0"/>
               <a:t>当删除</a:t>
             </a:r>
             <a:r>
-              <a:rPr lang="en-US" altLang="zh-CN" sz="1800"/>
+              <a:rPr lang="en-US" altLang="zh-CN" sz="1800" dirty="0"/>
               <a:t>course </a:t>
             </a:r>
             <a:r>
-              <a:rPr lang="zh-CN" altLang="en-US" sz="1800"/>
+              <a:rPr lang="zh-CN" altLang="en-US" sz="1800" dirty="0"/>
               <a:t>表中的元组造成了与</a:t>
             </a:r>
             <a:r>
-              <a:rPr lang="en-US" altLang="zh-CN" sz="1800"/>
+              <a:rPr lang="en-US" altLang="zh-CN" sz="1800" dirty="0"/>
               <a:t>SC</a:t>
             </a:r>
             <a:r>
-              <a:rPr lang="zh-CN" altLang="en-US" sz="1800"/>
+              <a:rPr lang="zh-CN" altLang="en-US" sz="1800" dirty="0"/>
               <a:t>表不一致时</a:t>
             </a:r>
             <a:r>
-              <a:rPr lang="zh-CN" altLang="en-US" sz="1800">
+              <a:rPr lang="zh-CN" altLang="en-US" sz="1800" dirty="0">
                 <a:solidFill>
                   <a:srgbClr val="FF00FF"/>
                 </a:solidFill>
@@ -10483,11 +10503,11 @@
               <a:t>拒绝删除</a:t>
             </a:r>
             <a:r>
-              <a:rPr lang="zh-CN" altLang="en-US" sz="1800"/>
+              <a:rPr lang="zh-CN" altLang="en-US" sz="1800" dirty="0"/>
               <a:t>*</a:t>
             </a:r>
             <a:r>
-              <a:rPr lang="en-US" altLang="zh-CN" sz="1800"/>
+              <a:rPr lang="en-US" altLang="zh-CN" sz="1800" dirty="0"/>
               <a:t>/</a:t>
             </a:r>
           </a:p>
@@ -10500,11 +10520,11 @@
               <a:buNone/>
             </a:pPr>
             <a:r>
-              <a:rPr lang="en-US" altLang="zh-CN" sz="2000"/>
+              <a:rPr lang="en-US" altLang="zh-CN" sz="2000" dirty="0"/>
               <a:t>             </a:t>
             </a:r>
             <a:r>
-              <a:rPr lang="en-US" altLang="zh-CN" sz="2000">
+              <a:rPr lang="en-US" altLang="zh-CN" sz="2000" dirty="0">
                 <a:solidFill>
                   <a:srgbClr val="0066FF"/>
                 </a:solidFill>
@@ -10512,7 +10532,7 @@
               <a:t>ON UPDATE CASCADE</a:t>
             </a:r>
             <a:r>
-              <a:rPr lang="en-US" altLang="zh-CN" sz="2000"/>
+              <a:rPr lang="en-US" altLang="zh-CN" sz="2000" dirty="0"/>
               <a:t>   </a:t>
             </a:r>
           </a:p>
@@ -10525,35 +10545,35 @@
               <a:buNone/>
             </a:pPr>
             <a:r>
-              <a:rPr lang="en-US" altLang="zh-CN" sz="2000"/>
+              <a:rPr lang="en-US" altLang="zh-CN" sz="2000" dirty="0"/>
               <a:t>      	</a:t>
             </a:r>
             <a:r>
-              <a:rPr lang="en-US" altLang="zh-CN" sz="1800"/>
+              <a:rPr lang="en-US" altLang="zh-CN" sz="1800" dirty="0"/>
               <a:t>  /*</a:t>
             </a:r>
             <a:r>
-              <a:rPr lang="zh-CN" altLang="en-US" sz="1800"/>
+              <a:rPr lang="zh-CN" altLang="en-US" sz="1800" dirty="0"/>
               <a:t>当更新</a:t>
             </a:r>
             <a:r>
-              <a:rPr lang="en-US" altLang="zh-CN" sz="1800"/>
+              <a:rPr lang="en-US" altLang="zh-CN" sz="1800" dirty="0"/>
               <a:t>course</a:t>
             </a:r>
             <a:r>
-              <a:rPr lang="zh-CN" altLang="en-US" sz="1800"/>
+              <a:rPr lang="zh-CN" altLang="en-US" sz="1800" dirty="0"/>
               <a:t>表中的</a:t>
             </a:r>
             <a:r>
-              <a:rPr lang="en-US" altLang="zh-CN" sz="1800"/>
+              <a:rPr lang="en-US" altLang="zh-CN" sz="1800" dirty="0" err="1"/>
               <a:t>cno</a:t>
             </a:r>
             <a:r>
-              <a:rPr lang="zh-CN" altLang="en-US" sz="1800"/>
+              <a:rPr lang="zh-CN" altLang="en-US" sz="1800" dirty="0"/>
               <a:t>时，</a:t>
             </a:r>
             <a:r>
-              <a:rPr lang="zh-CN" altLang="en-US" sz="1800">
+              <a:rPr lang="zh-CN" altLang="en-US" sz="1800" dirty="0">
                 <a:solidFill>
                   <a:srgbClr val="FF00FF"/>
                 </a:solidFill>
@@ -10561,18 +10581,18 @@
               <a:t>级联更新</a:t>
             </a:r>
             <a:r>
-              <a:rPr lang="en-US" altLang="zh-CN" sz="1800"/>
+              <a:rPr lang="en-US" altLang="zh-CN" sz="1800" dirty="0"/>
               <a:t>SC</a:t>
             </a:r>
             <a:r>
-              <a:rPr lang="zh-CN" altLang="en-US" sz="1800"/>
+              <a:rPr lang="zh-CN" altLang="en-US" sz="1800" dirty="0"/>
               <a:t>表中相应的元组*</a:t>
             </a:r>
             <a:r>
-              <a:rPr lang="en-US" altLang="zh-CN" sz="1800"/>
+              <a:rPr lang="en-US" altLang="zh-CN" sz="1800" dirty="0"/>
               <a:t>/</a:t>
             </a:r>
-            <a:endParaRPr lang="en-US" altLang="zh-CN" sz="2000"/>
+            <a:endParaRPr lang="en-US" altLang="zh-CN" sz="2000" dirty="0"/>
           </a:p>
           <a:p>
             <a:pPr eaLnBrk="1" hangingPunct="1">
@@ -10583,15 +10603,15 @@
               <a:buNone/>
             </a:pPr>
             <a:r>
-              <a:rPr lang="en-US" altLang="zh-CN" sz="1600"/>
+              <a:rPr lang="en-US" altLang="zh-CN" sz="1600" dirty="0"/>
               <a:t>        </a:t>
             </a:r>
             <a:r>
-              <a:rPr lang="zh-CN" altLang="en-US" sz="1600"/>
+              <a:rPr lang="zh-CN" altLang="en-US" sz="1600" dirty="0"/>
               <a:t>  </a:t>
             </a:r>
             <a:r>
-              <a:rPr lang="zh-CN" altLang="en-US" sz="2000"/>
+              <a:rPr lang="zh-CN" altLang="en-US" sz="2000" dirty="0"/>
               <a:t> );</a:t>
             </a:r>
           </a:p>
@@ -11254,11 +11274,24 @@
               </a:lnSpc>
             </a:pPr>
             <a:r>
-              <a:rPr lang="zh-CN" altLang="en-US"/>
-              <a:t>用户定义的完整性是：针对</a:t>
-            </a:r>
-            <a:r>
-              <a:rPr lang="zh-CN" altLang="en-US">
+              <a:rPr lang="zh-CN" altLang="en-US" dirty="0"/>
+              <a:t>用户定义的完整性是：</a:t>
+            </a:r>
+            <a:endParaRPr lang="en-US" altLang="zh-CN" dirty="0"/>
+          </a:p>
+          <a:p>
+            <a:pPr marL="0" indent="0" eaLnBrk="1" hangingPunct="1">
+              <a:lnSpc>
+                <a:spcPct val="170000"/>
+              </a:lnSpc>
+              <a:buNone/>
+            </a:pPr>
+            <a:r>
+              <a:rPr lang="zh-CN" altLang="en-US" dirty="0"/>
+              <a:t>针对</a:t>
+            </a:r>
+            <a:r>
+              <a:rPr lang="zh-CN" altLang="en-US" dirty="0">
                 <a:solidFill>
                   <a:srgbClr val="FF00FF"/>
                 </a:solidFill>
@@ -11266,7 +11299,7 @@
               <a:t>某一具体应用</a:t>
             </a:r>
             <a:r>
-              <a:rPr lang="zh-CN" altLang="en-US"/>
+              <a:rPr lang="zh-CN" altLang="en-US" dirty="0"/>
               <a:t>的数据必须满足的语义要求 </a:t>
             </a:r>
           </a:p>
@@ -11276,7 +11309,7 @@
                 <a:spcPct val="170000"/>
               </a:lnSpc>
             </a:pPr>
-            <a:endParaRPr lang="zh-CN" altLang="en-US" sz="3200"/>
+            <a:endParaRPr lang="zh-CN" altLang="en-US" sz="3200" dirty="0"/>
           </a:p>
         </p:txBody>
       </p:sp>
@@ -11473,7 +11506,15 @@
             </a:pPr>
             <a:r>
               <a:rPr lang="zh-CN" altLang="en-US" sz="2200" noProof="1"/>
-              <a:t>同一对象在不同关系表中的数据是</a:t>
+              <a:t>同一对象</a:t>
+            </a:r>
+            <a:r>
+              <a:rPr lang="zh-CN" altLang="en-US" sz="2200" i="1" noProof="1"/>
+              <a:t>在不同关系表中</a:t>
+            </a:r>
+            <a:r>
+              <a:rPr lang="zh-CN" altLang="en-US" sz="2200" noProof="1"/>
+              <a:t>的数据是</a:t>
             </a:r>
             <a:r>
               <a:rPr lang="zh-CN" altLang="en-US" sz="2200" noProof="1">
@@ -18910,63 +18951,65 @@
               <a:buNone/>
             </a:pPr>
             <a:r>
-              <a:rPr lang="en-US" altLang="zh-CN" sz="2400"/>
+              <a:rPr lang="en-US" altLang="zh-CN" sz="2400" dirty="0"/>
               <a:t>[</a:t>
             </a:r>
             <a:r>
-              <a:rPr lang="zh-CN" altLang="en-US" sz="2400"/>
+              <a:rPr lang="zh-CN" altLang="en-US" sz="2400" dirty="0"/>
               <a:t>例</a:t>
             </a:r>
             <a:r>
-              <a:rPr lang="en-US" altLang="zh-CN" sz="2400"/>
+              <a:rPr lang="en-US" altLang="zh-CN" sz="2400" dirty="0"/>
               <a:t>5.11]</a:t>
             </a:r>
             <a:r>
-              <a:rPr lang="zh-CN" altLang="en-US" sz="2400"/>
+              <a:rPr lang="zh-CN" altLang="en-US" sz="2400" dirty="0"/>
               <a:t>建立教师表</a:t>
             </a:r>
             <a:r>
-              <a:rPr lang="en-US" altLang="zh-CN" sz="2400"/>
+              <a:rPr lang="en-US" altLang="zh-CN" sz="2400" dirty="0"/>
               <a:t>TEACHER</a:t>
             </a:r>
             <a:r>
-              <a:rPr lang="zh-CN" altLang="en-US" sz="2400"/>
+              <a:rPr lang="zh-CN" altLang="en-US" sz="2400" dirty="0"/>
               <a:t>，要求每个教师的应发工资不低于</a:t>
             </a:r>
             <a:r>
-              <a:rPr lang="en-US" altLang="zh-CN" sz="2400"/>
+              <a:rPr lang="en-US" altLang="zh-CN" sz="2400" dirty="0"/>
               <a:t>3000</a:t>
             </a:r>
             <a:r>
-              <a:rPr lang="zh-CN" altLang="en-US" sz="2400"/>
+              <a:rPr lang="zh-CN" altLang="en-US" sz="2400" dirty="0"/>
               <a:t>元。</a:t>
             </a:r>
+            <a:r>
+              <a:rPr lang="zh-CN" altLang="en-US" sz="2200" dirty="0"/>
+              <a:t>应发工资是工资列</a:t>
+            </a:r>
+            <a:r>
+              <a:rPr lang="en-US" altLang="zh-CN" sz="2200" dirty="0"/>
+              <a:t>Sal</a:t>
+            </a:r>
+            <a:r>
+              <a:rPr lang="zh-CN" altLang="en-US" sz="2200" dirty="0"/>
+              <a:t>与扣除项</a:t>
+            </a:r>
+            <a:r>
+              <a:rPr lang="en-US" altLang="zh-CN" sz="2200" dirty="0"/>
+              <a:t>Deduct</a:t>
+            </a:r>
+            <a:r>
+              <a:rPr lang="zh-CN" altLang="en-US" sz="2200" dirty="0"/>
+              <a:t>之和。</a:t>
+            </a:r>
+            <a:endParaRPr lang="en-US" altLang="zh-CN" sz="2200" dirty="0"/>
           </a:p>
           <a:p>
             <a:pPr eaLnBrk="1" hangingPunct="1">
               <a:buFont typeface="Wingdings" panose="05000000000000000000" pitchFamily="2" charset="2"/>
               <a:buNone/>
             </a:pPr>
-            <a:r>
-              <a:rPr lang="zh-CN" altLang="en-US" sz="2200"/>
-              <a:t>应发工资是工资列</a:t>
-            </a:r>
-            <a:r>
-              <a:rPr lang="en-US" altLang="zh-CN" sz="2200"/>
-              <a:t>Sal</a:t>
-            </a:r>
-            <a:r>
-              <a:rPr lang="zh-CN" altLang="en-US" sz="2200"/>
-              <a:t>与扣除项</a:t>
-            </a:r>
-            <a:r>
-              <a:rPr lang="en-US" altLang="zh-CN" sz="2200"/>
-              <a:t>Deduct</a:t>
-            </a:r>
-            <a:r>
-              <a:rPr lang="zh-CN" altLang="en-US" sz="2200"/>
-              <a:t>之和。</a:t>
-            </a:r>
+            <a:endParaRPr lang="zh-CN" altLang="en-US" sz="2200" dirty="0"/>
           </a:p>
           <a:p>
             <a:pPr eaLnBrk="1" hangingPunct="1">
@@ -18977,14 +19020,14 @@
               <a:buNone/>
             </a:pPr>
             <a:r>
-              <a:rPr lang="en-US" altLang="zh-CN" sz="2000"/>
+              <a:rPr lang="en-US" altLang="zh-CN" sz="2000" dirty="0"/>
               <a:t>      </a:t>
             </a:r>
             <a:r>
-              <a:rPr lang="en-US" altLang="zh-CN" sz="2200"/>
+              <a:rPr lang="en-US" altLang="zh-CN" sz="2200" dirty="0"/>
               <a:t>CREATE TABLE TEACHER</a:t>
             </a:r>
-            <a:endParaRPr lang="zh-CN" altLang="en-US" sz="2200"/>
+            <a:endParaRPr lang="zh-CN" altLang="en-US" sz="2200" dirty="0"/>
           </a:p>
           <a:p>
             <a:pPr eaLnBrk="1" hangingPunct="1">
@@ -18995,46 +19038,46 @@
               <a:buNone/>
             </a:pPr>
             <a:r>
-              <a:rPr lang="en-US" altLang="zh-CN" sz="2200"/>
+              <a:rPr lang="en-US" altLang="zh-CN" sz="2200" dirty="0"/>
               <a:t>              </a:t>
             </a:r>
             <a:r>
-              <a:rPr lang="zh-CN" altLang="en-US" sz="2200"/>
+              <a:rPr lang="zh-CN" altLang="en-US" sz="2200" dirty="0"/>
               <a:t>(   </a:t>
             </a:r>
             <a:r>
-              <a:rPr lang="en-US" altLang="zh-CN" sz="2200"/>
+              <a:rPr lang="en-US" altLang="zh-CN" sz="2200" dirty="0"/>
               <a:t>Eno    NUMERIC</a:t>
             </a:r>
             <a:r>
-              <a:rPr lang="zh-CN" altLang="en-US" sz="2200"/>
+              <a:rPr lang="zh-CN" altLang="en-US" sz="2200" dirty="0"/>
               <a:t>(</a:t>
             </a:r>
             <a:r>
-              <a:rPr lang="en-US" altLang="zh-CN" sz="2200"/>
+              <a:rPr lang="en-US" altLang="zh-CN" sz="2200" dirty="0"/>
               <a:t>4</a:t>
             </a:r>
             <a:r>
-              <a:rPr lang="zh-CN" altLang="en-US" sz="2200"/>
+              <a:rPr lang="zh-CN" altLang="en-US" sz="2200" dirty="0"/>
               <a:t>)</a:t>
             </a:r>
             <a:r>
-              <a:rPr lang="en-US" altLang="zh-CN" sz="2200"/>
+              <a:rPr lang="en-US" altLang="zh-CN" sz="2200" dirty="0"/>
               <a:t>  PRIMARY KEY    </a:t>
             </a:r>
             <a:r>
-              <a:rPr lang="en-US" altLang="zh-CN" sz="1800"/>
+              <a:rPr lang="en-US" altLang="zh-CN" sz="1800" dirty="0"/>
               <a:t>/*</a:t>
             </a:r>
             <a:r>
-              <a:rPr lang="zh-CN" altLang="en-US" sz="1800"/>
+              <a:rPr lang="zh-CN" altLang="en-US" sz="1800" dirty="0"/>
               <a:t>在列级定义主码</a:t>
             </a:r>
             <a:r>
-              <a:rPr lang="en-US" altLang="zh-CN" sz="1800"/>
+              <a:rPr lang="en-US" altLang="zh-CN" sz="1800" dirty="0"/>
               <a:t>*/</a:t>
             </a:r>
-            <a:endParaRPr lang="zh-CN" altLang="en-US" sz="1800"/>
+            <a:endParaRPr lang="zh-CN" altLang="en-US" sz="1800" dirty="0"/>
           </a:p>
           <a:p>
             <a:pPr eaLnBrk="1" hangingPunct="1">
@@ -19045,27 +19088,31 @@
               <a:buNone/>
             </a:pPr>
             <a:r>
-              <a:rPr lang="en-US" altLang="zh-CN" sz="2200"/>
+              <a:rPr lang="en-US" altLang="zh-CN" sz="2200" dirty="0"/>
               <a:t>               </a:t>
             </a:r>
             <a:r>
-              <a:rPr lang="zh-CN" altLang="en-US" sz="2200"/>
+              <a:rPr lang="zh-CN" altLang="en-US" sz="2200" dirty="0"/>
               <a:t>   </a:t>
             </a:r>
             <a:r>
-              <a:rPr lang="en-US" altLang="zh-CN" sz="2200"/>
-              <a:t>Ename  CHAR</a:t>
-            </a:r>
-            <a:r>
-              <a:rPr lang="zh-CN" altLang="en-US" sz="2200"/>
+              <a:rPr lang="en-US" altLang="zh-CN" sz="2200" dirty="0" err="1"/>
+              <a:t>Ename</a:t>
+            </a:r>
+            <a:r>
+              <a:rPr lang="en-US" altLang="zh-CN" sz="2200" dirty="0"/>
+              <a:t>  CHAR</a:t>
+            </a:r>
+            <a:r>
+              <a:rPr lang="zh-CN" altLang="en-US" sz="2200" dirty="0"/>
               <a:t>(</a:t>
             </a:r>
             <a:r>
-              <a:rPr lang="en-US" altLang="zh-CN" sz="2200"/>
+              <a:rPr lang="en-US" altLang="zh-CN" sz="2200" dirty="0"/>
               <a:t>10</a:t>
             </a:r>
             <a:r>
-              <a:rPr lang="zh-CN" altLang="en-US" sz="2200"/>
+              <a:rPr lang="zh-CN" altLang="en-US" sz="2200" dirty="0"/>
               <a:t>),</a:t>
             </a:r>
           </a:p>
@@ -19078,27 +19125,27 @@
               <a:buNone/>
             </a:pPr>
             <a:r>
-              <a:rPr lang="en-US" altLang="zh-CN" sz="2200"/>
+              <a:rPr lang="en-US" altLang="zh-CN" sz="2200" dirty="0"/>
               <a:t>               </a:t>
             </a:r>
             <a:r>
-              <a:rPr lang="zh-CN" altLang="en-US" sz="2200"/>
+              <a:rPr lang="zh-CN" altLang="en-US" sz="2200" dirty="0"/>
               <a:t>   </a:t>
             </a:r>
             <a:r>
-              <a:rPr lang="en-US" altLang="zh-CN" sz="2200"/>
+              <a:rPr lang="en-US" altLang="zh-CN" sz="2200" dirty="0"/>
               <a:t>Job     CHAR</a:t>
             </a:r>
             <a:r>
-              <a:rPr lang="zh-CN" altLang="en-US" sz="2200"/>
+              <a:rPr lang="zh-CN" altLang="en-US" sz="2200" dirty="0"/>
               <a:t>(</a:t>
             </a:r>
             <a:r>
-              <a:rPr lang="en-US" altLang="zh-CN" sz="2200"/>
+              <a:rPr lang="en-US" altLang="zh-CN" sz="2200" dirty="0"/>
               <a:t>8</a:t>
             </a:r>
             <a:r>
-              <a:rPr lang="zh-CN" altLang="en-US" sz="2200"/>
+              <a:rPr lang="zh-CN" altLang="en-US" sz="2200" dirty="0"/>
               <a:t>),</a:t>
             </a:r>
           </a:p>
@@ -19111,35 +19158,35 @@
               <a:buNone/>
             </a:pPr>
             <a:r>
-              <a:rPr lang="en-US" altLang="zh-CN" sz="2200"/>
+              <a:rPr lang="en-US" altLang="zh-CN" sz="2200" dirty="0"/>
               <a:t> 		  </a:t>
             </a:r>
             <a:r>
-              <a:rPr lang="zh-CN" altLang="en-US" sz="2200"/>
+              <a:rPr lang="zh-CN" altLang="en-US" sz="2200" dirty="0"/>
               <a:t>    </a:t>
             </a:r>
             <a:r>
-              <a:rPr lang="en-US" altLang="zh-CN" sz="2200"/>
+              <a:rPr lang="en-US" altLang="zh-CN" sz="2200" dirty="0"/>
               <a:t>Sal     NUMERIC</a:t>
             </a:r>
             <a:r>
-              <a:rPr lang="zh-CN" altLang="en-US" sz="2200"/>
+              <a:rPr lang="zh-CN" altLang="en-US" sz="2200" dirty="0"/>
               <a:t>(</a:t>
             </a:r>
             <a:r>
-              <a:rPr lang="en-US" altLang="zh-CN" sz="2200"/>
+              <a:rPr lang="en-US" altLang="zh-CN" sz="2200" dirty="0"/>
               <a:t>7</a:t>
             </a:r>
             <a:r>
-              <a:rPr lang="zh-CN" altLang="en-US" sz="2200"/>
+              <a:rPr lang="zh-CN" altLang="en-US" sz="2200" dirty="0"/>
               <a:t>,</a:t>
             </a:r>
             <a:r>
-              <a:rPr lang="en-US" altLang="zh-CN" sz="2200"/>
+              <a:rPr lang="en-US" altLang="zh-CN" sz="2200" dirty="0"/>
               <a:t>2</a:t>
             </a:r>
             <a:r>
-              <a:rPr lang="zh-CN" altLang="en-US" sz="2200"/>
+              <a:rPr lang="zh-CN" altLang="en-US" sz="2200" dirty="0"/>
               <a:t>),</a:t>
             </a:r>
           </a:p>
@@ -19152,35 +19199,35 @@
               <a:buNone/>
             </a:pPr>
             <a:r>
-              <a:rPr lang="en-US" altLang="zh-CN" sz="2200"/>
+              <a:rPr lang="en-US" altLang="zh-CN" sz="2200" dirty="0"/>
               <a:t> 		  </a:t>
             </a:r>
             <a:r>
-              <a:rPr lang="zh-CN" altLang="en-US" sz="2200"/>
+              <a:rPr lang="zh-CN" altLang="en-US" sz="2200" dirty="0"/>
               <a:t>    </a:t>
             </a:r>
             <a:r>
-              <a:rPr lang="en-US" altLang="zh-CN" sz="2200"/>
+              <a:rPr lang="en-US" altLang="zh-CN" sz="2200" dirty="0"/>
               <a:t>Deduct  NUMERIC</a:t>
             </a:r>
             <a:r>
-              <a:rPr lang="zh-CN" altLang="en-US" sz="2200"/>
+              <a:rPr lang="zh-CN" altLang="en-US" sz="2200" dirty="0"/>
               <a:t>(</a:t>
             </a:r>
             <a:r>
-              <a:rPr lang="en-US" altLang="zh-CN" sz="2200"/>
+              <a:rPr lang="en-US" altLang="zh-CN" sz="2200" dirty="0"/>
               <a:t>7</a:t>
             </a:r>
             <a:r>
-              <a:rPr lang="zh-CN" altLang="en-US" sz="2200"/>
+              <a:rPr lang="zh-CN" altLang="en-US" sz="2200" dirty="0"/>
               <a:t>,</a:t>
             </a:r>
             <a:r>
-              <a:rPr lang="en-US" altLang="zh-CN" sz="2200"/>
+              <a:rPr lang="en-US" altLang="zh-CN" sz="2200" dirty="0"/>
               <a:t>2</a:t>
             </a:r>
             <a:r>
-              <a:rPr lang="zh-CN" altLang="en-US" sz="2200"/>
+              <a:rPr lang="zh-CN" altLang="en-US" sz="2200" dirty="0"/>
               <a:t>),</a:t>
             </a:r>
           </a:p>
@@ -19193,27 +19240,31 @@
               <a:buNone/>
             </a:pPr>
             <a:r>
-              <a:rPr lang="en-US" altLang="zh-CN" sz="2200"/>
+              <a:rPr lang="en-US" altLang="zh-CN" sz="2200" dirty="0"/>
               <a:t> 		  </a:t>
             </a:r>
             <a:r>
-              <a:rPr lang="zh-CN" altLang="en-US" sz="2200"/>
+              <a:rPr lang="zh-CN" altLang="en-US" sz="2200" dirty="0"/>
               <a:t>    </a:t>
             </a:r>
             <a:r>
-              <a:rPr lang="en-US" altLang="zh-CN" sz="2200"/>
-              <a:t>Deptno  NUMERIC</a:t>
-            </a:r>
-            <a:r>
-              <a:rPr lang="zh-CN" altLang="en-US" sz="2200"/>
+              <a:rPr lang="en-US" altLang="zh-CN" sz="2200" dirty="0" err="1"/>
+              <a:t>Deptno</a:t>
+            </a:r>
+            <a:r>
+              <a:rPr lang="en-US" altLang="zh-CN" sz="2200" dirty="0"/>
+              <a:t>  NUMERIC</a:t>
+            </a:r>
+            <a:r>
+              <a:rPr lang="zh-CN" altLang="en-US" sz="2200" dirty="0"/>
               <a:t>(</a:t>
             </a:r>
             <a:r>
-              <a:rPr lang="en-US" altLang="zh-CN" sz="2200"/>
+              <a:rPr lang="en-US" altLang="zh-CN" sz="2200" dirty="0"/>
               <a:t>2</a:t>
             </a:r>
             <a:r>
-              <a:rPr lang="zh-CN" altLang="en-US" sz="2200"/>
+              <a:rPr lang="zh-CN" altLang="en-US" sz="2200" dirty="0"/>
               <a:t>),</a:t>
             </a:r>
           </a:p>
@@ -19226,59 +19277,75 @@
               <a:buNone/>
             </a:pPr>
             <a:r>
-              <a:rPr lang="en-US" altLang="zh-CN" sz="2200"/>
+              <a:rPr lang="en-US" altLang="zh-CN" sz="2200" dirty="0"/>
               <a:t>  		   </a:t>
             </a:r>
             <a:r>
-              <a:rPr lang="zh-CN" altLang="en-US" sz="2200"/>
+              <a:rPr lang="zh-CN" altLang="en-US" sz="2200" dirty="0"/>
               <a:t>   </a:t>
             </a:r>
             <a:r>
-              <a:rPr lang="en-US" altLang="zh-CN" sz="2200">
+              <a:rPr lang="en-US" altLang="zh-CN" sz="2200" dirty="0">
                 <a:solidFill>
                   <a:srgbClr val="0066FF"/>
                 </a:solidFill>
               </a:rPr>
-              <a:t>CONSTRAINT TEACHERFKey </a:t>
-            </a:r>
-            <a:r>
-              <a:rPr lang="en-US" altLang="zh-CN" sz="2200"/>
+              <a:t>CONSTRAINT </a:t>
+            </a:r>
+            <a:r>
+              <a:rPr lang="en-US" altLang="zh-CN" sz="2200" dirty="0" err="1">
+                <a:solidFill>
+                  <a:srgbClr val="0066FF"/>
+                </a:solidFill>
+              </a:rPr>
+              <a:t>TEACHERFKey</a:t>
+            </a:r>
+            <a:r>
+              <a:rPr lang="en-US" altLang="zh-CN" sz="2200" dirty="0">
+                <a:solidFill>
+                  <a:srgbClr val="0066FF"/>
+                </a:solidFill>
+              </a:rPr>
+              <a:t> </a:t>
+            </a:r>
+            <a:r>
+              <a:rPr lang="en-US" altLang="zh-CN" sz="2200" dirty="0"/>
               <a:t>FOREIGN KEY </a:t>
             </a:r>
             <a:r>
-              <a:rPr lang="zh-CN" altLang="en-US" sz="2200"/>
+              <a:rPr lang="zh-CN" altLang="en-US" sz="2200" dirty="0"/>
               <a:t>(</a:t>
             </a:r>
             <a:r>
-              <a:rPr lang="en-US" altLang="zh-CN" sz="2200"/>
+              <a:rPr lang="en-US" altLang="zh-CN" sz="2200" dirty="0" err="1"/>
               <a:t>Deptno</a:t>
             </a:r>
             <a:r>
-              <a:rPr lang="zh-CN" altLang="en-US" sz="2200"/>
+              <a:rPr lang="zh-CN" altLang="en-US" sz="2200" dirty="0"/>
               <a:t>)</a:t>
             </a:r>
             <a:r>
-              <a:rPr lang="en-US" altLang="zh-CN" sz="2200"/>
+              <a:rPr lang="en-US" altLang="zh-CN" sz="2200" dirty="0"/>
               <a:t> 		</a:t>
             </a:r>
             <a:r>
-              <a:rPr lang="zh-CN" altLang="en-US" sz="2200"/>
+              <a:rPr lang="zh-CN" altLang="en-US" sz="2200" dirty="0"/>
               <a:t>  </a:t>
             </a:r>
             <a:r>
-              <a:rPr lang="en-US" altLang="zh-CN" sz="2200"/>
+              <a:rPr lang="en-US" altLang="zh-CN" sz="2200" dirty="0"/>
               <a:t>REFERENCES DEPT</a:t>
             </a:r>
             <a:r>
-              <a:rPr lang="zh-CN" altLang="en-US" sz="2200"/>
+              <a:rPr lang="zh-CN" altLang="en-US" sz="2200" dirty="0"/>
               <a:t>(</a:t>
             </a:r>
             <a:r>
-              <a:rPr lang="en-US" altLang="zh-CN" sz="2200"/>
+              <a:rPr lang="en-US" altLang="zh-CN" sz="2200" dirty="0" err="1"/>
               <a:t>Deptno</a:t>
             </a:r>
             <a:r>
-              <a:rPr lang="zh-CN" altLang="en-US" sz="2200"/>
+              <a:rPr lang="zh-CN" altLang="en-US" sz="2200" dirty="0"/>
               <a:t>),</a:t>
             </a:r>
           </a:p>
@@ -19291,15 +19358,15 @@
               <a:buNone/>
             </a:pPr>
             <a:r>
-              <a:rPr lang="en-US" altLang="zh-CN" sz="2200"/>
+              <a:rPr lang="en-US" altLang="zh-CN" sz="2200" dirty="0"/>
               <a:t>  		  </a:t>
             </a:r>
             <a:r>
-              <a:rPr lang="zh-CN" altLang="en-US" sz="2200"/>
+              <a:rPr lang="zh-CN" altLang="en-US" sz="2200" dirty="0"/>
               <a:t>    </a:t>
             </a:r>
             <a:r>
-              <a:rPr lang="en-US" altLang="zh-CN" sz="2200">
+              <a:rPr lang="en-US" altLang="zh-CN" sz="2200" dirty="0">
                 <a:solidFill>
                   <a:srgbClr val="0066FF"/>
                 </a:solidFill>
@@ -19307,26 +19374,26 @@
               <a:t>CONSTRAINT C1</a:t>
             </a:r>
             <a:r>
-              <a:rPr lang="en-US" altLang="zh-CN" sz="2200"/>
+              <a:rPr lang="en-US" altLang="zh-CN" sz="2200" dirty="0"/>
               <a:t> CHECK </a:t>
             </a:r>
             <a:r>
-              <a:rPr lang="zh-CN" altLang="en-US" sz="2200"/>
+              <a:rPr lang="zh-CN" altLang="en-US" sz="2200" dirty="0"/>
               <a:t>(</a:t>
             </a:r>
             <a:r>
-              <a:rPr lang="en-US" altLang="zh-CN" sz="2200"/>
+              <a:rPr lang="en-US" altLang="zh-CN" sz="2200" dirty="0"/>
               <a:t>Sal + Deduct &gt;= 3000</a:t>
             </a:r>
             <a:r>
-              <a:rPr lang="zh-CN" altLang="en-US" sz="2200"/>
+              <a:rPr lang="zh-CN" altLang="en-US" sz="2200" dirty="0"/>
               <a:t>)</a:t>
             </a:r>
             <a:r>
-              <a:rPr lang="en-US" altLang="zh-CN" sz="2200"/>
+              <a:rPr lang="en-US" altLang="zh-CN" sz="2200" dirty="0"/>
               <a:t> </a:t>
             </a:r>
-            <a:endParaRPr lang="zh-CN" altLang="en-US" sz="2200"/>
+            <a:endParaRPr lang="zh-CN" altLang="en-US" sz="2200" dirty="0"/>
           </a:p>
           <a:p>
             <a:pPr eaLnBrk="1" hangingPunct="1">
@@ -19337,11 +19404,11 @@
               <a:buNone/>
             </a:pPr>
             <a:r>
-              <a:rPr lang="en-US" altLang="zh-CN" sz="2200"/>
+              <a:rPr lang="en-US" altLang="zh-CN" sz="2200" dirty="0"/>
               <a:t>              </a:t>
             </a:r>
             <a:r>
-              <a:rPr lang="zh-CN" altLang="en-US" sz="2200"/>
+              <a:rPr lang="zh-CN" altLang="en-US" sz="2200" dirty="0"/>
               <a:t>  );</a:t>
             </a:r>
           </a:p>
@@ -19350,7 +19417,7 @@
               <a:buFont typeface="Wingdings" panose="05000000000000000000" pitchFamily="2" charset="2"/>
               <a:buNone/>
             </a:pPr>
-            <a:endParaRPr lang="zh-CN" altLang="en-US" sz="1800"/>
+            <a:endParaRPr lang="zh-CN" altLang="en-US" sz="1800" dirty="0"/>
           </a:p>
         </p:txBody>
       </p:sp>
@@ -23273,7 +23340,7 @@
           </a:lstStyle>
           <a:p>
             <a:r>
-              <a:rPr lang="zh-CN" altLang="en-US" sz="2400" b="1">
+              <a:rPr lang="zh-CN" altLang="en-US" sz="2400" b="1" dirty="0">
                 <a:solidFill>
                   <a:srgbClr val="FF0000"/>
                 </a:solidFill>
@@ -23281,7 +23348,7 @@
               <a:t>注意：</a:t>
             </a:r>
             <a:r>
-              <a:rPr lang="en-US" altLang="zh-CN" sz="2400" b="1">
+              <a:rPr lang="en-US" altLang="zh-CN" sz="2400" b="1" dirty="0">
                 <a:solidFill>
                   <a:srgbClr val="FF0000"/>
                 </a:solidFill>
@@ -23289,7 +23356,7 @@
               <a:t>T-SQL </a:t>
             </a:r>
             <a:r>
-              <a:rPr lang="zh-CN" altLang="en-US" sz="2400" b="1">
+              <a:rPr lang="zh-CN" altLang="en-US" sz="2400" b="1" dirty="0">
                 <a:solidFill>
                   <a:srgbClr val="FF0000"/>
                 </a:solidFill>
@@ -23297,7 +23364,7 @@
               <a:t>中没有 </a:t>
             </a:r>
             <a:r>
-              <a:rPr lang="en-US" altLang="zh-CN" sz="2400" b="1">
+              <a:rPr lang="en-US" altLang="zh-CN" sz="2400" b="1" dirty="0">
                 <a:solidFill>
                   <a:srgbClr val="FF0000"/>
                 </a:solidFill>
@@ -23305,7 +23372,7 @@
               <a:t>ASSERTION </a:t>
             </a:r>
             <a:r>
-              <a:rPr lang="zh-CN" altLang="en-US" sz="2400" b="1">
+              <a:rPr lang="zh-CN" altLang="en-US" sz="2400" b="1" dirty="0">
                 <a:solidFill>
                   <a:srgbClr val="FF0000"/>
                 </a:solidFill>
@@ -23315,53 +23382,61 @@
           </a:p>
           <a:p>
             <a:r>
-              <a:rPr lang="zh-CN" altLang="en-US"/>
+              <a:rPr lang="zh-CN" altLang="en-US" dirty="0">
+                <a:highlight>
+                  <a:srgbClr val="FFFF00"/>
+                </a:highlight>
+              </a:rPr>
               <a:t>类似的有</a:t>
             </a:r>
             <a:r>
-              <a:rPr lang="en-US" altLang="zh-CN"/>
+              <a:rPr lang="en-US" altLang="zh-CN" dirty="0">
+                <a:highlight>
+                  <a:srgbClr val="FFFF00"/>
+                </a:highlight>
+              </a:rPr>
               <a:t>RULE</a:t>
             </a:r>
             <a:r>
-              <a:rPr lang="zh-CN" altLang="en-US"/>
+              <a:rPr lang="zh-CN" altLang="en-US" dirty="0"/>
               <a:t>，但使用方法不同：</a:t>
             </a:r>
           </a:p>
           <a:p>
             <a:r>
-              <a:rPr lang="zh-CN" altLang="en-US"/>
+              <a:rPr lang="zh-CN" altLang="en-US" dirty="0"/>
               <a:t>上下文中不允许使用子查询，只允许使用标量表达式。</a:t>
             </a:r>
           </a:p>
           <a:p>
             <a:r>
-              <a:rPr lang="zh-CN" altLang="en-US"/>
+              <a:rPr lang="zh-CN" altLang="en-US" dirty="0"/>
               <a:t>例如：</a:t>
             </a:r>
           </a:p>
           <a:p>
             <a:r>
-              <a:rPr lang="zh-CN" altLang="en-US"/>
+              <a:rPr lang="zh-CN" altLang="en-US" dirty="0"/>
               <a:t>CREATE RULE sex_rule </a:t>
             </a:r>
           </a:p>
           <a:p>
             <a:r>
-              <a:rPr lang="zh-CN" altLang="en-US"/>
+              <a:rPr lang="zh-CN" altLang="en-US" dirty="0"/>
               <a:t>AS @sex in ('男','女')</a:t>
             </a:r>
           </a:p>
           <a:p>
             <a:r>
-              <a:rPr lang="zh-CN" altLang="en-US"/>
+              <a:rPr lang="zh-CN" altLang="en-US" dirty="0"/>
               <a:t>使用Constraint基本能完成功能，不建议使用</a:t>
             </a:r>
             <a:r>
-              <a:rPr lang="en-US" altLang="zh-CN"/>
+              <a:rPr lang="en-US" altLang="zh-CN" dirty="0"/>
               <a:t>RULE</a:t>
             </a:r>
             <a:r>
-              <a:rPr lang="zh-CN" altLang="en-US"/>
+              <a:rPr lang="zh-CN" altLang="en-US" dirty="0"/>
               <a:t>。</a:t>
             </a:r>
           </a:p>
@@ -24032,15 +24107,27 @@
               </a:lnSpc>
             </a:pPr>
             <a:r>
-              <a:rPr lang="zh-CN" altLang="en-US" noProof="1"/>
+              <a:rPr lang="zh-CN" altLang="en-US" noProof="1">
+                <a:highlight>
+                  <a:srgbClr val="FFFF00"/>
+                </a:highlight>
+              </a:rPr>
               <a:t>触发器（</a:t>
             </a:r>
             <a:r>
-              <a:rPr lang="en-US" altLang="zh-CN" noProof="1"/>
+              <a:rPr lang="en-US" altLang="zh-CN" noProof="1">
+                <a:highlight>
+                  <a:srgbClr val="FFFF00"/>
+                </a:highlight>
+              </a:rPr>
               <a:t>Trigger</a:t>
             </a:r>
             <a:r>
-              <a:rPr lang="zh-CN" altLang="en-US" noProof="1"/>
+              <a:rPr lang="zh-CN" altLang="en-US" noProof="1">
+                <a:highlight>
+                  <a:srgbClr val="FFFF00"/>
+                </a:highlight>
+              </a:rPr>
               <a:t>）</a:t>
             </a:r>
           </a:p>
@@ -26625,6 +26712,44 @@
           </a:p>
         </p:txBody>
       </p:sp>
+      <p:sp>
+        <p:nvSpPr>
+          <p:cNvPr id="2" name="矩形 1">
+            <a:extLst>
+              <a:ext uri="{FF2B5EF4-FFF2-40B4-BE49-F238E27FC236}">
+                <a16:creationId xmlns:a16="http://schemas.microsoft.com/office/drawing/2014/main" id="{CDE68D1B-B3E2-4AE9-AA4A-28CD17EAE59F}"/>
+              </a:ext>
+            </a:extLst>
+          </p:cNvPr>
+          <p:cNvSpPr/>
+          <p:nvPr/>
+        </p:nvSpPr>
+        <p:spPr>
+          <a:xfrm>
+            <a:off x="323528" y="5965310"/>
+            <a:ext cx="8280920" cy="369332"/>
+          </a:xfrm>
+          <a:prstGeom prst="rect">
+            <a:avLst/>
+          </a:prstGeom>
+        </p:spPr>
+        <p:txBody>
+          <a:bodyPr wrap="square">
+            <a:spAutoFit/>
+          </a:bodyPr>
+          <a:lstStyle/>
+          <a:p>
+            <a:r>
+              <a:rPr lang="zh-CN" altLang="en-US" i="1" dirty="0">
+                <a:highlight>
+                  <a:srgbClr val="FFFF00"/>
+                </a:highlight>
+              </a:rPr>
+              <a:t>https://blog.csdn.net/qq_38975453/article/details/104729884</a:t>
+            </a:r>
+          </a:p>
+        </p:txBody>
+      </p:sp>
     </p:spTree>
   </p:cSld>
   <p:clrMapOvr>
@@ -30055,7 +30180,7 @@
         <p:spPr>
           <a:xfrm>
             <a:off x="395288" y="822325"/>
-            <a:ext cx="8229600" cy="5561013"/>
+            <a:ext cx="8229600" cy="5198963"/>
           </a:xfrm>
           <a:ln>
             <a:miter/>
@@ -30384,6 +30509,44 @@
           </a:p>
           <a:p>
             <a:endParaRPr lang="zh-CN" altLang="en-US" sz="2000" noProof="1"/>
+          </a:p>
+        </p:txBody>
+      </p:sp>
+      <p:sp>
+        <p:nvSpPr>
+          <p:cNvPr id="2" name="矩形 1">
+            <a:extLst>
+              <a:ext uri="{FF2B5EF4-FFF2-40B4-BE49-F238E27FC236}">
+                <a16:creationId xmlns:a16="http://schemas.microsoft.com/office/drawing/2014/main" id="{BD2395F0-02D4-414A-914E-6B8CE26482D8}"/>
+              </a:ext>
+            </a:extLst>
+          </p:cNvPr>
+          <p:cNvSpPr/>
+          <p:nvPr/>
+        </p:nvSpPr>
+        <p:spPr>
+          <a:xfrm>
+            <a:off x="107504" y="6061938"/>
+            <a:ext cx="8316416" cy="369332"/>
+          </a:xfrm>
+          <a:prstGeom prst="rect">
+            <a:avLst/>
+          </a:prstGeom>
+        </p:spPr>
+        <p:txBody>
+          <a:bodyPr wrap="square">
+            <a:spAutoFit/>
+          </a:bodyPr>
+          <a:lstStyle/>
+          <a:p>
+            <a:r>
+              <a:rPr lang="zh-CN" altLang="en-US" i="1" dirty="0">
+                <a:highlight>
+                  <a:srgbClr val="FFFF00"/>
+                </a:highlight>
+              </a:rPr>
+              <a:t>https://blog.csdn.net/qq_38975453/article/details/104729681</a:t>
+            </a:r>
           </a:p>
         </p:txBody>
       </p:sp>
@@ -33897,7 +34060,7 @@
             </a:pPr>
             <a:r>
               <a:rPr lang="zh-CN" altLang="en-US" sz="2055" noProof="1"/>
-              <a:t>         	</a:t>
+              <a:t>           </a:t>
             </a:r>
             <a:r>
               <a:rPr lang="en-US" altLang="zh-CN" sz="2055" noProof="1"/>

--- a/PPT/PPT2020/DB第05章.pptx
+++ b/PPT/PPT2020/DB第05章.pptx
@@ -5,7 +5,7 @@
     <p:sldMasterId id="2147483648" r:id="rId1"/>
   </p:sldMasterIdLst>
   <p:notesMasterIdLst>
-    <p:notesMasterId r:id="rId69"/>
+    <p:notesMasterId r:id="rId68"/>
   </p:notesMasterIdLst>
   <p:sldIdLst>
     <p:sldId id="258" r:id="rId2"/>
@@ -27,54 +27,53 @@
     <p:sldId id="411" r:id="rId18"/>
     <p:sldId id="412" r:id="rId19"/>
     <p:sldId id="413" r:id="rId20"/>
-    <p:sldId id="414" r:id="rId21"/>
-    <p:sldId id="415" r:id="rId22"/>
-    <p:sldId id="416" r:id="rId23"/>
-    <p:sldId id="417" r:id="rId24"/>
-    <p:sldId id="418" r:id="rId25"/>
-    <p:sldId id="459" r:id="rId26"/>
-    <p:sldId id="419" r:id="rId27"/>
-    <p:sldId id="420" r:id="rId28"/>
-    <p:sldId id="421" r:id="rId29"/>
-    <p:sldId id="422" r:id="rId30"/>
-    <p:sldId id="423" r:id="rId31"/>
-    <p:sldId id="424" r:id="rId32"/>
-    <p:sldId id="425" r:id="rId33"/>
-    <p:sldId id="426" r:id="rId34"/>
-    <p:sldId id="451" r:id="rId35"/>
-    <p:sldId id="427" r:id="rId36"/>
-    <p:sldId id="428" r:id="rId37"/>
-    <p:sldId id="432" r:id="rId38"/>
-    <p:sldId id="433" r:id="rId39"/>
-    <p:sldId id="460" r:id="rId40"/>
-    <p:sldId id="434" r:id="rId41"/>
-    <p:sldId id="462" r:id="rId42"/>
-    <p:sldId id="436" r:id="rId43"/>
-    <p:sldId id="437" r:id="rId44"/>
-    <p:sldId id="438" r:id="rId45"/>
-    <p:sldId id="439" r:id="rId46"/>
-    <p:sldId id="464" r:id="rId47"/>
-    <p:sldId id="465" r:id="rId48"/>
-    <p:sldId id="452" r:id="rId49"/>
-    <p:sldId id="444" r:id="rId50"/>
-    <p:sldId id="453" r:id="rId51"/>
-    <p:sldId id="445" r:id="rId52"/>
-    <p:sldId id="446" r:id="rId53"/>
-    <p:sldId id="447" r:id="rId54"/>
-    <p:sldId id="448" r:id="rId55"/>
-    <p:sldId id="521" r:id="rId56"/>
-    <p:sldId id="522" r:id="rId57"/>
-    <p:sldId id="523" r:id="rId58"/>
-    <p:sldId id="524" r:id="rId59"/>
-    <p:sldId id="525" r:id="rId60"/>
-    <p:sldId id="526" r:id="rId61"/>
-    <p:sldId id="527" r:id="rId62"/>
-    <p:sldId id="528" r:id="rId63"/>
-    <p:sldId id="529" r:id="rId64"/>
-    <p:sldId id="530" r:id="rId65"/>
-    <p:sldId id="531" r:id="rId66"/>
-    <p:sldId id="533" r:id="rId67"/>
-    <p:sldId id="450" r:id="rId68"/>
+    <p:sldId id="415" r:id="rId21"/>
+    <p:sldId id="416" r:id="rId22"/>
+    <p:sldId id="417" r:id="rId23"/>
+    <p:sldId id="418" r:id="rId24"/>
+    <p:sldId id="459" r:id="rId25"/>
+    <p:sldId id="419" r:id="rId26"/>
+    <p:sldId id="420" r:id="rId27"/>
+    <p:sldId id="421" r:id="rId28"/>
+    <p:sldId id="422" r:id="rId29"/>
+    <p:sldId id="423" r:id="rId30"/>
+    <p:sldId id="424" r:id="rId31"/>
+    <p:sldId id="425" r:id="rId32"/>
+    <p:sldId id="426" r:id="rId33"/>
+    <p:sldId id="451" r:id="rId34"/>
+    <p:sldId id="427" r:id="rId35"/>
+    <p:sldId id="428" r:id="rId36"/>
+    <p:sldId id="432" r:id="rId37"/>
+    <p:sldId id="433" r:id="rId38"/>
+    <p:sldId id="460" r:id="rId39"/>
+    <p:sldId id="434" r:id="rId40"/>
+    <p:sldId id="462" r:id="rId41"/>
+    <p:sldId id="436" r:id="rId42"/>
+    <p:sldId id="437" r:id="rId43"/>
+    <p:sldId id="438" r:id="rId44"/>
+    <p:sldId id="439" r:id="rId45"/>
+    <p:sldId id="464" r:id="rId46"/>
+    <p:sldId id="465" r:id="rId47"/>
+    <p:sldId id="452" r:id="rId48"/>
+    <p:sldId id="444" r:id="rId49"/>
+    <p:sldId id="453" r:id="rId50"/>
+    <p:sldId id="445" r:id="rId51"/>
+    <p:sldId id="446" r:id="rId52"/>
+    <p:sldId id="447" r:id="rId53"/>
+    <p:sldId id="448" r:id="rId54"/>
+    <p:sldId id="521" r:id="rId55"/>
+    <p:sldId id="522" r:id="rId56"/>
+    <p:sldId id="523" r:id="rId57"/>
+    <p:sldId id="524" r:id="rId58"/>
+    <p:sldId id="525" r:id="rId59"/>
+    <p:sldId id="526" r:id="rId60"/>
+    <p:sldId id="527" r:id="rId61"/>
+    <p:sldId id="528" r:id="rId62"/>
+    <p:sldId id="529" r:id="rId63"/>
+    <p:sldId id="530" r:id="rId64"/>
+    <p:sldId id="531" r:id="rId65"/>
+    <p:sldId id="533" r:id="rId66"/>
+    <p:sldId id="450" r:id="rId67"/>
   </p:sldIdLst>
   <p:sldSz cx="9144000" cy="6858000" type="screen4x3"/>
   <p:notesSz cx="6834188" cy="9979025"/>
@@ -4695,11 +4694,11 @@
               <a:buNone/>
             </a:pPr>
             <a:r>
-              <a:rPr lang="en-US" altLang="zh-CN"/>
+              <a:rPr lang="en-US" altLang="zh-CN" dirty="0"/>
               <a:t>5.1  </a:t>
             </a:r>
             <a:r>
-              <a:rPr lang="zh-CN" altLang="en-US"/>
+              <a:rPr lang="zh-CN" altLang="en-US" dirty="0"/>
               <a:t>实体完整性</a:t>
             </a:r>
           </a:p>
@@ -4712,7 +4711,7 @@
               <a:buNone/>
             </a:pPr>
             <a:r>
-              <a:rPr lang="en-US" altLang="zh-CN">
+              <a:rPr lang="en-US" altLang="zh-CN" dirty="0">
                 <a:solidFill>
                   <a:srgbClr val="0066FF"/>
                 </a:solidFill>
@@ -4720,7 +4719,7 @@
               <a:t>5.2  </a:t>
             </a:r>
             <a:r>
-              <a:rPr lang="zh-CN" altLang="en-US">
+              <a:rPr lang="zh-CN" altLang="en-US" dirty="0">
                 <a:solidFill>
                   <a:srgbClr val="0066FF"/>
                 </a:solidFill>
@@ -4737,11 +4736,11 @@
               <a:buNone/>
             </a:pPr>
             <a:r>
-              <a:rPr lang="en-US" altLang="zh-CN"/>
+              <a:rPr lang="en-US" altLang="zh-CN" dirty="0"/>
               <a:t>5.3  </a:t>
             </a:r>
             <a:r>
-              <a:rPr lang="zh-CN" altLang="en-US"/>
+              <a:rPr lang="zh-CN" altLang="en-US" dirty="0"/>
               <a:t>用户定义的完整性</a:t>
             </a:r>
           </a:p>
@@ -4754,11 +4753,11 @@
               <a:buNone/>
             </a:pPr>
             <a:r>
-              <a:rPr lang="en-US" altLang="zh-CN"/>
+              <a:rPr lang="en-US" altLang="zh-CN" dirty="0"/>
               <a:t>5.4  </a:t>
             </a:r>
             <a:r>
-              <a:rPr lang="zh-CN" altLang="en-US"/>
+              <a:rPr lang="zh-CN" altLang="en-US" dirty="0"/>
               <a:t>完整性约束命名字句</a:t>
             </a:r>
           </a:p>
@@ -4771,15 +4770,15 @@
               <a:buNone/>
             </a:pPr>
             <a:r>
-              <a:rPr lang="zh-CN" altLang="en-US"/>
+              <a:rPr lang="zh-CN" altLang="en-US" dirty="0"/>
               <a:t>*</a:t>
             </a:r>
             <a:r>
-              <a:rPr lang="en-US" altLang="zh-CN"/>
+              <a:rPr lang="en-US" altLang="zh-CN" dirty="0"/>
               <a:t>5.5  </a:t>
             </a:r>
             <a:r>
-              <a:rPr lang="zh-CN" altLang="en-US"/>
+              <a:rPr lang="zh-CN" altLang="en-US" dirty="0"/>
               <a:t>域中的完整性限制</a:t>
             </a:r>
           </a:p>
@@ -4792,30 +4791,37 @@
               <a:buNone/>
             </a:pPr>
             <a:r>
-              <a:rPr lang="en-US" altLang="zh-CN"/>
+              <a:rPr lang="en-US" altLang="zh-CN" dirty="0"/>
               <a:t>5.6  </a:t>
             </a:r>
             <a:r>
-              <a:rPr lang="zh-CN" altLang="en-US"/>
+              <a:rPr lang="zh-CN" altLang="en-US" dirty="0"/>
               <a:t>断言</a:t>
             </a:r>
-            <a:endParaRPr lang="en-US" altLang="zh-CN" sz="3200"/>
+            <a:endParaRPr lang="en-US" altLang="zh-CN" sz="3200" dirty="0"/>
           </a:p>
           <a:p>
             <a:pPr eaLnBrk="1" hangingPunct="1">
               <a:lnSpc>
                 <a:spcPct val="130000"/>
               </a:lnSpc>
-              <a:buFont typeface="Wingdings" panose="05000000000000000000" pitchFamily="2" charset="2"/>
-              <a:buNone/>
-            </a:pPr>
-            <a:r>
-              <a:rPr lang="en-US" altLang="zh-CN"/>
+              <a:buNone/>
+            </a:pPr>
+            <a:r>
+              <a:rPr lang="en-US" altLang="zh-CN" dirty="0"/>
               <a:t>5.7  </a:t>
             </a:r>
             <a:r>
-              <a:rPr lang="zh-CN" altLang="en-US"/>
+              <a:rPr lang="zh-CN" altLang="en-US" dirty="0"/>
               <a:t>触发器</a:t>
+            </a:r>
+            <a:r>
+              <a:rPr lang="en-US" altLang="zh-CN" dirty="0"/>
+              <a:t>+ 8.3 </a:t>
+            </a:r>
+            <a:r>
+              <a:rPr lang="zh-CN" altLang="en-US" dirty="0"/>
+              <a:t>存储过程</a:t>
             </a:r>
           </a:p>
           <a:p>
@@ -4827,17 +4833,17 @@
               <a:buNone/>
             </a:pPr>
             <a:r>
-              <a:rPr lang="en-US" altLang="zh-CN"/>
+              <a:rPr lang="en-US" altLang="zh-CN" dirty="0"/>
               <a:t>5.8  </a:t>
             </a:r>
             <a:r>
-              <a:rPr lang="zh-CN" altLang="en-US"/>
+              <a:rPr lang="zh-CN" altLang="en-US" dirty="0"/>
               <a:t>小结</a:t>
             </a:r>
           </a:p>
           <a:p>
             <a:pPr eaLnBrk="1" hangingPunct="1"/>
-            <a:endParaRPr lang="en-US" altLang="zh-CN"/>
+            <a:endParaRPr lang="en-US" altLang="zh-CN" dirty="0"/>
           </a:p>
         </p:txBody>
       </p:sp>
@@ -9478,15 +9484,15 @@
               <a:buNone/>
             </a:pPr>
             <a:r>
-              <a:rPr lang="zh-CN" altLang="en-US"/>
+              <a:rPr lang="zh-CN" altLang="en-US" dirty="0"/>
               <a:t>例如，有下面</a:t>
             </a:r>
             <a:r>
-              <a:rPr lang="en-US" altLang="zh-CN"/>
+              <a:rPr lang="en-US" altLang="zh-CN" dirty="0"/>
               <a:t>2</a:t>
             </a:r>
             <a:r>
-              <a:rPr lang="zh-CN" altLang="en-US"/>
+              <a:rPr lang="zh-CN" altLang="en-US" dirty="0"/>
               <a:t>个关系</a:t>
             </a:r>
           </a:p>
@@ -9499,15 +9505,27 @@
               <a:buNone/>
             </a:pPr>
             <a:r>
-              <a:rPr lang="zh-CN" altLang="en-US"/>
+              <a:rPr lang="zh-CN" altLang="en-US" dirty="0">
+                <a:highlight>
+                  <a:srgbClr val="FFFF00"/>
+                </a:highlight>
+              </a:rPr>
               <a:t>    学生（</a:t>
             </a:r>
             <a:r>
-              <a:rPr lang="zh-CN" altLang="en-US" u="sng"/>
+              <a:rPr lang="zh-CN" altLang="en-US" u="sng" dirty="0">
+                <a:highlight>
+                  <a:srgbClr val="FFFF00"/>
+                </a:highlight>
+              </a:rPr>
               <a:t>学号</a:t>
             </a:r>
             <a:r>
-              <a:rPr lang="zh-CN" altLang="en-US"/>
+              <a:rPr lang="zh-CN" altLang="en-US" dirty="0">
+                <a:highlight>
+                  <a:srgbClr val="FFFF00"/>
+                </a:highlight>
+              </a:rPr>
               <a:t>，姓名，性别，专业号，年龄）</a:t>
             </a:r>
           </a:p>
@@ -9520,15 +9538,27 @@
               <a:buNone/>
             </a:pPr>
             <a:r>
-              <a:rPr lang="zh-CN" altLang="en-US"/>
+              <a:rPr lang="zh-CN" altLang="en-US" dirty="0">
+                <a:highlight>
+                  <a:srgbClr val="FFFF00"/>
+                </a:highlight>
+              </a:rPr>
               <a:t>    专业（</a:t>
             </a:r>
             <a:r>
-              <a:rPr lang="zh-CN" altLang="en-US" u="sng"/>
+              <a:rPr lang="zh-CN" altLang="en-US" u="sng" dirty="0">
+                <a:highlight>
+                  <a:srgbClr val="FFFF00"/>
+                </a:highlight>
+              </a:rPr>
               <a:t>专业号</a:t>
             </a:r>
             <a:r>
-              <a:rPr lang="zh-CN" altLang="en-US"/>
+              <a:rPr lang="zh-CN" altLang="en-US" dirty="0">
+                <a:highlight>
+                  <a:srgbClr val="FFFF00"/>
+                </a:highlight>
+              </a:rPr>
               <a:t>，专业名）</a:t>
             </a:r>
           </a:p>
@@ -9542,11 +9572,11 @@
               <a:buChar char="l"/>
             </a:pPr>
             <a:r>
-              <a:rPr lang="zh-CN" altLang="en-US" sz="2200"/>
+              <a:rPr lang="zh-CN" altLang="en-US" sz="2200" dirty="0"/>
               <a:t>假设专业表中某个元组被删除，专业号为</a:t>
             </a:r>
             <a:r>
-              <a:rPr lang="en-US" altLang="zh-CN" sz="2200"/>
+              <a:rPr lang="en-US" altLang="zh-CN" sz="2200" dirty="0"/>
               <a:t>12</a:t>
             </a:r>
           </a:p>
@@ -9560,15 +9590,15 @@
               <a:buChar char="l"/>
             </a:pPr>
             <a:r>
-              <a:rPr lang="zh-CN" altLang="en-US" sz="2200"/>
+              <a:rPr lang="zh-CN" altLang="en-US" sz="2200" dirty="0"/>
               <a:t>按照设置为空值的策略，就要把学生表中专业号</a:t>
             </a:r>
             <a:r>
-              <a:rPr lang="en-US" altLang="zh-CN" sz="2200"/>
+              <a:rPr lang="en-US" altLang="zh-CN" sz="2200" dirty="0"/>
               <a:t>=12</a:t>
             </a:r>
             <a:r>
-              <a:rPr lang="zh-CN" altLang="en-US" sz="2200"/>
+              <a:rPr lang="zh-CN" altLang="en-US" sz="2200" dirty="0"/>
               <a:t>的所有元组的专业号设置为空值</a:t>
             </a:r>
           </a:p>
@@ -9582,10 +9612,10 @@
               <a:buChar char="l"/>
             </a:pPr>
             <a:r>
-              <a:rPr lang="zh-CN" altLang="en-US" sz="2200"/>
+              <a:rPr lang="zh-CN" altLang="en-US" sz="2200" dirty="0"/>
               <a:t>对应语义：某个专业删除了，该专业的所有学生专业未定，等待重新分配专业 </a:t>
             </a:r>
-            <a:endParaRPr lang="en-US" altLang="zh-CN" sz="2200"/>
+            <a:endParaRPr lang="en-US" altLang="zh-CN" sz="2200" dirty="0"/>
           </a:p>
           <a:p>
             <a:pPr lvl="2">
@@ -9596,7 +9626,7 @@
               <a:buFont typeface="Wingdings" panose="05000000000000000000" pitchFamily="2" charset="2"/>
               <a:buChar char="n"/>
             </a:pPr>
-            <a:endParaRPr lang="zh-CN" altLang="en-US" sz="1900"/>
+            <a:endParaRPr lang="zh-CN" altLang="en-US" sz="1900" dirty="0"/>
           </a:p>
         </p:txBody>
       </p:sp>
@@ -10874,11 +10904,11 @@
               <a:buNone/>
             </a:pPr>
             <a:r>
-              <a:rPr lang="en-US" altLang="zh-CN"/>
+              <a:rPr lang="en-US" altLang="zh-CN" dirty="0"/>
               <a:t>5.1  </a:t>
             </a:r>
             <a:r>
-              <a:rPr lang="zh-CN" altLang="en-US"/>
+              <a:rPr lang="zh-CN" altLang="en-US" dirty="0"/>
               <a:t>实体完整性</a:t>
             </a:r>
           </a:p>
@@ -10891,11 +10921,11 @@
               <a:buNone/>
             </a:pPr>
             <a:r>
-              <a:rPr lang="en-US" altLang="zh-CN"/>
+              <a:rPr lang="en-US" altLang="zh-CN" dirty="0"/>
               <a:t>5.2  </a:t>
             </a:r>
             <a:r>
-              <a:rPr lang="zh-CN" altLang="en-US"/>
+              <a:rPr lang="zh-CN" altLang="en-US" dirty="0"/>
               <a:t>参照完整性</a:t>
             </a:r>
           </a:p>
@@ -10908,7 +10938,7 @@
               <a:buNone/>
             </a:pPr>
             <a:r>
-              <a:rPr lang="en-US" altLang="zh-CN">
+              <a:rPr lang="en-US" altLang="zh-CN" dirty="0">
                 <a:solidFill>
                   <a:srgbClr val="0066FF"/>
                 </a:solidFill>
@@ -10916,7 +10946,7 @@
               <a:t>5.3  </a:t>
             </a:r>
             <a:r>
-              <a:rPr lang="zh-CN" altLang="en-US">
+              <a:rPr lang="zh-CN" altLang="en-US" dirty="0">
                 <a:solidFill>
                   <a:srgbClr val="0066FF"/>
                 </a:solidFill>
@@ -10933,11 +10963,11 @@
               <a:buNone/>
             </a:pPr>
             <a:r>
-              <a:rPr lang="en-US" altLang="zh-CN"/>
+              <a:rPr lang="en-US" altLang="zh-CN" dirty="0"/>
               <a:t>5.4  </a:t>
             </a:r>
             <a:r>
-              <a:rPr lang="zh-CN" altLang="en-US"/>
+              <a:rPr lang="zh-CN" altLang="en-US" dirty="0"/>
               <a:t>完整性约束命名字句</a:t>
             </a:r>
           </a:p>
@@ -10950,15 +10980,15 @@
               <a:buNone/>
             </a:pPr>
             <a:r>
-              <a:rPr lang="zh-CN" altLang="en-US"/>
+              <a:rPr lang="zh-CN" altLang="en-US" dirty="0"/>
               <a:t>*</a:t>
             </a:r>
             <a:r>
-              <a:rPr lang="en-US" altLang="zh-CN"/>
+              <a:rPr lang="en-US" altLang="zh-CN" dirty="0"/>
               <a:t>5.5  </a:t>
             </a:r>
             <a:r>
-              <a:rPr lang="zh-CN" altLang="en-US"/>
+              <a:rPr lang="zh-CN" altLang="en-US" dirty="0"/>
               <a:t>域中的完整性限制</a:t>
             </a:r>
           </a:p>
@@ -10971,30 +11001,37 @@
               <a:buNone/>
             </a:pPr>
             <a:r>
-              <a:rPr lang="en-US" altLang="zh-CN"/>
+              <a:rPr lang="en-US" altLang="zh-CN" dirty="0"/>
               <a:t>5.6  </a:t>
             </a:r>
             <a:r>
-              <a:rPr lang="zh-CN" altLang="en-US"/>
+              <a:rPr lang="zh-CN" altLang="en-US" dirty="0"/>
               <a:t>断言</a:t>
             </a:r>
-            <a:endParaRPr lang="en-US" altLang="zh-CN" sz="3200"/>
+            <a:endParaRPr lang="en-US" altLang="zh-CN" sz="3200" dirty="0"/>
           </a:p>
           <a:p>
             <a:pPr eaLnBrk="1" hangingPunct="1">
               <a:lnSpc>
                 <a:spcPct val="130000"/>
               </a:lnSpc>
-              <a:buFont typeface="Wingdings" panose="05000000000000000000" pitchFamily="2" charset="2"/>
-              <a:buNone/>
-            </a:pPr>
-            <a:r>
-              <a:rPr lang="en-US" altLang="zh-CN"/>
+              <a:buNone/>
+            </a:pPr>
+            <a:r>
+              <a:rPr lang="en-US" altLang="zh-CN" dirty="0"/>
               <a:t>5.7  </a:t>
             </a:r>
             <a:r>
-              <a:rPr lang="zh-CN" altLang="en-US"/>
-              <a:t>触发器</a:t>
+              <a:rPr lang="zh-CN" altLang="en-US" dirty="0"/>
+              <a:t>触发器 </a:t>
+            </a:r>
+            <a:r>
+              <a:rPr lang="en-US" altLang="zh-CN" dirty="0"/>
+              <a:t>+ 8.3 </a:t>
+            </a:r>
+            <a:r>
+              <a:rPr lang="zh-CN" altLang="en-US" dirty="0"/>
+              <a:t>存储过程</a:t>
             </a:r>
           </a:p>
           <a:p>
@@ -11006,17 +11043,17 @@
               <a:buNone/>
             </a:pPr>
             <a:r>
-              <a:rPr lang="en-US" altLang="zh-CN"/>
+              <a:rPr lang="en-US" altLang="zh-CN" dirty="0"/>
               <a:t>5.8  </a:t>
             </a:r>
             <a:r>
-              <a:rPr lang="zh-CN" altLang="en-US"/>
+              <a:rPr lang="zh-CN" altLang="en-US" dirty="0"/>
               <a:t>小结</a:t>
             </a:r>
           </a:p>
           <a:p>
             <a:pPr eaLnBrk="1" hangingPunct="1"/>
-            <a:endParaRPr lang="en-US" altLang="zh-CN"/>
+            <a:endParaRPr lang="en-US" altLang="zh-CN" dirty="0"/>
           </a:p>
         </p:txBody>
       </p:sp>
@@ -11268,18 +11305,6 @@
           <a:bodyPr/>
           <a:lstStyle/>
           <a:p>
-            <a:pPr eaLnBrk="1" hangingPunct="1">
-              <a:lnSpc>
-                <a:spcPct val="170000"/>
-              </a:lnSpc>
-            </a:pPr>
-            <a:r>
-              <a:rPr lang="zh-CN" altLang="en-US" dirty="0"/>
-              <a:t>用户定义的完整性是：</a:t>
-            </a:r>
-            <a:endParaRPr lang="en-US" altLang="zh-CN" dirty="0"/>
-          </a:p>
-          <a:p>
             <a:pPr marL="0" indent="0" eaLnBrk="1" hangingPunct="1">
               <a:lnSpc>
                 <a:spcPct val="170000"/>
@@ -11287,11 +11312,24 @@
               <a:buNone/>
             </a:pPr>
             <a:r>
-              <a:rPr lang="zh-CN" altLang="en-US" dirty="0"/>
+              <a:rPr lang="zh-CN" altLang="en-US" sz="1800" dirty="0"/>
+              <a:t>用户定义的完整性是：</a:t>
+            </a:r>
+            <a:endParaRPr lang="en-US" altLang="zh-CN" sz="1800" dirty="0"/>
+          </a:p>
+          <a:p>
+            <a:pPr marL="0" indent="0" eaLnBrk="1" hangingPunct="1">
+              <a:lnSpc>
+                <a:spcPct val="170000"/>
+              </a:lnSpc>
+              <a:buNone/>
+            </a:pPr>
+            <a:r>
+              <a:rPr lang="zh-CN" altLang="en-US" sz="1800" dirty="0"/>
               <a:t>针对</a:t>
             </a:r>
             <a:r>
-              <a:rPr lang="zh-CN" altLang="en-US" dirty="0">
+              <a:rPr lang="zh-CN" altLang="en-US" sz="1800" dirty="0">
                 <a:solidFill>
                   <a:srgbClr val="FF00FF"/>
                 </a:solidFill>
@@ -11299,9 +11337,66 @@
               <a:t>某一具体应用</a:t>
             </a:r>
             <a:r>
-              <a:rPr lang="zh-CN" altLang="en-US" dirty="0"/>
+              <a:rPr lang="zh-CN" altLang="en-US" sz="1800" dirty="0"/>
               <a:t>的数据必须满足的语义要求 </a:t>
             </a:r>
+            <a:endParaRPr lang="en-US" altLang="zh-CN" sz="1800" dirty="0"/>
+          </a:p>
+          <a:p>
+            <a:pPr marL="0" indent="0" eaLnBrk="1" hangingPunct="1">
+              <a:lnSpc>
+                <a:spcPct val="170000"/>
+              </a:lnSpc>
+              <a:buNone/>
+            </a:pPr>
+            <a:endParaRPr lang="zh-CN" altLang="en-US" sz="1800" dirty="0"/>
+          </a:p>
+          <a:p>
+            <a:pPr marL="0" indent="0" eaLnBrk="1" hangingPunct="1">
+              <a:lnSpc>
+                <a:spcPct val="190000"/>
+              </a:lnSpc>
+              <a:buNone/>
+              <a:defRPr/>
+            </a:pPr>
+            <a:r>
+              <a:rPr lang="en-US" altLang="zh-CN" sz="3200" dirty="0">
+                <a:solidFill>
+                  <a:srgbClr val="00B050"/>
+                </a:solidFill>
+              </a:rPr>
+              <a:t>5.3.1 </a:t>
+            </a:r>
+            <a:r>
+              <a:rPr lang="zh-CN" altLang="en-US" sz="3200" dirty="0">
+                <a:solidFill>
+                  <a:srgbClr val="00B050"/>
+                </a:solidFill>
+              </a:rPr>
+              <a:t>属性上的约束条件</a:t>
+            </a:r>
+          </a:p>
+          <a:p>
+            <a:pPr marL="0" indent="0" eaLnBrk="1" hangingPunct="1">
+              <a:lnSpc>
+                <a:spcPct val="190000"/>
+              </a:lnSpc>
+              <a:buNone/>
+              <a:defRPr/>
+            </a:pPr>
+            <a:r>
+              <a:rPr lang="en-US" altLang="zh-CN" sz="3200" dirty="0"/>
+              <a:t>5.3.2 </a:t>
+            </a:r>
+            <a:r>
+              <a:rPr lang="zh-CN" altLang="en-US" sz="3200" dirty="0"/>
+              <a:t>元组上的约束条件 </a:t>
+            </a:r>
+            <a:endParaRPr lang="zh-CN" altLang="en-US" sz="3200" dirty="0">
+              <a:solidFill>
+                <a:srgbClr val="3333FF"/>
+              </a:solidFill>
+            </a:endParaRPr>
           </a:p>
           <a:p>
             <a:pPr eaLnBrk="1" hangingPunct="1">
@@ -11680,314 +11775,6 @@
       </p:grpSpPr>
       <p:sp>
         <p:nvSpPr>
-          <p:cNvPr id="22529" name="页脚占位符 4">
-            <a:extLst>
-              <a:ext uri="{FF2B5EF4-FFF2-40B4-BE49-F238E27FC236}">
-                <a16:creationId xmlns:a16="http://schemas.microsoft.com/office/drawing/2014/main" id="{BBD7EF18-D8EB-49D9-8AC0-70DA0059D5F7}"/>
-              </a:ext>
-            </a:extLst>
-          </p:cNvPr>
-          <p:cNvSpPr txBox="1">
-            <a:spLocks noGrp="1" noChangeArrowheads="1"/>
-          </p:cNvSpPr>
-          <p:nvPr/>
-        </p:nvSpPr>
-        <p:spPr bwMode="auto">
-          <a:xfrm>
-            <a:off x="5219700" y="6381750"/>
-            <a:ext cx="3600450" cy="320675"/>
-          </a:xfrm>
-          <a:prstGeom prst="rect">
-            <a:avLst/>
-          </a:prstGeom>
-          <a:noFill/>
-          <a:ln>
-            <a:noFill/>
-          </a:ln>
-          <a:extLst>
-            <a:ext uri="{909E8E84-426E-40DD-AFC4-6F175D3DCCD1}">
-              <a14:hiddenFill xmlns:a14="http://schemas.microsoft.com/office/drawing/2010/main">
-                <a:solidFill>
-                  <a:srgbClr val="FFFFFF"/>
-                </a:solidFill>
-              </a14:hiddenFill>
-            </a:ext>
-            <a:ext uri="{91240B29-F687-4F45-9708-019B960494DF}">
-              <a14:hiddenLine xmlns:a14="http://schemas.microsoft.com/office/drawing/2010/main" w="9525">
-                <a:solidFill>
-                  <a:srgbClr val="000000"/>
-                </a:solidFill>
-                <a:miter lim="800000"/>
-                <a:headEnd/>
-                <a:tailEnd/>
-              </a14:hiddenLine>
-            </a:ext>
-          </a:extLst>
-        </p:spPr>
-        <p:txBody>
-          <a:bodyPr/>
-          <a:lstStyle>
-            <a:lvl1pPr>
-              <a:defRPr>
-                <a:solidFill>
-                  <a:schemeClr val="tx1"/>
-                </a:solidFill>
-                <a:latin typeface="Arial" panose="020B0604020202020204" pitchFamily="34" charset="0"/>
-                <a:ea typeface="宋体" panose="02010600030101010101" pitchFamily="2" charset="-122"/>
-              </a:defRPr>
-            </a:lvl1pPr>
-            <a:lvl2pPr>
-              <a:defRPr>
-                <a:solidFill>
-                  <a:schemeClr val="tx1"/>
-                </a:solidFill>
-                <a:latin typeface="Arial" panose="020B0604020202020204" pitchFamily="34" charset="0"/>
-                <a:ea typeface="宋体" panose="02010600030101010101" pitchFamily="2" charset="-122"/>
-              </a:defRPr>
-            </a:lvl2pPr>
-            <a:lvl3pPr>
-              <a:defRPr>
-                <a:solidFill>
-                  <a:schemeClr val="tx1"/>
-                </a:solidFill>
-                <a:latin typeface="Arial" panose="020B0604020202020204" pitchFamily="34" charset="0"/>
-                <a:ea typeface="宋体" panose="02010600030101010101" pitchFamily="2" charset="-122"/>
-              </a:defRPr>
-            </a:lvl3pPr>
-            <a:lvl4pPr>
-              <a:defRPr>
-                <a:solidFill>
-                  <a:schemeClr val="tx1"/>
-                </a:solidFill>
-                <a:latin typeface="Arial" panose="020B0604020202020204" pitchFamily="34" charset="0"/>
-                <a:ea typeface="宋体" panose="02010600030101010101" pitchFamily="2" charset="-122"/>
-              </a:defRPr>
-            </a:lvl4pPr>
-            <a:lvl5pPr>
-              <a:defRPr>
-                <a:solidFill>
-                  <a:schemeClr val="tx1"/>
-                </a:solidFill>
-                <a:latin typeface="Arial" panose="020B0604020202020204" pitchFamily="34" charset="0"/>
-                <a:ea typeface="宋体" panose="02010600030101010101" pitchFamily="2" charset="-122"/>
-              </a:defRPr>
-            </a:lvl5pPr>
-            <a:lvl6pPr fontAlgn="base">
-              <a:spcBef>
-                <a:spcPct val="0"/>
-              </a:spcBef>
-              <a:spcAft>
-                <a:spcPct val="0"/>
-              </a:spcAft>
-              <a:buFont typeface="Arial" panose="020B0604020202020204" pitchFamily="34" charset="0"/>
-              <a:defRPr>
-                <a:solidFill>
-                  <a:schemeClr val="tx1"/>
-                </a:solidFill>
-                <a:latin typeface="Arial" panose="020B0604020202020204" pitchFamily="34" charset="0"/>
-                <a:ea typeface="宋体" panose="02010600030101010101" pitchFamily="2" charset="-122"/>
-              </a:defRPr>
-            </a:lvl6pPr>
-            <a:lvl7pPr fontAlgn="base">
-              <a:spcBef>
-                <a:spcPct val="0"/>
-              </a:spcBef>
-              <a:spcAft>
-                <a:spcPct val="0"/>
-              </a:spcAft>
-              <a:buFont typeface="Arial" panose="020B0604020202020204" pitchFamily="34" charset="0"/>
-              <a:defRPr>
-                <a:solidFill>
-                  <a:schemeClr val="tx1"/>
-                </a:solidFill>
-                <a:latin typeface="Arial" panose="020B0604020202020204" pitchFamily="34" charset="0"/>
-                <a:ea typeface="宋体" panose="02010600030101010101" pitchFamily="2" charset="-122"/>
-              </a:defRPr>
-            </a:lvl7pPr>
-            <a:lvl8pPr fontAlgn="base">
-              <a:spcBef>
-                <a:spcPct val="0"/>
-              </a:spcBef>
-              <a:spcAft>
-                <a:spcPct val="0"/>
-              </a:spcAft>
-              <a:buFont typeface="Arial" panose="020B0604020202020204" pitchFamily="34" charset="0"/>
-              <a:defRPr>
-                <a:solidFill>
-                  <a:schemeClr val="tx1"/>
-                </a:solidFill>
-                <a:latin typeface="Arial" panose="020B0604020202020204" pitchFamily="34" charset="0"/>
-                <a:ea typeface="宋体" panose="02010600030101010101" pitchFamily="2" charset="-122"/>
-              </a:defRPr>
-            </a:lvl8pPr>
-            <a:lvl9pPr fontAlgn="base">
-              <a:spcBef>
-                <a:spcPct val="0"/>
-              </a:spcBef>
-              <a:spcAft>
-                <a:spcPct val="0"/>
-              </a:spcAft>
-              <a:buFont typeface="Arial" panose="020B0604020202020204" pitchFamily="34" charset="0"/>
-              <a:defRPr>
-                <a:solidFill>
-                  <a:schemeClr val="tx1"/>
-                </a:solidFill>
-                <a:latin typeface="Arial" panose="020B0604020202020204" pitchFamily="34" charset="0"/>
-                <a:ea typeface="宋体" panose="02010600030101010101" pitchFamily="2" charset="-122"/>
-              </a:defRPr>
-            </a:lvl9pPr>
-          </a:lstStyle>
-          <a:p>
-            <a:pPr algn="ctr"/>
-            <a:endParaRPr lang="en-US" altLang="zh-CN" sz="1400" b="1">
-              <a:solidFill>
-                <a:srgbClr val="F03628"/>
-              </a:solidFill>
-            </a:endParaRPr>
-          </a:p>
-        </p:txBody>
-      </p:sp>
-      <p:sp>
-        <p:nvSpPr>
-          <p:cNvPr id="22530" name="Rectangle 2">
-            <a:extLst>
-              <a:ext uri="{FF2B5EF4-FFF2-40B4-BE49-F238E27FC236}">
-                <a16:creationId xmlns:a16="http://schemas.microsoft.com/office/drawing/2014/main" id="{93539114-E511-4704-9ADC-03660DE24A54}"/>
-              </a:ext>
-            </a:extLst>
-          </p:cNvPr>
-          <p:cNvSpPr>
-            <a:spLocks noGrp="1" noChangeArrowheads="1"/>
-          </p:cNvSpPr>
-          <p:nvPr>
-            <p:ph type="title" idx="4294967295"/>
-          </p:nvPr>
-        </p:nvSpPr>
-        <p:spPr/>
-        <p:txBody>
-          <a:bodyPr/>
-          <a:lstStyle/>
-          <a:p>
-            <a:pPr eaLnBrk="1" hangingPunct="1"/>
-            <a:r>
-              <a:rPr lang="en-US" altLang="zh-CN" sz="3600"/>
-              <a:t>5.3  </a:t>
-            </a:r>
-            <a:r>
-              <a:rPr lang="zh-CN" altLang="en-US" sz="3600"/>
-              <a:t>用户定义的完整性</a:t>
-            </a:r>
-          </a:p>
-        </p:txBody>
-      </p:sp>
-      <p:sp>
-        <p:nvSpPr>
-          <p:cNvPr id="32772" name="Rectangle 3">
-            <a:extLst>
-              <a:ext uri="{FF2B5EF4-FFF2-40B4-BE49-F238E27FC236}">
-                <a16:creationId xmlns:a16="http://schemas.microsoft.com/office/drawing/2014/main" id="{A64158B3-7494-4DE4-9B6C-DC5D63BD6582}"/>
-              </a:ext>
-            </a:extLst>
-          </p:cNvPr>
-          <p:cNvSpPr>
-            <a:spLocks noGrp="1" noChangeArrowheads="1"/>
-          </p:cNvSpPr>
-          <p:nvPr>
-            <p:ph type="body" idx="4294967295"/>
-          </p:nvPr>
-        </p:nvSpPr>
-        <p:spPr>
-          <a:ln>
-            <a:miter/>
-          </a:ln>
-        </p:spPr>
-        <p:txBody>
-          <a:bodyPr/>
-          <a:lstStyle/>
-          <a:p>
-            <a:pPr marL="0" indent="0" eaLnBrk="1" hangingPunct="1">
-              <a:lnSpc>
-                <a:spcPct val="190000"/>
-              </a:lnSpc>
-              <a:buFont typeface="Wingdings" panose="05000000000000000000" pitchFamily="2" charset="2"/>
-              <a:buNone/>
-              <a:defRPr/>
-            </a:pPr>
-            <a:r>
-              <a:rPr lang="en-US" dirty="0">
-                <a:solidFill>
-                  <a:srgbClr val="00B050"/>
-                </a:solidFill>
-              </a:rPr>
-              <a:t>5.3.1 </a:t>
-            </a:r>
-            <a:r>
-              <a:rPr lang="zh-CN" altLang="en-US" dirty="0">
-                <a:solidFill>
-                  <a:srgbClr val="00B050"/>
-                </a:solidFill>
-              </a:rPr>
-              <a:t>属性上的约束条件</a:t>
-            </a:r>
-          </a:p>
-          <a:p>
-            <a:pPr marL="0" indent="0" eaLnBrk="1" hangingPunct="1">
-              <a:lnSpc>
-                <a:spcPct val="190000"/>
-              </a:lnSpc>
-              <a:buFont typeface="Wingdings" panose="05000000000000000000" pitchFamily="2" charset="2"/>
-              <a:buNone/>
-              <a:defRPr/>
-            </a:pPr>
-            <a:r>
-              <a:rPr lang="en-US" dirty="0"/>
-              <a:t>5.3.2 </a:t>
-            </a:r>
-            <a:r>
-              <a:rPr lang="zh-CN" altLang="en-US" dirty="0"/>
-              <a:t>元组上的约束条件 </a:t>
-            </a:r>
-            <a:endParaRPr lang="zh-CN" altLang="en-US" dirty="0">
-              <a:solidFill>
-                <a:srgbClr val="3333FF"/>
-              </a:solidFill>
-            </a:endParaRPr>
-          </a:p>
-          <a:p>
-            <a:pPr eaLnBrk="1" hangingPunct="1">
-              <a:defRPr/>
-            </a:pPr>
-            <a:endParaRPr lang="en-US" dirty="0"/>
-          </a:p>
-        </p:txBody>
-      </p:sp>
-    </p:spTree>
-  </p:cSld>
-  <p:clrMapOvr>
-    <a:masterClrMapping/>
-  </p:clrMapOvr>
-</p:sld>
-</file>
-
-<file path=ppt/slides/slide21.xml><?xml version="1.0" encoding="utf-8"?>
-<p:sld xmlns:a="http://schemas.openxmlformats.org/drawingml/2006/main" xmlns:r="http://schemas.openxmlformats.org/officeDocument/2006/relationships" xmlns:p="http://schemas.openxmlformats.org/presentationml/2006/main">
-  <p:cSld>
-    <p:spTree>
-      <p:nvGrpSpPr>
-        <p:cNvPr id="1" name=""/>
-        <p:cNvGrpSpPr/>
-        <p:nvPr/>
-      </p:nvGrpSpPr>
-      <p:grpSpPr>
-        <a:xfrm>
-          <a:off x="0" y="0"/>
-          <a:ext cx="0" cy="0"/>
-          <a:chOff x="0" y="0"/>
-          <a:chExt cx="0" cy="0"/>
-        </a:xfrm>
-      </p:grpSpPr>
-      <p:sp>
-        <p:nvSpPr>
           <p:cNvPr id="23553" name="页脚占位符 4">
             <a:extLst>
               <a:ext uri="{FF2B5EF4-FFF2-40B4-BE49-F238E27FC236}">
@@ -12299,7 +12086,7 @@
 </p:sld>
 </file>
 
-<file path=ppt/slides/slide22.xml><?xml version="1.0" encoding="utf-8"?>
+<file path=ppt/slides/slide21.xml><?xml version="1.0" encoding="utf-8"?>
 <p:sld xmlns:a="http://schemas.openxmlformats.org/drawingml/2006/main" xmlns:r="http://schemas.openxmlformats.org/officeDocument/2006/relationships" xmlns:p="http://schemas.openxmlformats.org/presentationml/2006/main">
   <p:cSld>
     <p:spTree>
@@ -12892,7 +12679,7 @@
 </p:sld>
 </file>
 
-<file path=ppt/slides/slide23.xml><?xml version="1.0" encoding="utf-8"?>
+<file path=ppt/slides/slide22.xml><?xml version="1.0" encoding="utf-8"?>
 <p:sld xmlns:a="http://schemas.openxmlformats.org/drawingml/2006/main" xmlns:r="http://schemas.openxmlformats.org/officeDocument/2006/relationships" xmlns:p="http://schemas.openxmlformats.org/presentationml/2006/main">
   <p:cSld>
     <p:spTree>
@@ -13446,7 +13233,7 @@
 </p:sld>
 </file>
 
-<file path=ppt/slides/slide24.xml><?xml version="1.0" encoding="utf-8"?>
+<file path=ppt/slides/slide23.xml><?xml version="1.0" encoding="utf-8"?>
 <p:sld xmlns:a="http://schemas.openxmlformats.org/drawingml/2006/main" xmlns:r="http://schemas.openxmlformats.org/officeDocument/2006/relationships" xmlns:p="http://schemas.openxmlformats.org/presentationml/2006/main">
   <p:cSld>
     <p:spTree>
@@ -13707,22 +13494,22 @@
               <a:buNone/>
             </a:pPr>
             <a:r>
-              <a:rPr lang="en-US" altLang="zh-CN"/>
+              <a:rPr lang="en-US" altLang="zh-CN" dirty="0"/>
               <a:t>（3）</a:t>
             </a:r>
             <a:r>
-              <a:rPr lang="zh-CN" altLang="en-US"/>
+              <a:rPr lang="zh-CN" altLang="en-US" dirty="0"/>
               <a:t>用</a:t>
             </a:r>
             <a:r>
-              <a:rPr lang="en-US" altLang="zh-CN"/>
+              <a:rPr lang="en-US" altLang="zh-CN" dirty="0"/>
               <a:t>CHECK</a:t>
             </a:r>
             <a:r>
-              <a:rPr lang="zh-CN" altLang="en-US"/>
+              <a:rPr lang="zh-CN" altLang="en-US" dirty="0"/>
               <a:t>短语指定列值应该满足的条件</a:t>
             </a:r>
-            <a:endParaRPr lang="en-US" altLang="zh-CN"/>
+            <a:endParaRPr lang="en-US" altLang="zh-CN" dirty="0"/>
           </a:p>
           <a:p>
             <a:pPr eaLnBrk="1" hangingPunct="1">
@@ -13732,7 +13519,7 @@
               <a:buFont typeface="Wingdings" panose="05000000000000000000" pitchFamily="2" charset="2"/>
               <a:buNone/>
             </a:pPr>
-            <a:endParaRPr lang="zh-CN" altLang="en-US" sz="2400"/>
+            <a:endParaRPr lang="zh-CN" altLang="en-US" sz="2400" dirty="0"/>
           </a:p>
           <a:p>
             <a:pPr eaLnBrk="1" hangingPunct="1">
@@ -13743,35 +13530,35 @@
               <a:buNone/>
             </a:pPr>
             <a:r>
-              <a:rPr lang="en-US" altLang="zh-CN" sz="2400"/>
+              <a:rPr lang="en-US" altLang="zh-CN" sz="2400" dirty="0"/>
               <a:t>    [</a:t>
             </a:r>
             <a:r>
-              <a:rPr lang="zh-CN" altLang="en-US" sz="2400"/>
+              <a:rPr lang="zh-CN" altLang="en-US" sz="2400" dirty="0"/>
               <a:t>例5.</a:t>
             </a:r>
             <a:r>
-              <a:rPr lang="en-US" altLang="zh-CN" sz="2400"/>
+              <a:rPr lang="en-US" altLang="zh-CN" sz="2400" dirty="0"/>
               <a:t>7]</a:t>
             </a:r>
             <a:r>
-              <a:rPr lang="zh-CN" altLang="en-US" sz="2400"/>
+              <a:rPr lang="zh-CN" altLang="en-US" sz="2400" dirty="0"/>
               <a:t>  </a:t>
             </a:r>
             <a:r>
-              <a:rPr lang="en-US" altLang="zh-CN" sz="2400"/>
+              <a:rPr lang="en-US" altLang="zh-CN" sz="2400" dirty="0"/>
               <a:t>Student</a:t>
             </a:r>
             <a:r>
-              <a:rPr lang="zh-CN" altLang="en-US" sz="2400"/>
+              <a:rPr lang="zh-CN" altLang="en-US" sz="2400" dirty="0"/>
               <a:t>表的</a:t>
             </a:r>
             <a:r>
-              <a:rPr lang="en-US" altLang="zh-CN" sz="2400"/>
+              <a:rPr lang="en-US" altLang="zh-CN" sz="2400" dirty="0" err="1"/>
               <a:t>Ssex</a:t>
             </a:r>
             <a:r>
-              <a:rPr lang="zh-CN" altLang="en-US" sz="2400"/>
+              <a:rPr lang="zh-CN" altLang="en-US" sz="2400" dirty="0"/>
               <a:t>只允许取“男”或“女”。</a:t>
             </a:r>
           </a:p>
@@ -13784,11 +13571,11 @@
               <a:buNone/>
             </a:pPr>
             <a:r>
-              <a:rPr lang="zh-CN" altLang="en-US" sz="2200"/>
+              <a:rPr lang="zh-CN" altLang="en-US" sz="2200" dirty="0"/>
               <a:t>     </a:t>
             </a:r>
             <a:r>
-              <a:rPr lang="en-US" altLang="zh-CN" sz="2200"/>
+              <a:rPr lang="en-US" altLang="zh-CN" sz="2200" dirty="0"/>
               <a:t>CREATE TABLE Student</a:t>
             </a:r>
           </a:p>
@@ -13801,35 +13588,39 @@
               <a:buNone/>
             </a:pPr>
             <a:r>
-              <a:rPr lang="en-US" altLang="zh-CN" sz="2200"/>
+              <a:rPr lang="en-US" altLang="zh-CN" sz="2200" dirty="0"/>
               <a:t>          </a:t>
             </a:r>
             <a:r>
-              <a:rPr lang="zh-CN" altLang="en-US" sz="2200"/>
+              <a:rPr lang="zh-CN" altLang="en-US" sz="2200" dirty="0"/>
               <a:t>( </a:t>
             </a:r>
             <a:r>
-              <a:rPr lang="en-US" altLang="zh-CN" sz="2200"/>
-              <a:t>Sno  CHAR</a:t>
-            </a:r>
-            <a:r>
-              <a:rPr lang="zh-CN" altLang="en-US" sz="2200"/>
+              <a:rPr lang="en-US" altLang="zh-CN" sz="2200" dirty="0" err="1"/>
+              <a:t>Sno</a:t>
+            </a:r>
+            <a:r>
+              <a:rPr lang="en-US" altLang="zh-CN" sz="2200" dirty="0"/>
+              <a:t>  CHAR</a:t>
+            </a:r>
+            <a:r>
+              <a:rPr lang="zh-CN" altLang="en-US" sz="2200" dirty="0"/>
               <a:t>(</a:t>
             </a:r>
             <a:r>
-              <a:rPr lang="en-US" altLang="zh-CN" sz="2200"/>
+              <a:rPr lang="en-US" altLang="zh-CN" sz="2200" dirty="0"/>
               <a:t>9</a:t>
             </a:r>
             <a:r>
-              <a:rPr lang="zh-CN" altLang="en-US" sz="2200"/>
+              <a:rPr lang="zh-CN" altLang="en-US" sz="2200" dirty="0"/>
               <a:t>)</a:t>
             </a:r>
             <a:r>
-              <a:rPr lang="en-US" altLang="zh-CN" sz="2200"/>
+              <a:rPr lang="en-US" altLang="zh-CN" sz="2200" dirty="0"/>
               <a:t> PRIMARY KEY</a:t>
             </a:r>
             <a:r>
-              <a:rPr lang="zh-CN" altLang="en-US" sz="2200"/>
+              <a:rPr lang="zh-CN" altLang="en-US" sz="2200" dirty="0"/>
               <a:t>,</a:t>
             </a:r>
           </a:p>
@@ -13842,31 +13633,35 @@
               <a:buNone/>
             </a:pPr>
             <a:r>
-              <a:rPr lang="zh-CN" altLang="en-US" sz="2200"/>
+              <a:rPr lang="zh-CN" altLang="en-US" sz="2200" dirty="0"/>
               <a:t>            </a:t>
             </a:r>
             <a:r>
-              <a:rPr lang="en-US" altLang="zh-CN" sz="2200"/>
-              <a:t>Sname CHAR</a:t>
-            </a:r>
-            <a:r>
-              <a:rPr lang="zh-CN" altLang="en-US" sz="2200"/>
+              <a:rPr lang="en-US" altLang="zh-CN" sz="2200" dirty="0" err="1"/>
+              <a:t>Sname</a:t>
+            </a:r>
+            <a:r>
+              <a:rPr lang="en-US" altLang="zh-CN" sz="2200" dirty="0"/>
+              <a:t> CHAR</a:t>
+            </a:r>
+            <a:r>
+              <a:rPr lang="zh-CN" altLang="en-US" sz="2200" dirty="0"/>
               <a:t>(</a:t>
             </a:r>
             <a:r>
-              <a:rPr lang="en-US" altLang="zh-CN" sz="2200"/>
+              <a:rPr lang="en-US" altLang="zh-CN" sz="2200" dirty="0"/>
               <a:t>8</a:t>
             </a:r>
             <a:r>
-              <a:rPr lang="zh-CN" altLang="en-US" sz="2200"/>
+              <a:rPr lang="zh-CN" altLang="en-US" sz="2200" dirty="0"/>
               <a:t>)</a:t>
             </a:r>
             <a:r>
-              <a:rPr lang="en-US" altLang="zh-CN" sz="2200"/>
+              <a:rPr lang="en-US" altLang="zh-CN" sz="2200" dirty="0"/>
               <a:t> NOT NULL</a:t>
             </a:r>
             <a:r>
-              <a:rPr lang="zh-CN" altLang="en-US" sz="2200"/>
+              <a:rPr lang="zh-CN" altLang="en-US" sz="2200" dirty="0"/>
               <a:t>,                     </a:t>
             </a:r>
           </a:p>
@@ -13879,47 +13674,78 @@
               <a:buNone/>
             </a:pPr>
             <a:r>
-              <a:rPr lang="zh-CN" altLang="en-US" sz="2200"/>
+              <a:rPr lang="zh-CN" altLang="en-US" sz="2200" dirty="0"/>
               <a:t>            </a:t>
             </a:r>
             <a:r>
-              <a:rPr lang="en-US" altLang="zh-CN" sz="2200"/>
-              <a:t>Ssex  CHAR</a:t>
-            </a:r>
-            <a:r>
-              <a:rPr lang="zh-CN" altLang="en-US" sz="2200"/>
+              <a:rPr lang="en-US" altLang="zh-CN" sz="2200" dirty="0" err="1"/>
+              <a:t>Ssex</a:t>
+            </a:r>
+            <a:r>
+              <a:rPr lang="en-US" altLang="zh-CN" sz="2200" dirty="0"/>
+              <a:t>  CHAR</a:t>
+            </a:r>
+            <a:r>
+              <a:rPr lang="zh-CN" altLang="en-US" sz="2200" dirty="0"/>
               <a:t>(</a:t>
             </a:r>
             <a:r>
-              <a:rPr lang="en-US" altLang="zh-CN" sz="2200"/>
+              <a:rPr lang="en-US" altLang="zh-CN" sz="2200" dirty="0"/>
               <a:t>2</a:t>
             </a:r>
             <a:r>
-              <a:rPr lang="zh-CN" altLang="en-US" sz="2200"/>
+              <a:rPr lang="zh-CN" altLang="en-US" sz="2200" dirty="0"/>
               <a:t>)</a:t>
             </a:r>
             <a:r>
-              <a:rPr lang="en-US" altLang="zh-CN" sz="2200"/>
+              <a:rPr lang="en-US" altLang="zh-CN" sz="2200" dirty="0"/>
               <a:t>  </a:t>
             </a:r>
             <a:r>
-              <a:rPr lang="en-US" altLang="zh-CN" sz="2200">
+              <a:rPr lang="en-US" altLang="zh-CN" sz="2200" dirty="0">
                 <a:solidFill>
                   <a:srgbClr val="FF00FF"/>
                 </a:solidFill>
-              </a:rPr>
-              <a:t>CHECK （Ssex IN （‘</a:t>
-            </a:r>
-            <a:r>
-              <a:rPr lang="zh-CN" altLang="en-US" sz="2200">
+                <a:highlight>
+                  <a:srgbClr val="FFFF00"/>
+                </a:highlight>
+              </a:rPr>
+              <a:t>CHECK</a:t>
+            </a:r>
+            <a:r>
+              <a:rPr lang="en-US" altLang="zh-CN" sz="2200" dirty="0">
                 <a:solidFill>
                   <a:srgbClr val="FF00FF"/>
                 </a:solidFill>
               </a:rPr>
+              <a:t> （</a:t>
+            </a:r>
+            <a:r>
+              <a:rPr lang="en-US" altLang="zh-CN" sz="2200" dirty="0" err="1">
+                <a:solidFill>
+                  <a:srgbClr val="FF00FF"/>
+                </a:solidFill>
+              </a:rPr>
+              <a:t>Ssex</a:t>
+            </a:r>
+            <a:r>
+              <a:rPr lang="en-US" altLang="zh-CN" sz="2200" dirty="0">
+                <a:solidFill>
+                  <a:srgbClr val="FF00FF"/>
+                </a:solidFill>
+              </a:rPr>
+              <a:t> IN （‘</a:t>
+            </a:r>
+            <a:r>
+              <a:rPr lang="zh-CN" altLang="en-US" sz="2200" dirty="0">
+                <a:solidFill>
+                  <a:srgbClr val="FF00FF"/>
+                </a:solidFill>
+              </a:rPr>
               <a:t>男</a:t>
             </a:r>
             <a:r>
-              <a:rPr lang="en-US" altLang="zh-CN" sz="2200">
+              <a:rPr lang="en-US" altLang="zh-CN" sz="2200" dirty="0">
                 <a:solidFill>
                   <a:srgbClr val="FF00FF"/>
                 </a:solidFill>
@@ -13927,7 +13753,7 @@
               <a:t>’,’</a:t>
             </a:r>
             <a:r>
-              <a:rPr lang="zh-CN" altLang="en-US" sz="2200">
+              <a:rPr lang="zh-CN" altLang="en-US" sz="2200" dirty="0">
                 <a:solidFill>
                   <a:srgbClr val="FF00FF"/>
                 </a:solidFill>
@@ -13935,7 +13761,7 @@
               <a:t>女</a:t>
             </a:r>
             <a:r>
-              <a:rPr lang="en-US" altLang="zh-CN" sz="2200">
+              <a:rPr lang="en-US" altLang="zh-CN" sz="2200" dirty="0">
                 <a:solidFill>
                   <a:srgbClr val="FF00FF"/>
                 </a:solidFill>
@@ -13943,7 +13769,7 @@
               <a:t>’））</a:t>
             </a:r>
             <a:r>
-              <a:rPr lang="zh-CN" altLang="en-US" sz="2200"/>
+              <a:rPr lang="zh-CN" altLang="en-US" sz="2200" dirty="0"/>
               <a:t>，           </a:t>
             </a:r>
           </a:p>
@@ -13956,51 +13782,51 @@
               <a:buNone/>
             </a:pPr>
             <a:r>
-              <a:rPr lang="zh-CN" altLang="en-US" sz="2000"/>
+              <a:rPr lang="zh-CN" altLang="en-US" sz="2000" dirty="0"/>
               <a:t>                                                     </a:t>
             </a:r>
             <a:r>
-              <a:rPr lang="en-US" altLang="zh-CN" sz="2000"/>
+              <a:rPr lang="en-US" altLang="zh-CN" sz="2000" dirty="0"/>
               <a:t>/*</a:t>
             </a:r>
             <a:r>
-              <a:rPr lang="zh-CN" altLang="en-US" sz="2000"/>
+              <a:rPr lang="zh-CN" altLang="en-US" sz="2000" dirty="0"/>
               <a:t>性别属性</a:t>
             </a:r>
             <a:r>
-              <a:rPr lang="en-US" altLang="zh-CN" sz="2000"/>
+              <a:rPr lang="en-US" altLang="zh-CN" sz="2000" dirty="0" err="1"/>
               <a:t>Ssex</a:t>
             </a:r>
             <a:r>
-              <a:rPr lang="zh-CN" altLang="en-US" sz="2000"/>
+              <a:rPr lang="zh-CN" altLang="en-US" sz="2000" dirty="0"/>
               <a:t>只允许取</a:t>
             </a:r>
             <a:r>
-              <a:rPr lang="en-US" altLang="zh-CN" sz="2000"/>
+              <a:rPr lang="en-US" altLang="zh-CN" sz="2000" dirty="0"/>
               <a:t>'</a:t>
             </a:r>
             <a:r>
-              <a:rPr lang="zh-CN" altLang="en-US" sz="2000"/>
+              <a:rPr lang="zh-CN" altLang="en-US" sz="2000" dirty="0"/>
               <a:t>男</a:t>
             </a:r>
             <a:r>
-              <a:rPr lang="en-US" altLang="zh-CN" sz="2000"/>
+              <a:rPr lang="en-US" altLang="zh-CN" sz="2000" dirty="0"/>
               <a:t>'</a:t>
             </a:r>
             <a:r>
-              <a:rPr lang="zh-CN" altLang="en-US" sz="2000"/>
+              <a:rPr lang="zh-CN" altLang="en-US" sz="2000" dirty="0"/>
               <a:t>或</a:t>
             </a:r>
             <a:r>
-              <a:rPr lang="en-US" altLang="zh-CN" sz="2000"/>
+              <a:rPr lang="en-US" altLang="zh-CN" sz="2000" dirty="0"/>
               <a:t>'</a:t>
             </a:r>
             <a:r>
-              <a:rPr lang="zh-CN" altLang="en-US" sz="2000"/>
+              <a:rPr lang="zh-CN" altLang="en-US" sz="2000" dirty="0"/>
               <a:t>女</a:t>
             </a:r>
             <a:r>
-              <a:rPr lang="en-US" altLang="zh-CN" sz="2000"/>
+              <a:rPr lang="en-US" altLang="zh-CN" sz="2000" dirty="0"/>
               <a:t>' */</a:t>
             </a:r>
           </a:p>
@@ -14013,19 +13839,19 @@
               <a:buNone/>
             </a:pPr>
             <a:r>
-              <a:rPr lang="en-US" altLang="zh-CN" sz="2200"/>
+              <a:rPr lang="en-US" altLang="zh-CN" sz="2200" dirty="0"/>
               <a:t>          </a:t>
             </a:r>
             <a:r>
-              <a:rPr lang="zh-CN" altLang="en-US" sz="2200"/>
+              <a:rPr lang="zh-CN" altLang="en-US" sz="2200" dirty="0"/>
               <a:t>  </a:t>
             </a:r>
             <a:r>
-              <a:rPr lang="en-US" altLang="zh-CN" sz="2200"/>
+              <a:rPr lang="en-US" altLang="zh-CN" sz="2200" dirty="0"/>
               <a:t>Sage  SMALLINT</a:t>
             </a:r>
             <a:r>
-              <a:rPr lang="zh-CN" altLang="en-US" sz="2200"/>
+              <a:rPr lang="zh-CN" altLang="en-US" sz="2200" dirty="0"/>
               <a:t>,</a:t>
             </a:r>
           </a:p>
@@ -14038,23 +13864,27 @@
               <a:buNone/>
             </a:pPr>
             <a:r>
-              <a:rPr lang="zh-CN" altLang="en-US" sz="2200"/>
+              <a:rPr lang="zh-CN" altLang="en-US" sz="2200" dirty="0"/>
               <a:t>            </a:t>
             </a:r>
             <a:r>
-              <a:rPr lang="en-US" altLang="zh-CN" sz="2200"/>
-              <a:t>Sdept  CHAR</a:t>
-            </a:r>
-            <a:r>
-              <a:rPr lang="zh-CN" altLang="en-US" sz="2200"/>
+              <a:rPr lang="en-US" altLang="zh-CN" sz="2200" dirty="0" err="1"/>
+              <a:t>Sdept</a:t>
+            </a:r>
+            <a:r>
+              <a:rPr lang="en-US" altLang="zh-CN" sz="2200" dirty="0"/>
+              <a:t>  CHAR</a:t>
+            </a:r>
+            <a:r>
+              <a:rPr lang="zh-CN" altLang="en-US" sz="2200" dirty="0"/>
               <a:t>(</a:t>
             </a:r>
             <a:r>
-              <a:rPr lang="en-US" altLang="zh-CN" sz="2200"/>
+              <a:rPr lang="en-US" altLang="zh-CN" sz="2200" dirty="0"/>
               <a:t>20</a:t>
             </a:r>
             <a:r>
-              <a:rPr lang="zh-CN" altLang="en-US" sz="2200"/>
+              <a:rPr lang="zh-CN" altLang="en-US" sz="2200" dirty="0"/>
               <a:t>)</a:t>
             </a:r>
           </a:p>
@@ -14067,15 +13897,15 @@
               <a:buNone/>
             </a:pPr>
             <a:r>
-              <a:rPr lang="en-US" altLang="zh-CN" sz="2200"/>
+              <a:rPr lang="en-US" altLang="zh-CN" sz="2200" dirty="0"/>
               <a:t>        </a:t>
             </a:r>
             <a:r>
-              <a:rPr lang="zh-CN" altLang="en-US" sz="2200"/>
+              <a:rPr lang="zh-CN" altLang="en-US" sz="2200" dirty="0"/>
               <a:t>  )</a:t>
             </a:r>
             <a:r>
-              <a:rPr lang="en-US" altLang="zh-CN" sz="2200"/>
+              <a:rPr lang="en-US" altLang="zh-CN" sz="2200" dirty="0"/>
               <a:t>;</a:t>
             </a:r>
           </a:p>
@@ -14089,7 +13919,7 @@
 </p:sld>
 </file>
 
-<file path=ppt/slides/slide25.xml><?xml version="1.0" encoding="utf-8"?>
+<file path=ppt/slides/slide24.xml><?xml version="1.0" encoding="utf-8"?>
 <p:sld xmlns:a="http://schemas.openxmlformats.org/drawingml/2006/main" xmlns:r="http://schemas.openxmlformats.org/officeDocument/2006/relationships" xmlns:p="http://schemas.openxmlformats.org/presentationml/2006/main">
   <p:cSld>
     <p:spTree>
@@ -15007,7 +14837,7 @@
 </p:sld>
 </file>
 
-<file path=ppt/slides/slide26.xml><?xml version="1.0" encoding="utf-8"?>
+<file path=ppt/slides/slide25.xml><?xml version="1.0" encoding="utf-8"?>
 <p:sld xmlns:a="http://schemas.openxmlformats.org/drawingml/2006/main" xmlns:r="http://schemas.openxmlformats.org/officeDocument/2006/relationships" xmlns:p="http://schemas.openxmlformats.org/presentationml/2006/main">
   <p:cSld>
     <p:spTree>
@@ -15311,7 +15141,7 @@
 </p:sld>
 </file>
 
-<file path=ppt/slides/slide27.xml><?xml version="1.0" encoding="utf-8"?>
+<file path=ppt/slides/slide26.xml><?xml version="1.0" encoding="utf-8"?>
 <p:sld xmlns:a="http://schemas.openxmlformats.org/drawingml/2006/main" xmlns:r="http://schemas.openxmlformats.org/officeDocument/2006/relationships" xmlns:p="http://schemas.openxmlformats.org/presentationml/2006/main">
   <p:cSld>
     <p:spTree>
@@ -15618,7 +15448,7 @@
 </p:sld>
 </file>
 
-<file path=ppt/slides/slide28.xml><?xml version="1.0" encoding="utf-8"?>
+<file path=ppt/slides/slide27.xml><?xml version="1.0" encoding="utf-8"?>
 <p:sld xmlns:a="http://schemas.openxmlformats.org/drawingml/2006/main" xmlns:r="http://schemas.openxmlformats.org/officeDocument/2006/relationships" xmlns:p="http://schemas.openxmlformats.org/presentationml/2006/main">
   <p:cSld>
     <p:spTree>
@@ -15919,7 +15749,7 @@
 </p:sld>
 </file>
 
-<file path=ppt/slides/slide29.xml><?xml version="1.0" encoding="utf-8"?>
+<file path=ppt/slides/slide28.xml><?xml version="1.0" encoding="utf-8"?>
 <p:sld xmlns:a="http://schemas.openxmlformats.org/drawingml/2006/main" xmlns:r="http://schemas.openxmlformats.org/officeDocument/2006/relationships" xmlns:p="http://schemas.openxmlformats.org/presentationml/2006/main">
   <p:cSld>
     <p:spTree>
@@ -16523,6 +16353,296 @@
             <a:r>
               <a:rPr lang="zh-CN" altLang="en-US" sz="2200"/>
               <a:t>打头</a:t>
+            </a:r>
+          </a:p>
+        </p:txBody>
+      </p:sp>
+    </p:spTree>
+  </p:cSld>
+  <p:clrMapOvr>
+    <a:masterClrMapping/>
+  </p:clrMapOvr>
+</p:sld>
+</file>
+
+<file path=ppt/slides/slide29.xml><?xml version="1.0" encoding="utf-8"?>
+<p:sld xmlns:a="http://schemas.openxmlformats.org/drawingml/2006/main" xmlns:r="http://schemas.openxmlformats.org/officeDocument/2006/relationships" xmlns:p="http://schemas.openxmlformats.org/presentationml/2006/main">
+  <p:cSld>
+    <p:spTree>
+      <p:nvGrpSpPr>
+        <p:cNvPr id="1" name=""/>
+        <p:cNvGrpSpPr/>
+        <p:nvPr/>
+      </p:nvGrpSpPr>
+      <p:grpSpPr>
+        <a:xfrm>
+          <a:off x="0" y="0"/>
+          <a:ext cx="0" cy="0"/>
+          <a:chOff x="0" y="0"/>
+          <a:chExt cx="0" cy="0"/>
+        </a:xfrm>
+      </p:grpSpPr>
+      <p:sp>
+        <p:nvSpPr>
+          <p:cNvPr id="32769" name="页脚占位符 4">
+            <a:extLst>
+              <a:ext uri="{FF2B5EF4-FFF2-40B4-BE49-F238E27FC236}">
+                <a16:creationId xmlns:a16="http://schemas.microsoft.com/office/drawing/2014/main" id="{2FD6DF1C-69BE-4DDE-944E-683F881A62A9}"/>
+              </a:ext>
+            </a:extLst>
+          </p:cNvPr>
+          <p:cNvSpPr txBox="1">
+            <a:spLocks noGrp="1" noChangeArrowheads="1"/>
+          </p:cNvSpPr>
+          <p:nvPr/>
+        </p:nvSpPr>
+        <p:spPr bwMode="auto">
+          <a:xfrm>
+            <a:off x="5219700" y="6381750"/>
+            <a:ext cx="3600450" cy="320675"/>
+          </a:xfrm>
+          <a:prstGeom prst="rect">
+            <a:avLst/>
+          </a:prstGeom>
+          <a:noFill/>
+          <a:ln>
+            <a:noFill/>
+          </a:ln>
+          <a:extLst>
+            <a:ext uri="{909E8E84-426E-40DD-AFC4-6F175D3DCCD1}">
+              <a14:hiddenFill xmlns:a14="http://schemas.microsoft.com/office/drawing/2010/main">
+                <a:solidFill>
+                  <a:srgbClr val="FFFFFF"/>
+                </a:solidFill>
+              </a14:hiddenFill>
+            </a:ext>
+            <a:ext uri="{91240B29-F687-4F45-9708-019B960494DF}">
+              <a14:hiddenLine xmlns:a14="http://schemas.microsoft.com/office/drawing/2010/main" w="9525">
+                <a:solidFill>
+                  <a:srgbClr val="000000"/>
+                </a:solidFill>
+                <a:miter lim="800000"/>
+                <a:headEnd/>
+                <a:tailEnd/>
+              </a14:hiddenLine>
+            </a:ext>
+          </a:extLst>
+        </p:spPr>
+        <p:txBody>
+          <a:bodyPr/>
+          <a:lstStyle>
+            <a:lvl1pPr>
+              <a:defRPr>
+                <a:solidFill>
+                  <a:schemeClr val="tx1"/>
+                </a:solidFill>
+                <a:latin typeface="Arial" panose="020B0604020202020204" pitchFamily="34" charset="0"/>
+                <a:ea typeface="宋体" panose="02010600030101010101" pitchFamily="2" charset="-122"/>
+              </a:defRPr>
+            </a:lvl1pPr>
+            <a:lvl2pPr>
+              <a:defRPr>
+                <a:solidFill>
+                  <a:schemeClr val="tx1"/>
+                </a:solidFill>
+                <a:latin typeface="Arial" panose="020B0604020202020204" pitchFamily="34" charset="0"/>
+                <a:ea typeface="宋体" panose="02010600030101010101" pitchFamily="2" charset="-122"/>
+              </a:defRPr>
+            </a:lvl2pPr>
+            <a:lvl3pPr>
+              <a:defRPr>
+                <a:solidFill>
+                  <a:schemeClr val="tx1"/>
+                </a:solidFill>
+                <a:latin typeface="Arial" panose="020B0604020202020204" pitchFamily="34" charset="0"/>
+                <a:ea typeface="宋体" panose="02010600030101010101" pitchFamily="2" charset="-122"/>
+              </a:defRPr>
+            </a:lvl3pPr>
+            <a:lvl4pPr>
+              <a:defRPr>
+                <a:solidFill>
+                  <a:schemeClr val="tx1"/>
+                </a:solidFill>
+                <a:latin typeface="Arial" panose="020B0604020202020204" pitchFamily="34" charset="0"/>
+                <a:ea typeface="宋体" panose="02010600030101010101" pitchFamily="2" charset="-122"/>
+              </a:defRPr>
+            </a:lvl4pPr>
+            <a:lvl5pPr>
+              <a:defRPr>
+                <a:solidFill>
+                  <a:schemeClr val="tx1"/>
+                </a:solidFill>
+                <a:latin typeface="Arial" panose="020B0604020202020204" pitchFamily="34" charset="0"/>
+                <a:ea typeface="宋体" panose="02010600030101010101" pitchFamily="2" charset="-122"/>
+              </a:defRPr>
+            </a:lvl5pPr>
+            <a:lvl6pPr fontAlgn="base">
+              <a:spcBef>
+                <a:spcPct val="0"/>
+              </a:spcBef>
+              <a:spcAft>
+                <a:spcPct val="0"/>
+              </a:spcAft>
+              <a:buFont typeface="Arial" panose="020B0604020202020204" pitchFamily="34" charset="0"/>
+              <a:defRPr>
+                <a:solidFill>
+                  <a:schemeClr val="tx1"/>
+                </a:solidFill>
+                <a:latin typeface="Arial" panose="020B0604020202020204" pitchFamily="34" charset="0"/>
+                <a:ea typeface="宋体" panose="02010600030101010101" pitchFamily="2" charset="-122"/>
+              </a:defRPr>
+            </a:lvl6pPr>
+            <a:lvl7pPr fontAlgn="base">
+              <a:spcBef>
+                <a:spcPct val="0"/>
+              </a:spcBef>
+              <a:spcAft>
+                <a:spcPct val="0"/>
+              </a:spcAft>
+              <a:buFont typeface="Arial" panose="020B0604020202020204" pitchFamily="34" charset="0"/>
+              <a:defRPr>
+                <a:solidFill>
+                  <a:schemeClr val="tx1"/>
+                </a:solidFill>
+                <a:latin typeface="Arial" panose="020B0604020202020204" pitchFamily="34" charset="0"/>
+                <a:ea typeface="宋体" panose="02010600030101010101" pitchFamily="2" charset="-122"/>
+              </a:defRPr>
+            </a:lvl7pPr>
+            <a:lvl8pPr fontAlgn="base">
+              <a:spcBef>
+                <a:spcPct val="0"/>
+              </a:spcBef>
+              <a:spcAft>
+                <a:spcPct val="0"/>
+              </a:spcAft>
+              <a:buFont typeface="Arial" panose="020B0604020202020204" pitchFamily="34" charset="0"/>
+              <a:defRPr>
+                <a:solidFill>
+                  <a:schemeClr val="tx1"/>
+                </a:solidFill>
+                <a:latin typeface="Arial" panose="020B0604020202020204" pitchFamily="34" charset="0"/>
+                <a:ea typeface="宋体" panose="02010600030101010101" pitchFamily="2" charset="-122"/>
+              </a:defRPr>
+            </a:lvl8pPr>
+            <a:lvl9pPr fontAlgn="base">
+              <a:spcBef>
+                <a:spcPct val="0"/>
+              </a:spcBef>
+              <a:spcAft>
+                <a:spcPct val="0"/>
+              </a:spcAft>
+              <a:buFont typeface="Arial" panose="020B0604020202020204" pitchFamily="34" charset="0"/>
+              <a:defRPr>
+                <a:solidFill>
+                  <a:schemeClr val="tx1"/>
+                </a:solidFill>
+                <a:latin typeface="Arial" panose="020B0604020202020204" pitchFamily="34" charset="0"/>
+                <a:ea typeface="宋体" panose="02010600030101010101" pitchFamily="2" charset="-122"/>
+              </a:defRPr>
+            </a:lvl9pPr>
+          </a:lstStyle>
+          <a:p>
+            <a:pPr algn="ctr"/>
+            <a:endParaRPr lang="en-US" altLang="zh-CN" sz="1400" b="1">
+              <a:solidFill>
+                <a:srgbClr val="F03628"/>
+              </a:solidFill>
+            </a:endParaRPr>
+          </a:p>
+        </p:txBody>
+      </p:sp>
+      <p:sp>
+        <p:nvSpPr>
+          <p:cNvPr id="32770" name="Rectangle 3">
+            <a:extLst>
+              <a:ext uri="{FF2B5EF4-FFF2-40B4-BE49-F238E27FC236}">
+                <a16:creationId xmlns:a16="http://schemas.microsoft.com/office/drawing/2014/main" id="{541EC6C7-0F00-436B-B6EE-EBD94762D756}"/>
+              </a:ext>
+            </a:extLst>
+          </p:cNvPr>
+          <p:cNvSpPr>
+            <a:spLocks noGrp="1" noChangeArrowheads="1"/>
+          </p:cNvSpPr>
+          <p:nvPr>
+            <p:ph type="body" idx="4294967295"/>
+          </p:nvPr>
+        </p:nvSpPr>
+        <p:spPr>
+          <a:xfrm>
+            <a:off x="457200" y="1196975"/>
+            <a:ext cx="8229600" cy="4854575"/>
+          </a:xfrm>
+        </p:spPr>
+        <p:txBody>
+          <a:bodyPr/>
+          <a:lstStyle/>
+          <a:p>
+            <a:pPr eaLnBrk="1" hangingPunct="1">
+              <a:lnSpc>
+                <a:spcPct val="180000"/>
+              </a:lnSpc>
+            </a:pPr>
+            <a:r>
+              <a:rPr lang="zh-CN" altLang="en-US"/>
+              <a:t>元组上的约束条件检查和违约处理</a:t>
+            </a:r>
+            <a:endParaRPr lang="en-US" altLang="zh-CN"/>
+          </a:p>
+          <a:p>
+            <a:pPr lvl="1" eaLnBrk="1" hangingPunct="1">
+              <a:lnSpc>
+                <a:spcPct val="180000"/>
+              </a:lnSpc>
+              <a:buSzPct val="85000"/>
+            </a:pPr>
+            <a:r>
+              <a:rPr lang="zh-CN" altLang="en-US"/>
+              <a:t>插入元组或修改属性的值时，关系数据库管理系统检查元组上的约束条件是否被满足</a:t>
+            </a:r>
+          </a:p>
+          <a:p>
+            <a:pPr lvl="1" eaLnBrk="1" hangingPunct="1">
+              <a:lnSpc>
+                <a:spcPct val="180000"/>
+              </a:lnSpc>
+              <a:buSzPct val="85000"/>
+            </a:pPr>
+            <a:r>
+              <a:rPr lang="zh-CN" altLang="en-US"/>
+              <a:t>如果不满足则操作被拒绝执行 </a:t>
+            </a:r>
+          </a:p>
+        </p:txBody>
+      </p:sp>
+      <p:sp>
+        <p:nvSpPr>
+          <p:cNvPr id="32771" name="Rectangle 2">
+            <a:extLst>
+              <a:ext uri="{FF2B5EF4-FFF2-40B4-BE49-F238E27FC236}">
+                <a16:creationId xmlns:a16="http://schemas.microsoft.com/office/drawing/2014/main" id="{B381AB62-A149-4867-87E3-851B28800771}"/>
+              </a:ext>
+            </a:extLst>
+          </p:cNvPr>
+          <p:cNvSpPr>
+            <a:spLocks noGrp="1" noChangeArrowheads="1"/>
+          </p:cNvSpPr>
+          <p:nvPr>
+            <p:ph type="title" idx="4294967295"/>
+          </p:nvPr>
+        </p:nvSpPr>
+        <p:spPr/>
+        <p:txBody>
+          <a:bodyPr/>
+          <a:lstStyle/>
+          <a:p>
+            <a:pPr eaLnBrk="1" hangingPunct="1"/>
+            <a:r>
+              <a:rPr lang="en-US" altLang="zh-CN" sz="3600"/>
+              <a:t>2. </a:t>
+            </a:r>
+            <a:r>
+              <a:rPr lang="zh-CN" altLang="en-US" sz="3600"/>
+              <a:t>元组上约束条件检查和违约处理</a:t>
             </a:r>
           </a:p>
         </p:txBody>
@@ -16785,296 +16905,6 @@
       </p:grpSpPr>
       <p:sp>
         <p:nvSpPr>
-          <p:cNvPr id="32769" name="页脚占位符 4">
-            <a:extLst>
-              <a:ext uri="{FF2B5EF4-FFF2-40B4-BE49-F238E27FC236}">
-                <a16:creationId xmlns:a16="http://schemas.microsoft.com/office/drawing/2014/main" id="{2FD6DF1C-69BE-4DDE-944E-683F881A62A9}"/>
-              </a:ext>
-            </a:extLst>
-          </p:cNvPr>
-          <p:cNvSpPr txBox="1">
-            <a:spLocks noGrp="1" noChangeArrowheads="1"/>
-          </p:cNvSpPr>
-          <p:nvPr/>
-        </p:nvSpPr>
-        <p:spPr bwMode="auto">
-          <a:xfrm>
-            <a:off x="5219700" y="6381750"/>
-            <a:ext cx="3600450" cy="320675"/>
-          </a:xfrm>
-          <a:prstGeom prst="rect">
-            <a:avLst/>
-          </a:prstGeom>
-          <a:noFill/>
-          <a:ln>
-            <a:noFill/>
-          </a:ln>
-          <a:extLst>
-            <a:ext uri="{909E8E84-426E-40DD-AFC4-6F175D3DCCD1}">
-              <a14:hiddenFill xmlns:a14="http://schemas.microsoft.com/office/drawing/2010/main">
-                <a:solidFill>
-                  <a:srgbClr val="FFFFFF"/>
-                </a:solidFill>
-              </a14:hiddenFill>
-            </a:ext>
-            <a:ext uri="{91240B29-F687-4F45-9708-019B960494DF}">
-              <a14:hiddenLine xmlns:a14="http://schemas.microsoft.com/office/drawing/2010/main" w="9525">
-                <a:solidFill>
-                  <a:srgbClr val="000000"/>
-                </a:solidFill>
-                <a:miter lim="800000"/>
-                <a:headEnd/>
-                <a:tailEnd/>
-              </a14:hiddenLine>
-            </a:ext>
-          </a:extLst>
-        </p:spPr>
-        <p:txBody>
-          <a:bodyPr/>
-          <a:lstStyle>
-            <a:lvl1pPr>
-              <a:defRPr>
-                <a:solidFill>
-                  <a:schemeClr val="tx1"/>
-                </a:solidFill>
-                <a:latin typeface="Arial" panose="020B0604020202020204" pitchFamily="34" charset="0"/>
-                <a:ea typeface="宋体" panose="02010600030101010101" pitchFamily="2" charset="-122"/>
-              </a:defRPr>
-            </a:lvl1pPr>
-            <a:lvl2pPr>
-              <a:defRPr>
-                <a:solidFill>
-                  <a:schemeClr val="tx1"/>
-                </a:solidFill>
-                <a:latin typeface="Arial" panose="020B0604020202020204" pitchFamily="34" charset="0"/>
-                <a:ea typeface="宋体" panose="02010600030101010101" pitchFamily="2" charset="-122"/>
-              </a:defRPr>
-            </a:lvl2pPr>
-            <a:lvl3pPr>
-              <a:defRPr>
-                <a:solidFill>
-                  <a:schemeClr val="tx1"/>
-                </a:solidFill>
-                <a:latin typeface="Arial" panose="020B0604020202020204" pitchFamily="34" charset="0"/>
-                <a:ea typeface="宋体" panose="02010600030101010101" pitchFamily="2" charset="-122"/>
-              </a:defRPr>
-            </a:lvl3pPr>
-            <a:lvl4pPr>
-              <a:defRPr>
-                <a:solidFill>
-                  <a:schemeClr val="tx1"/>
-                </a:solidFill>
-                <a:latin typeface="Arial" panose="020B0604020202020204" pitchFamily="34" charset="0"/>
-                <a:ea typeface="宋体" panose="02010600030101010101" pitchFamily="2" charset="-122"/>
-              </a:defRPr>
-            </a:lvl4pPr>
-            <a:lvl5pPr>
-              <a:defRPr>
-                <a:solidFill>
-                  <a:schemeClr val="tx1"/>
-                </a:solidFill>
-                <a:latin typeface="Arial" panose="020B0604020202020204" pitchFamily="34" charset="0"/>
-                <a:ea typeface="宋体" panose="02010600030101010101" pitchFamily="2" charset="-122"/>
-              </a:defRPr>
-            </a:lvl5pPr>
-            <a:lvl6pPr fontAlgn="base">
-              <a:spcBef>
-                <a:spcPct val="0"/>
-              </a:spcBef>
-              <a:spcAft>
-                <a:spcPct val="0"/>
-              </a:spcAft>
-              <a:buFont typeface="Arial" panose="020B0604020202020204" pitchFamily="34" charset="0"/>
-              <a:defRPr>
-                <a:solidFill>
-                  <a:schemeClr val="tx1"/>
-                </a:solidFill>
-                <a:latin typeface="Arial" panose="020B0604020202020204" pitchFamily="34" charset="0"/>
-                <a:ea typeface="宋体" panose="02010600030101010101" pitchFamily="2" charset="-122"/>
-              </a:defRPr>
-            </a:lvl6pPr>
-            <a:lvl7pPr fontAlgn="base">
-              <a:spcBef>
-                <a:spcPct val="0"/>
-              </a:spcBef>
-              <a:spcAft>
-                <a:spcPct val="0"/>
-              </a:spcAft>
-              <a:buFont typeface="Arial" panose="020B0604020202020204" pitchFamily="34" charset="0"/>
-              <a:defRPr>
-                <a:solidFill>
-                  <a:schemeClr val="tx1"/>
-                </a:solidFill>
-                <a:latin typeface="Arial" panose="020B0604020202020204" pitchFamily="34" charset="0"/>
-                <a:ea typeface="宋体" panose="02010600030101010101" pitchFamily="2" charset="-122"/>
-              </a:defRPr>
-            </a:lvl7pPr>
-            <a:lvl8pPr fontAlgn="base">
-              <a:spcBef>
-                <a:spcPct val="0"/>
-              </a:spcBef>
-              <a:spcAft>
-                <a:spcPct val="0"/>
-              </a:spcAft>
-              <a:buFont typeface="Arial" panose="020B0604020202020204" pitchFamily="34" charset="0"/>
-              <a:defRPr>
-                <a:solidFill>
-                  <a:schemeClr val="tx1"/>
-                </a:solidFill>
-                <a:latin typeface="Arial" panose="020B0604020202020204" pitchFamily="34" charset="0"/>
-                <a:ea typeface="宋体" panose="02010600030101010101" pitchFamily="2" charset="-122"/>
-              </a:defRPr>
-            </a:lvl8pPr>
-            <a:lvl9pPr fontAlgn="base">
-              <a:spcBef>
-                <a:spcPct val="0"/>
-              </a:spcBef>
-              <a:spcAft>
-                <a:spcPct val="0"/>
-              </a:spcAft>
-              <a:buFont typeface="Arial" panose="020B0604020202020204" pitchFamily="34" charset="0"/>
-              <a:defRPr>
-                <a:solidFill>
-                  <a:schemeClr val="tx1"/>
-                </a:solidFill>
-                <a:latin typeface="Arial" panose="020B0604020202020204" pitchFamily="34" charset="0"/>
-                <a:ea typeface="宋体" panose="02010600030101010101" pitchFamily="2" charset="-122"/>
-              </a:defRPr>
-            </a:lvl9pPr>
-          </a:lstStyle>
-          <a:p>
-            <a:pPr algn="ctr"/>
-            <a:endParaRPr lang="en-US" altLang="zh-CN" sz="1400" b="1">
-              <a:solidFill>
-                <a:srgbClr val="F03628"/>
-              </a:solidFill>
-            </a:endParaRPr>
-          </a:p>
-        </p:txBody>
-      </p:sp>
-      <p:sp>
-        <p:nvSpPr>
-          <p:cNvPr id="32770" name="Rectangle 3">
-            <a:extLst>
-              <a:ext uri="{FF2B5EF4-FFF2-40B4-BE49-F238E27FC236}">
-                <a16:creationId xmlns:a16="http://schemas.microsoft.com/office/drawing/2014/main" id="{541EC6C7-0F00-436B-B6EE-EBD94762D756}"/>
-              </a:ext>
-            </a:extLst>
-          </p:cNvPr>
-          <p:cNvSpPr>
-            <a:spLocks noGrp="1" noChangeArrowheads="1"/>
-          </p:cNvSpPr>
-          <p:nvPr>
-            <p:ph type="body" idx="4294967295"/>
-          </p:nvPr>
-        </p:nvSpPr>
-        <p:spPr>
-          <a:xfrm>
-            <a:off x="457200" y="1196975"/>
-            <a:ext cx="8229600" cy="4854575"/>
-          </a:xfrm>
-        </p:spPr>
-        <p:txBody>
-          <a:bodyPr/>
-          <a:lstStyle/>
-          <a:p>
-            <a:pPr eaLnBrk="1" hangingPunct="1">
-              <a:lnSpc>
-                <a:spcPct val="180000"/>
-              </a:lnSpc>
-            </a:pPr>
-            <a:r>
-              <a:rPr lang="zh-CN" altLang="en-US"/>
-              <a:t>元组上的约束条件检查和违约处理</a:t>
-            </a:r>
-            <a:endParaRPr lang="en-US" altLang="zh-CN"/>
-          </a:p>
-          <a:p>
-            <a:pPr lvl="1" eaLnBrk="1" hangingPunct="1">
-              <a:lnSpc>
-                <a:spcPct val="180000"/>
-              </a:lnSpc>
-              <a:buSzPct val="85000"/>
-            </a:pPr>
-            <a:r>
-              <a:rPr lang="zh-CN" altLang="en-US"/>
-              <a:t>插入元组或修改属性的值时，关系数据库管理系统检查元组上的约束条件是否被满足</a:t>
-            </a:r>
-          </a:p>
-          <a:p>
-            <a:pPr lvl="1" eaLnBrk="1" hangingPunct="1">
-              <a:lnSpc>
-                <a:spcPct val="180000"/>
-              </a:lnSpc>
-              <a:buSzPct val="85000"/>
-            </a:pPr>
-            <a:r>
-              <a:rPr lang="zh-CN" altLang="en-US"/>
-              <a:t>如果不满足则操作被拒绝执行 </a:t>
-            </a:r>
-          </a:p>
-        </p:txBody>
-      </p:sp>
-      <p:sp>
-        <p:nvSpPr>
-          <p:cNvPr id="32771" name="Rectangle 2">
-            <a:extLst>
-              <a:ext uri="{FF2B5EF4-FFF2-40B4-BE49-F238E27FC236}">
-                <a16:creationId xmlns:a16="http://schemas.microsoft.com/office/drawing/2014/main" id="{B381AB62-A149-4867-87E3-851B28800771}"/>
-              </a:ext>
-            </a:extLst>
-          </p:cNvPr>
-          <p:cNvSpPr>
-            <a:spLocks noGrp="1" noChangeArrowheads="1"/>
-          </p:cNvSpPr>
-          <p:nvPr>
-            <p:ph type="title" idx="4294967295"/>
-          </p:nvPr>
-        </p:nvSpPr>
-        <p:spPr/>
-        <p:txBody>
-          <a:bodyPr/>
-          <a:lstStyle/>
-          <a:p>
-            <a:pPr eaLnBrk="1" hangingPunct="1"/>
-            <a:r>
-              <a:rPr lang="en-US" altLang="zh-CN" sz="3600"/>
-              <a:t>2. </a:t>
-            </a:r>
-            <a:r>
-              <a:rPr lang="zh-CN" altLang="en-US" sz="3600"/>
-              <a:t>元组上约束条件检查和违约处理</a:t>
-            </a:r>
-          </a:p>
-        </p:txBody>
-      </p:sp>
-    </p:spTree>
-  </p:cSld>
-  <p:clrMapOvr>
-    <a:masterClrMapping/>
-  </p:clrMapOvr>
-</p:sld>
-</file>
-
-<file path=ppt/slides/slide31.xml><?xml version="1.0" encoding="utf-8"?>
-<p:sld xmlns:a="http://schemas.openxmlformats.org/drawingml/2006/main" xmlns:r="http://schemas.openxmlformats.org/officeDocument/2006/relationships" xmlns:p="http://schemas.openxmlformats.org/presentationml/2006/main">
-  <p:cSld>
-    <p:spTree>
-      <p:nvGrpSpPr>
-        <p:cNvPr id="1" name=""/>
-        <p:cNvGrpSpPr/>
-        <p:nvPr/>
-      </p:nvGrpSpPr>
-      <p:grpSpPr>
-        <a:xfrm>
-          <a:off x="0" y="0"/>
-          <a:ext cx="0" cy="0"/>
-          <a:chOff x="0" y="0"/>
-          <a:chExt cx="0" cy="0"/>
-        </a:xfrm>
-      </p:grpSpPr>
-      <p:sp>
-        <p:nvSpPr>
           <p:cNvPr id="33793" name="页脚占位符 4">
             <a:extLst>
               <a:ext uri="{FF2B5EF4-FFF2-40B4-BE49-F238E27FC236}">
@@ -17310,11 +17140,11 @@
               <a:buNone/>
             </a:pPr>
             <a:r>
-              <a:rPr lang="en-US" altLang="zh-CN"/>
+              <a:rPr lang="en-US" altLang="zh-CN" dirty="0"/>
               <a:t>5.1  </a:t>
             </a:r>
             <a:r>
-              <a:rPr lang="zh-CN" altLang="en-US"/>
+              <a:rPr lang="zh-CN" altLang="en-US" dirty="0"/>
               <a:t>实体完整性</a:t>
             </a:r>
           </a:p>
@@ -17327,11 +17157,11 @@
               <a:buNone/>
             </a:pPr>
             <a:r>
-              <a:rPr lang="en-US" altLang="zh-CN"/>
+              <a:rPr lang="en-US" altLang="zh-CN" dirty="0"/>
               <a:t>5.2  </a:t>
             </a:r>
             <a:r>
-              <a:rPr lang="zh-CN" altLang="en-US"/>
+              <a:rPr lang="zh-CN" altLang="en-US" dirty="0"/>
               <a:t>参照完整性</a:t>
             </a:r>
           </a:p>
@@ -17344,11 +17174,11 @@
               <a:buNone/>
             </a:pPr>
             <a:r>
-              <a:rPr lang="en-US" altLang="zh-CN"/>
+              <a:rPr lang="en-US" altLang="zh-CN" dirty="0"/>
               <a:t>5.3  </a:t>
             </a:r>
             <a:r>
-              <a:rPr lang="zh-CN" altLang="en-US"/>
+              <a:rPr lang="zh-CN" altLang="en-US" dirty="0"/>
               <a:t>用户定义的完整性</a:t>
             </a:r>
           </a:p>
@@ -17361,7 +17191,7 @@
               <a:buNone/>
             </a:pPr>
             <a:r>
-              <a:rPr lang="en-US" altLang="zh-CN">
+              <a:rPr lang="en-US" altLang="zh-CN" dirty="0">
                 <a:solidFill>
                   <a:srgbClr val="0066FF"/>
                 </a:solidFill>
@@ -17369,7 +17199,7 @@
               <a:t>5.4  </a:t>
             </a:r>
             <a:r>
-              <a:rPr lang="zh-CN" altLang="en-US">
+              <a:rPr lang="zh-CN" altLang="en-US" dirty="0">
                 <a:solidFill>
                   <a:srgbClr val="0066FF"/>
                 </a:solidFill>
@@ -17386,15 +17216,15 @@
               <a:buNone/>
             </a:pPr>
             <a:r>
-              <a:rPr lang="zh-CN" altLang="en-US"/>
+              <a:rPr lang="zh-CN" altLang="en-US" dirty="0"/>
               <a:t>*</a:t>
             </a:r>
             <a:r>
-              <a:rPr lang="en-US" altLang="zh-CN"/>
+              <a:rPr lang="en-US" altLang="zh-CN" dirty="0"/>
               <a:t>5.5  </a:t>
             </a:r>
             <a:r>
-              <a:rPr lang="zh-CN" altLang="en-US"/>
+              <a:rPr lang="zh-CN" altLang="en-US" dirty="0"/>
               <a:t>域中的完整性限制</a:t>
             </a:r>
           </a:p>
@@ -17407,30 +17237,37 @@
               <a:buNone/>
             </a:pPr>
             <a:r>
-              <a:rPr lang="en-US" altLang="zh-CN"/>
+              <a:rPr lang="en-US" altLang="zh-CN" dirty="0"/>
               <a:t>5.6  </a:t>
             </a:r>
             <a:r>
-              <a:rPr lang="zh-CN" altLang="en-US"/>
+              <a:rPr lang="zh-CN" altLang="en-US" dirty="0"/>
               <a:t>断言</a:t>
             </a:r>
-            <a:endParaRPr lang="en-US" altLang="zh-CN" sz="3200"/>
+            <a:endParaRPr lang="en-US" altLang="zh-CN" sz="3200" dirty="0"/>
           </a:p>
           <a:p>
             <a:pPr eaLnBrk="1" hangingPunct="1">
               <a:lnSpc>
                 <a:spcPct val="130000"/>
               </a:lnSpc>
-              <a:buFont typeface="Wingdings" panose="05000000000000000000" pitchFamily="2" charset="2"/>
-              <a:buNone/>
-            </a:pPr>
-            <a:r>
-              <a:rPr lang="en-US" altLang="zh-CN"/>
+              <a:buNone/>
+            </a:pPr>
+            <a:r>
+              <a:rPr lang="en-US" altLang="zh-CN" dirty="0"/>
               <a:t>5.7  </a:t>
             </a:r>
             <a:r>
-              <a:rPr lang="zh-CN" altLang="en-US"/>
-              <a:t>触发器</a:t>
+              <a:rPr lang="zh-CN" altLang="en-US" dirty="0"/>
+              <a:t>触发器 </a:t>
+            </a:r>
+            <a:r>
+              <a:rPr lang="en-US" altLang="zh-CN" dirty="0"/>
+              <a:t>+ 8.3 </a:t>
+            </a:r>
+            <a:r>
+              <a:rPr lang="zh-CN" altLang="en-US" dirty="0"/>
+              <a:t>存储过程</a:t>
             </a:r>
           </a:p>
           <a:p>
@@ -17442,17 +17279,17 @@
               <a:buNone/>
             </a:pPr>
             <a:r>
-              <a:rPr lang="en-US" altLang="zh-CN"/>
+              <a:rPr lang="en-US" altLang="zh-CN" dirty="0"/>
               <a:t>5.8  </a:t>
             </a:r>
             <a:r>
-              <a:rPr lang="zh-CN" altLang="en-US"/>
+              <a:rPr lang="zh-CN" altLang="en-US" dirty="0"/>
               <a:t>小结</a:t>
             </a:r>
           </a:p>
           <a:p>
             <a:pPr eaLnBrk="1" hangingPunct="1"/>
-            <a:endParaRPr lang="en-US" altLang="zh-CN"/>
+            <a:endParaRPr lang="en-US" altLang="zh-CN" dirty="0"/>
           </a:p>
         </p:txBody>
       </p:sp>
@@ -17464,7 +17301,7 @@
 </p:sld>
 </file>
 
-<file path=ppt/slides/slide32.xml><?xml version="1.0" encoding="utf-8"?>
+<file path=ppt/slides/slide31.xml><?xml version="1.0" encoding="utf-8"?>
 <p:sld xmlns:a="http://schemas.openxmlformats.org/drawingml/2006/main" xmlns:r="http://schemas.openxmlformats.org/officeDocument/2006/relationships" xmlns:p="http://schemas.openxmlformats.org/presentationml/2006/main">
   <p:cSld>
     <p:spTree>
@@ -17738,8 +17575,19 @@
                 <a:solidFill>
                   <a:srgbClr val="0066FF"/>
                 </a:solidFill>
-              </a:rPr>
-              <a:t>CONSTRAINT &lt;</a:t>
+                <a:highlight>
+                  <a:srgbClr val="FFFF00"/>
+                </a:highlight>
+              </a:rPr>
+              <a:t>CONSTRAINT</a:t>
+            </a:r>
+            <a:r>
+              <a:rPr lang="en-US" altLang="zh-CN" noProof="1">
+                <a:solidFill>
+                  <a:srgbClr val="0066FF"/>
+                </a:solidFill>
+              </a:rPr>
+              <a:t> &lt;</a:t>
             </a:r>
             <a:r>
               <a:rPr lang="zh-CN" altLang="en-US" noProof="1">
@@ -17858,7 +17706,7 @@
 </p:sld>
 </file>
 
-<file path=ppt/slides/slide33.xml><?xml version="1.0" encoding="utf-8"?>
+<file path=ppt/slides/slide32.xml><?xml version="1.0" encoding="utf-8"?>
 <p:sld xmlns:a="http://schemas.openxmlformats.org/drawingml/2006/main" xmlns:r="http://schemas.openxmlformats.org/officeDocument/2006/relationships" xmlns:p="http://schemas.openxmlformats.org/presentationml/2006/main">
   <p:cSld>
     <p:spTree>
@@ -18693,7 +18541,7 @@
 </p:sld>
 </file>
 
-<file path=ppt/slides/slide34.xml><?xml version="1.0" encoding="utf-8"?>
+<file path=ppt/slides/slide33.xml><?xml version="1.0" encoding="utf-8"?>
 <p:sld xmlns:a="http://schemas.openxmlformats.org/drawingml/2006/main" xmlns:r="http://schemas.openxmlformats.org/officeDocument/2006/relationships" xmlns:p="http://schemas.openxmlformats.org/presentationml/2006/main">
   <p:cSld>
     <p:spTree>
@@ -19429,7 +19277,7 @@
 </p:sld>
 </file>
 
-<file path=ppt/slides/slide35.xml><?xml version="1.0" encoding="utf-8"?>
+<file path=ppt/slides/slide34.xml><?xml version="1.0" encoding="utf-8"?>
 <p:sld xmlns:a="http://schemas.openxmlformats.org/drawingml/2006/main" xmlns:r="http://schemas.openxmlformats.org/officeDocument/2006/relationships" xmlns:p="http://schemas.openxmlformats.org/presentationml/2006/main">
   <p:cSld>
     <p:spTree>
@@ -19821,7 +19669,7 @@
 </p:sld>
 </file>
 
-<file path=ppt/slides/slide36.xml><?xml version="1.0" encoding="utf-8"?>
+<file path=ppt/slides/slide35.xml><?xml version="1.0" encoding="utf-8"?>
 <p:sld xmlns:a="http://schemas.openxmlformats.org/drawingml/2006/main" xmlns:r="http://schemas.openxmlformats.org/officeDocument/2006/relationships" xmlns:p="http://schemas.openxmlformats.org/presentationml/2006/main">
   <p:cSld>
     <p:spTree>
@@ -20351,7 +20199,7 @@
 </p:sld>
 </file>
 
-<file path=ppt/slides/slide37.xml><?xml version="1.0" encoding="utf-8"?>
+<file path=ppt/slides/slide36.xml><?xml version="1.0" encoding="utf-8"?>
 <p:sld xmlns:a="http://schemas.openxmlformats.org/drawingml/2006/main" xmlns:r="http://schemas.openxmlformats.org/officeDocument/2006/relationships" xmlns:p="http://schemas.openxmlformats.org/presentationml/2006/main">
   <p:cSld>
     <p:spTree>
@@ -20600,11 +20448,11 @@
               <a:buNone/>
             </a:pPr>
             <a:r>
-              <a:rPr lang="en-US" altLang="zh-CN"/>
+              <a:rPr lang="en-US" altLang="zh-CN" dirty="0"/>
               <a:t>5.1  </a:t>
             </a:r>
             <a:r>
-              <a:rPr lang="zh-CN" altLang="en-US"/>
+              <a:rPr lang="zh-CN" altLang="en-US" dirty="0"/>
               <a:t>实体完整性</a:t>
             </a:r>
           </a:p>
@@ -20617,11 +20465,11 @@
               <a:buNone/>
             </a:pPr>
             <a:r>
-              <a:rPr lang="en-US" altLang="zh-CN"/>
+              <a:rPr lang="en-US" altLang="zh-CN" dirty="0"/>
               <a:t>5.2  </a:t>
             </a:r>
             <a:r>
-              <a:rPr lang="zh-CN" altLang="en-US"/>
+              <a:rPr lang="zh-CN" altLang="en-US" dirty="0"/>
               <a:t>参照完整性</a:t>
             </a:r>
           </a:p>
@@ -20634,11 +20482,11 @@
               <a:buNone/>
             </a:pPr>
             <a:r>
-              <a:rPr lang="en-US" altLang="zh-CN"/>
+              <a:rPr lang="en-US" altLang="zh-CN" dirty="0"/>
               <a:t>5.3  </a:t>
             </a:r>
             <a:r>
-              <a:rPr lang="zh-CN" altLang="en-US"/>
+              <a:rPr lang="zh-CN" altLang="en-US" dirty="0"/>
               <a:t>用户定义的完整性</a:t>
             </a:r>
           </a:p>
@@ -20651,11 +20499,11 @@
               <a:buNone/>
             </a:pPr>
             <a:r>
-              <a:rPr lang="en-US" altLang="zh-CN"/>
+              <a:rPr lang="en-US" altLang="zh-CN" dirty="0"/>
               <a:t>5.4  </a:t>
             </a:r>
             <a:r>
-              <a:rPr lang="zh-CN" altLang="en-US"/>
+              <a:rPr lang="zh-CN" altLang="en-US" dirty="0"/>
               <a:t>完整性约束命名字句</a:t>
             </a:r>
           </a:p>
@@ -20668,15 +20516,15 @@
               <a:buNone/>
             </a:pPr>
             <a:r>
-              <a:rPr lang="zh-CN" altLang="en-US"/>
+              <a:rPr lang="zh-CN" altLang="en-US" dirty="0"/>
               <a:t>*</a:t>
             </a:r>
             <a:r>
-              <a:rPr lang="en-US" altLang="zh-CN"/>
+              <a:rPr lang="en-US" altLang="zh-CN" dirty="0"/>
               <a:t>5.5  </a:t>
             </a:r>
             <a:r>
-              <a:rPr lang="zh-CN" altLang="en-US"/>
+              <a:rPr lang="zh-CN" altLang="en-US" dirty="0"/>
               <a:t>域中的完整性限制</a:t>
             </a:r>
           </a:p>
@@ -20689,7 +20537,7 @@
               <a:buNone/>
             </a:pPr>
             <a:r>
-              <a:rPr lang="en-US" altLang="zh-CN">
+              <a:rPr lang="en-US" altLang="zh-CN" dirty="0">
                 <a:solidFill>
                   <a:srgbClr val="0066FF"/>
                 </a:solidFill>
@@ -20697,7 +20545,7 @@
               <a:t>5.6  </a:t>
             </a:r>
             <a:r>
-              <a:rPr lang="zh-CN" altLang="en-US">
+              <a:rPr lang="zh-CN" altLang="en-US" dirty="0">
                 <a:solidFill>
                   <a:srgbClr val="0066FF"/>
                 </a:solidFill>
@@ -20710,18 +20558,25 @@
               <a:lnSpc>
                 <a:spcPct val="130000"/>
               </a:lnSpc>
-              <a:buFont typeface="Wingdings" panose="05000000000000000000" pitchFamily="2" charset="2"/>
-              <a:buNone/>
-            </a:pPr>
-            <a:r>
-              <a:rPr lang="en-US" altLang="zh-CN"/>
+              <a:buNone/>
+            </a:pPr>
+            <a:r>
+              <a:rPr lang="en-US" altLang="zh-CN" dirty="0"/>
               <a:t>5.7  </a:t>
             </a:r>
             <a:r>
-              <a:rPr lang="zh-CN" altLang="en-US"/>
+              <a:rPr lang="zh-CN" altLang="en-US" dirty="0"/>
               <a:t>触发器</a:t>
             </a:r>
-            <a:endParaRPr lang="en-US" altLang="zh-CN" sz="3200"/>
+            <a:r>
+              <a:rPr lang="en-US" altLang="zh-CN" sz="3200" dirty="0"/>
+              <a:t>+ 8.3 </a:t>
+            </a:r>
+            <a:r>
+              <a:rPr lang="zh-CN" altLang="en-US" sz="3200" dirty="0"/>
+              <a:t>存储过程</a:t>
+            </a:r>
+            <a:endParaRPr lang="en-US" altLang="zh-CN" sz="3200" dirty="0"/>
           </a:p>
           <a:p>
             <a:pPr eaLnBrk="1" hangingPunct="1">
@@ -20732,17 +20587,17 @@
               <a:buNone/>
             </a:pPr>
             <a:r>
-              <a:rPr lang="en-US" altLang="zh-CN"/>
+              <a:rPr lang="en-US" altLang="zh-CN" dirty="0"/>
               <a:t>5.8  </a:t>
             </a:r>
             <a:r>
-              <a:rPr lang="zh-CN" altLang="en-US"/>
+              <a:rPr lang="zh-CN" altLang="en-US" dirty="0"/>
               <a:t>小结</a:t>
             </a:r>
           </a:p>
           <a:p>
             <a:pPr eaLnBrk="1" hangingPunct="1"/>
-            <a:endParaRPr lang="en-US" altLang="zh-CN"/>
+            <a:endParaRPr lang="en-US" altLang="zh-CN" dirty="0"/>
           </a:p>
         </p:txBody>
       </p:sp>
@@ -20754,7 +20609,7 @@
 </p:sld>
 </file>
 
-<file path=ppt/slides/slide38.xml><?xml version="1.0" encoding="utf-8"?>
+<file path=ppt/slides/slide37.xml><?xml version="1.0" encoding="utf-8"?>
 <p:sld xmlns:a="http://schemas.openxmlformats.org/drawingml/2006/main" xmlns:r="http://schemas.openxmlformats.org/officeDocument/2006/relationships" xmlns:p="http://schemas.openxmlformats.org/presentationml/2006/main">
   <p:cSld>
     <p:spTree>
@@ -20856,7 +20711,18 @@
                   <a:srgbClr val="0066FF"/>
                 </a:solidFill>
               </a:rPr>
-              <a:t>CREATE ASSERTION</a:t>
+              <a:t>CREATE </a:t>
+            </a:r>
+            <a:r>
+              <a:rPr lang="en-US" altLang="zh-CN" noProof="1">
+                <a:solidFill>
+                  <a:srgbClr val="0066FF"/>
+                </a:solidFill>
+                <a:highlight>
+                  <a:srgbClr val="FFFF00"/>
+                </a:highlight>
+              </a:rPr>
+              <a:t>ASSERTION</a:t>
             </a:r>
             <a:r>
               <a:rPr lang="zh-CN" altLang="en-US" noProof="1"/>
@@ -21117,7 +20983,7 @@
 </p:sld>
 </file>
 
-<file path=ppt/slides/slide39.xml><?xml version="1.0" encoding="utf-8"?>
+<file path=ppt/slides/slide38.xml><?xml version="1.0" encoding="utf-8"?>
 <p:sld xmlns:a="http://schemas.openxmlformats.org/drawingml/2006/main" xmlns:r="http://schemas.openxmlformats.org/officeDocument/2006/relationships" xmlns:p="http://schemas.openxmlformats.org/presentationml/2006/main">
   <p:cSld>
     <p:spTree>
@@ -21949,6 +21815,518 @@
                 <a:srgbClr val="F03628"/>
               </a:solidFill>
             </a:endParaRPr>
+          </a:p>
+        </p:txBody>
+      </p:sp>
+    </p:spTree>
+  </p:cSld>
+  <p:clrMapOvr>
+    <a:masterClrMapping/>
+  </p:clrMapOvr>
+</p:sld>
+</file>
+
+<file path=ppt/slides/slide39.xml><?xml version="1.0" encoding="utf-8"?>
+<p:sld xmlns:a="http://schemas.openxmlformats.org/drawingml/2006/main" xmlns:r="http://schemas.openxmlformats.org/officeDocument/2006/relationships" xmlns:p="http://schemas.openxmlformats.org/presentationml/2006/main">
+  <p:cSld>
+    <p:spTree>
+      <p:nvGrpSpPr>
+        <p:cNvPr id="1" name=""/>
+        <p:cNvGrpSpPr/>
+        <p:nvPr/>
+      </p:nvGrpSpPr>
+      <p:grpSpPr>
+        <a:xfrm>
+          <a:off x="0" y="0"/>
+          <a:ext cx="0" cy="0"/>
+          <a:chOff x="0" y="0"/>
+          <a:chExt cx="0" cy="0"/>
+        </a:xfrm>
+      </p:grpSpPr>
+      <p:sp>
+        <p:nvSpPr>
+          <p:cNvPr id="43009" name="内容占位符 2">
+            <a:extLst>
+              <a:ext uri="{FF2B5EF4-FFF2-40B4-BE49-F238E27FC236}">
+                <a16:creationId xmlns:a16="http://schemas.microsoft.com/office/drawing/2014/main" id="{658A8EE9-DC68-4ECA-98BF-E1E7B94782FB}"/>
+              </a:ext>
+            </a:extLst>
+          </p:cNvPr>
+          <p:cNvSpPr>
+            <a:spLocks noGrp="1" noChangeArrowheads="1"/>
+          </p:cNvSpPr>
+          <p:nvPr>
+            <p:ph idx="4294967295"/>
+          </p:nvPr>
+        </p:nvSpPr>
+        <p:spPr>
+          <a:xfrm>
+            <a:off x="352425" y="1289050"/>
+            <a:ext cx="8467725" cy="4854575"/>
+          </a:xfrm>
+        </p:spPr>
+        <p:txBody>
+          <a:bodyPr/>
+          <a:lstStyle/>
+          <a:p>
+            <a:pPr eaLnBrk="1" hangingPunct="1">
+              <a:buFont typeface="Wingdings" panose="05000000000000000000" pitchFamily="2" charset="2"/>
+              <a:buNone/>
+            </a:pPr>
+            <a:r>
+              <a:rPr lang="en-US" altLang="zh-CN" sz="2400"/>
+              <a:t>[</a:t>
+            </a:r>
+            <a:r>
+              <a:rPr lang="zh-CN" altLang="en-US" sz="2400"/>
+              <a:t>例5.</a:t>
+            </a:r>
+            <a:r>
+              <a:rPr lang="en-US" altLang="zh-CN" sz="2400"/>
+              <a:t>19]</a:t>
+            </a:r>
+            <a:r>
+              <a:rPr lang="zh-CN" altLang="en-US" sz="2400"/>
+              <a:t>限制每一门课程最多</a:t>
+            </a:r>
+            <a:r>
+              <a:rPr lang="en-US" altLang="zh-CN" sz="2400"/>
+              <a:t>60</a:t>
+            </a:r>
+            <a:r>
+              <a:rPr lang="zh-CN" altLang="en-US" sz="2400"/>
+              <a:t>名学生选修</a:t>
+            </a:r>
+            <a:endParaRPr lang="en-US" altLang="zh-CN" sz="2400"/>
+          </a:p>
+          <a:p>
+            <a:pPr eaLnBrk="1" hangingPunct="1">
+              <a:buFont typeface="Wingdings" panose="05000000000000000000" pitchFamily="2" charset="2"/>
+              <a:buNone/>
+            </a:pPr>
+            <a:endParaRPr lang="en-US" altLang="zh-CN" sz="2200"/>
+          </a:p>
+          <a:p>
+            <a:pPr eaLnBrk="1" hangingPunct="1">
+              <a:lnSpc>
+                <a:spcPct val="120000"/>
+              </a:lnSpc>
+              <a:buFont typeface="Wingdings" panose="05000000000000000000" pitchFamily="2" charset="2"/>
+              <a:buNone/>
+            </a:pPr>
+            <a:r>
+              <a:rPr lang="en-US" altLang="zh-CN" sz="2200"/>
+              <a:t>	CREATE ASSERTION ASSE_SC_CNUM1</a:t>
+            </a:r>
+          </a:p>
+          <a:p>
+            <a:pPr eaLnBrk="1" hangingPunct="1">
+              <a:lnSpc>
+                <a:spcPct val="120000"/>
+              </a:lnSpc>
+              <a:buFont typeface="Wingdings" panose="05000000000000000000" pitchFamily="2" charset="2"/>
+              <a:buNone/>
+            </a:pPr>
+            <a:r>
+              <a:rPr lang="en-US" altLang="zh-CN" sz="2200"/>
+              <a:t>		CHECK</a:t>
+            </a:r>
+            <a:r>
+              <a:rPr lang="zh-CN" altLang="en-US" sz="2200"/>
+              <a:t>(</a:t>
+            </a:r>
+            <a:r>
+              <a:rPr lang="en-US" altLang="zh-CN" sz="2200"/>
+              <a:t>60 &gt;= ALL </a:t>
+            </a:r>
+            <a:r>
+              <a:rPr lang="zh-CN" altLang="en-US" sz="2200"/>
+              <a:t>(</a:t>
+            </a:r>
+            <a:r>
+              <a:rPr lang="en-US" altLang="zh-CN" sz="2200"/>
+              <a:t>SELECT </a:t>
+            </a:r>
+            <a:r>
+              <a:rPr lang="en-US" altLang="zh-CN" sz="2200">
+                <a:solidFill>
+                  <a:srgbClr val="FF00FF"/>
+                </a:solidFill>
+              </a:rPr>
+              <a:t>count</a:t>
+            </a:r>
+            <a:r>
+              <a:rPr lang="zh-CN" altLang="en-US" sz="2200">
+                <a:solidFill>
+                  <a:srgbClr val="FF00FF"/>
+                </a:solidFill>
+              </a:rPr>
+              <a:t>(</a:t>
+            </a:r>
+            <a:r>
+              <a:rPr lang="en-US" altLang="zh-CN" sz="2200">
+                <a:solidFill>
+                  <a:srgbClr val="FF00FF"/>
+                </a:solidFill>
+              </a:rPr>
+              <a:t>*</a:t>
+            </a:r>
+            <a:r>
+              <a:rPr lang="zh-CN" altLang="en-US" sz="2200">
+                <a:solidFill>
+                  <a:srgbClr val="FF00FF"/>
+                </a:solidFill>
+              </a:rPr>
+              <a:t>)</a:t>
+            </a:r>
+            <a:r>
+              <a:rPr lang="zh-CN" altLang="en-US" sz="2200"/>
+              <a:t> </a:t>
+            </a:r>
+            <a:r>
+              <a:rPr lang="en-US" altLang="zh-CN" sz="2200"/>
+              <a:t>		  </a:t>
+            </a:r>
+            <a:r>
+              <a:rPr lang="zh-CN" altLang="en-US" sz="2200"/>
+              <a:t> </a:t>
+            </a:r>
+            <a:r>
+              <a:rPr lang="en-US" altLang="zh-CN" sz="2200"/>
+              <a:t>				          FROM	 SC </a:t>
+            </a:r>
+          </a:p>
+          <a:p>
+            <a:pPr eaLnBrk="1" hangingPunct="1">
+              <a:lnSpc>
+                <a:spcPct val="120000"/>
+              </a:lnSpc>
+              <a:buFont typeface="Wingdings" panose="05000000000000000000" pitchFamily="2" charset="2"/>
+              <a:buNone/>
+            </a:pPr>
+            <a:r>
+              <a:rPr lang="en-US" altLang="zh-CN" sz="2200"/>
+              <a:t>				          </a:t>
+            </a:r>
+            <a:r>
+              <a:rPr lang="en-US" altLang="zh-CN" sz="2200">
+                <a:solidFill>
+                  <a:srgbClr val="FF00FF"/>
+                </a:solidFill>
+              </a:rPr>
+              <a:t>GROUP BY</a:t>
+            </a:r>
+            <a:r>
+              <a:rPr lang="en-US" altLang="zh-CN" sz="2200"/>
+              <a:t> cno</a:t>
+            </a:r>
+            <a:r>
+              <a:rPr lang="zh-CN" altLang="en-US" sz="2200"/>
+              <a:t>)</a:t>
+            </a:r>
+            <a:endParaRPr lang="en-US" altLang="zh-CN" sz="2200"/>
+          </a:p>
+          <a:p>
+            <a:pPr eaLnBrk="1" hangingPunct="1">
+              <a:lnSpc>
+                <a:spcPct val="120000"/>
+              </a:lnSpc>
+              <a:buFont typeface="Wingdings" panose="05000000000000000000" pitchFamily="2" charset="2"/>
+              <a:buNone/>
+            </a:pPr>
+            <a:r>
+              <a:rPr lang="en-US" altLang="zh-CN" sz="2200"/>
+              <a:t>       </a:t>
+            </a:r>
+            <a:r>
+              <a:rPr lang="zh-CN" altLang="en-US" sz="2200"/>
+              <a:t> </a:t>
+            </a:r>
+            <a:r>
+              <a:rPr lang="en-US" altLang="zh-CN" sz="2200"/>
+              <a:t>		  </a:t>
+            </a:r>
+            <a:r>
+              <a:rPr lang="zh-CN" altLang="en-US" sz="2200"/>
+              <a:t>)</a:t>
+            </a:r>
+            <a:r>
+              <a:rPr lang="en-US" altLang="zh-CN" sz="2200"/>
+              <a:t>;</a:t>
+            </a:r>
+          </a:p>
+          <a:p>
+            <a:pPr eaLnBrk="1" hangingPunct="1">
+              <a:lnSpc>
+                <a:spcPct val="150000"/>
+              </a:lnSpc>
+              <a:buFont typeface="Wingdings" panose="05000000000000000000" pitchFamily="2" charset="2"/>
+              <a:buNone/>
+            </a:pPr>
+            <a:r>
+              <a:rPr lang="zh-CN" altLang="en-US" sz="2200"/>
+              <a:t> </a:t>
+            </a:r>
+            <a:r>
+              <a:rPr lang="en-US" altLang="zh-CN" sz="2200"/>
+              <a:t>		/*</a:t>
+            </a:r>
+            <a:r>
+              <a:rPr lang="zh-CN" altLang="en-US" sz="2200"/>
+              <a:t>此断言的谓词，涉及聚集操作</a:t>
+            </a:r>
+            <a:r>
+              <a:rPr lang="en-US" altLang="zh-CN" sz="2200"/>
+              <a:t>count </a:t>
+            </a:r>
+            <a:r>
+              <a:rPr lang="zh-CN" altLang="en-US" sz="2200"/>
+              <a:t>和分组函数</a:t>
+            </a:r>
+            <a:r>
+              <a:rPr lang="en-US" altLang="zh-CN" sz="2200"/>
+              <a:t>group by		</a:t>
+            </a:r>
+            <a:r>
+              <a:rPr lang="zh-CN" altLang="en-US" sz="2200"/>
+              <a:t>的</a:t>
+            </a:r>
+            <a:r>
+              <a:rPr lang="en-US" altLang="zh-CN" sz="2200"/>
+              <a:t>SQL</a:t>
+            </a:r>
+            <a:r>
+              <a:rPr lang="zh-CN" altLang="en-US" sz="2200"/>
+              <a:t>语句*</a:t>
+            </a:r>
+            <a:r>
+              <a:rPr lang="en-US" altLang="zh-CN" sz="2200"/>
+              <a:t>/</a:t>
+            </a:r>
+          </a:p>
+          <a:p>
+            <a:pPr eaLnBrk="1" hangingPunct="1">
+              <a:lnSpc>
+                <a:spcPct val="150000"/>
+              </a:lnSpc>
+              <a:buFont typeface="Wingdings" panose="05000000000000000000" pitchFamily="2" charset="2"/>
+              <a:buNone/>
+            </a:pPr>
+            <a:r>
+              <a:rPr lang="en-US" altLang="zh-CN" sz="2400"/>
+              <a:t>	</a:t>
+            </a:r>
+            <a:endParaRPr lang="zh-CN" altLang="en-US" sz="2200"/>
+          </a:p>
+        </p:txBody>
+      </p:sp>
+      <p:sp>
+        <p:nvSpPr>
+          <p:cNvPr id="43010" name="页脚占位符 3">
+            <a:extLst>
+              <a:ext uri="{FF2B5EF4-FFF2-40B4-BE49-F238E27FC236}">
+                <a16:creationId xmlns:a16="http://schemas.microsoft.com/office/drawing/2014/main" id="{D0DD05A0-A995-46DC-88EE-8B61DF2C4071}"/>
+              </a:ext>
+            </a:extLst>
+          </p:cNvPr>
+          <p:cNvSpPr txBox="1">
+            <a:spLocks noGrp="1" noChangeArrowheads="1"/>
+          </p:cNvSpPr>
+          <p:nvPr/>
+        </p:nvSpPr>
+        <p:spPr bwMode="auto">
+          <a:xfrm>
+            <a:off x="5219700" y="6381750"/>
+            <a:ext cx="3600450" cy="320675"/>
+          </a:xfrm>
+          <a:prstGeom prst="rect">
+            <a:avLst/>
+          </a:prstGeom>
+          <a:noFill/>
+          <a:ln>
+            <a:noFill/>
+          </a:ln>
+          <a:extLst>
+            <a:ext uri="{909E8E84-426E-40DD-AFC4-6F175D3DCCD1}">
+              <a14:hiddenFill xmlns:a14="http://schemas.microsoft.com/office/drawing/2010/main">
+                <a:solidFill>
+                  <a:srgbClr val="FFFFFF"/>
+                </a:solidFill>
+              </a14:hiddenFill>
+            </a:ext>
+            <a:ext uri="{91240B29-F687-4F45-9708-019B960494DF}">
+              <a14:hiddenLine xmlns:a14="http://schemas.microsoft.com/office/drawing/2010/main" w="9525">
+                <a:solidFill>
+                  <a:srgbClr val="000000"/>
+                </a:solidFill>
+                <a:miter lim="800000"/>
+                <a:headEnd/>
+                <a:tailEnd/>
+              </a14:hiddenLine>
+            </a:ext>
+          </a:extLst>
+        </p:spPr>
+        <p:txBody>
+          <a:bodyPr/>
+          <a:lstStyle>
+            <a:lvl1pPr>
+              <a:defRPr>
+                <a:solidFill>
+                  <a:schemeClr val="tx1"/>
+                </a:solidFill>
+                <a:latin typeface="Arial" panose="020B0604020202020204" pitchFamily="34" charset="0"/>
+                <a:ea typeface="宋体" panose="02010600030101010101" pitchFamily="2" charset="-122"/>
+              </a:defRPr>
+            </a:lvl1pPr>
+            <a:lvl2pPr>
+              <a:defRPr>
+                <a:solidFill>
+                  <a:schemeClr val="tx1"/>
+                </a:solidFill>
+                <a:latin typeface="Arial" panose="020B0604020202020204" pitchFamily="34" charset="0"/>
+                <a:ea typeface="宋体" panose="02010600030101010101" pitchFamily="2" charset="-122"/>
+              </a:defRPr>
+            </a:lvl2pPr>
+            <a:lvl3pPr>
+              <a:defRPr>
+                <a:solidFill>
+                  <a:schemeClr val="tx1"/>
+                </a:solidFill>
+                <a:latin typeface="Arial" panose="020B0604020202020204" pitchFamily="34" charset="0"/>
+                <a:ea typeface="宋体" panose="02010600030101010101" pitchFamily="2" charset="-122"/>
+              </a:defRPr>
+            </a:lvl3pPr>
+            <a:lvl4pPr>
+              <a:defRPr>
+                <a:solidFill>
+                  <a:schemeClr val="tx1"/>
+                </a:solidFill>
+                <a:latin typeface="Arial" panose="020B0604020202020204" pitchFamily="34" charset="0"/>
+                <a:ea typeface="宋体" panose="02010600030101010101" pitchFamily="2" charset="-122"/>
+              </a:defRPr>
+            </a:lvl4pPr>
+            <a:lvl5pPr>
+              <a:defRPr>
+                <a:solidFill>
+                  <a:schemeClr val="tx1"/>
+                </a:solidFill>
+                <a:latin typeface="Arial" panose="020B0604020202020204" pitchFamily="34" charset="0"/>
+                <a:ea typeface="宋体" panose="02010600030101010101" pitchFamily="2" charset="-122"/>
+              </a:defRPr>
+            </a:lvl5pPr>
+            <a:lvl6pPr fontAlgn="base">
+              <a:spcBef>
+                <a:spcPct val="0"/>
+              </a:spcBef>
+              <a:spcAft>
+                <a:spcPct val="0"/>
+              </a:spcAft>
+              <a:buFont typeface="Arial" panose="020B0604020202020204" pitchFamily="34" charset="0"/>
+              <a:defRPr>
+                <a:solidFill>
+                  <a:schemeClr val="tx1"/>
+                </a:solidFill>
+                <a:latin typeface="Arial" panose="020B0604020202020204" pitchFamily="34" charset="0"/>
+                <a:ea typeface="宋体" panose="02010600030101010101" pitchFamily="2" charset="-122"/>
+              </a:defRPr>
+            </a:lvl6pPr>
+            <a:lvl7pPr fontAlgn="base">
+              <a:spcBef>
+                <a:spcPct val="0"/>
+              </a:spcBef>
+              <a:spcAft>
+                <a:spcPct val="0"/>
+              </a:spcAft>
+              <a:buFont typeface="Arial" panose="020B0604020202020204" pitchFamily="34" charset="0"/>
+              <a:defRPr>
+                <a:solidFill>
+                  <a:schemeClr val="tx1"/>
+                </a:solidFill>
+                <a:latin typeface="Arial" panose="020B0604020202020204" pitchFamily="34" charset="0"/>
+                <a:ea typeface="宋体" panose="02010600030101010101" pitchFamily="2" charset="-122"/>
+              </a:defRPr>
+            </a:lvl7pPr>
+            <a:lvl8pPr fontAlgn="base">
+              <a:spcBef>
+                <a:spcPct val="0"/>
+              </a:spcBef>
+              <a:spcAft>
+                <a:spcPct val="0"/>
+              </a:spcAft>
+              <a:buFont typeface="Arial" panose="020B0604020202020204" pitchFamily="34" charset="0"/>
+              <a:defRPr>
+                <a:solidFill>
+                  <a:schemeClr val="tx1"/>
+                </a:solidFill>
+                <a:latin typeface="Arial" panose="020B0604020202020204" pitchFamily="34" charset="0"/>
+                <a:ea typeface="宋体" panose="02010600030101010101" pitchFamily="2" charset="-122"/>
+              </a:defRPr>
+            </a:lvl8pPr>
+            <a:lvl9pPr fontAlgn="base">
+              <a:spcBef>
+                <a:spcPct val="0"/>
+              </a:spcBef>
+              <a:spcAft>
+                <a:spcPct val="0"/>
+              </a:spcAft>
+              <a:buFont typeface="Arial" panose="020B0604020202020204" pitchFamily="34" charset="0"/>
+              <a:defRPr>
+                <a:solidFill>
+                  <a:schemeClr val="tx1"/>
+                </a:solidFill>
+                <a:latin typeface="Arial" panose="020B0604020202020204" pitchFamily="34" charset="0"/>
+                <a:ea typeface="宋体" panose="02010600030101010101" pitchFamily="2" charset="-122"/>
+              </a:defRPr>
+            </a:lvl9pPr>
+          </a:lstStyle>
+          <a:p>
+            <a:pPr algn="ctr"/>
+            <a:endParaRPr lang="en-US" altLang="zh-CN" sz="1400" b="1">
+              <a:solidFill>
+                <a:srgbClr val="F03628"/>
+              </a:solidFill>
+            </a:endParaRPr>
+          </a:p>
+        </p:txBody>
+      </p:sp>
+      <p:sp>
+        <p:nvSpPr>
+          <p:cNvPr id="43011" name="标题 1">
+            <a:extLst>
+              <a:ext uri="{FF2B5EF4-FFF2-40B4-BE49-F238E27FC236}">
+                <a16:creationId xmlns:a16="http://schemas.microsoft.com/office/drawing/2014/main" id="{CBE99190-FD09-493D-9E59-CD5AFC0C5EFB}"/>
+              </a:ext>
+            </a:extLst>
+          </p:cNvPr>
+          <p:cNvSpPr>
+            <a:spLocks noGrp="1" noChangeArrowheads="1"/>
+          </p:cNvSpPr>
+          <p:nvPr>
+            <p:ph type="title" idx="4294967295"/>
+          </p:nvPr>
+        </p:nvSpPr>
+        <p:spPr/>
+        <p:txBody>
+          <a:bodyPr/>
+          <a:lstStyle/>
+          <a:p>
+            <a:pPr eaLnBrk="1" hangingPunct="1"/>
+            <a:r>
+              <a:rPr lang="zh-CN" altLang="en-US" sz="3600"/>
+              <a:t>断言</a:t>
+            </a:r>
+            <a:r>
+              <a:rPr lang="en-US" altLang="zh-CN" sz="3600"/>
+              <a:t>（</a:t>
+            </a:r>
+            <a:r>
+              <a:rPr lang="zh-CN" altLang="en-US" sz="3600"/>
+              <a:t>续</a:t>
+            </a:r>
+            <a:r>
+              <a:rPr lang="en-US" altLang="zh-CN" sz="3600"/>
+              <a:t>）</a:t>
+            </a:r>
           </a:p>
         </p:txBody>
       </p:sp>
@@ -22209,7 +22587,7 @@
               <a:buNone/>
             </a:pPr>
             <a:r>
-              <a:rPr lang="en-US" altLang="zh-CN">
+              <a:rPr lang="en-US" altLang="zh-CN" dirty="0">
                 <a:solidFill>
                   <a:srgbClr val="0066FF"/>
                 </a:solidFill>
@@ -22217,7 +22595,7 @@
               <a:t>5.1  </a:t>
             </a:r>
             <a:r>
-              <a:rPr lang="zh-CN" altLang="en-US">
+              <a:rPr lang="zh-CN" altLang="en-US" dirty="0">
                 <a:solidFill>
                   <a:srgbClr val="0066FF"/>
                 </a:solidFill>
@@ -22234,11 +22612,11 @@
               <a:buNone/>
             </a:pPr>
             <a:r>
-              <a:rPr lang="en-US" altLang="zh-CN"/>
+              <a:rPr lang="en-US" altLang="zh-CN" dirty="0"/>
               <a:t>5.2  </a:t>
             </a:r>
             <a:r>
-              <a:rPr lang="zh-CN" altLang="en-US"/>
+              <a:rPr lang="zh-CN" altLang="en-US" dirty="0"/>
               <a:t>参照完整性</a:t>
             </a:r>
           </a:p>
@@ -22251,11 +22629,11 @@
               <a:buNone/>
             </a:pPr>
             <a:r>
-              <a:rPr lang="en-US" altLang="zh-CN"/>
+              <a:rPr lang="en-US" altLang="zh-CN" dirty="0"/>
               <a:t>5.3  </a:t>
             </a:r>
             <a:r>
-              <a:rPr lang="zh-CN" altLang="en-US"/>
+              <a:rPr lang="zh-CN" altLang="en-US" dirty="0"/>
               <a:t>用户定义的完整性</a:t>
             </a:r>
           </a:p>
@@ -22268,11 +22646,11 @@
               <a:buNone/>
             </a:pPr>
             <a:r>
-              <a:rPr lang="en-US" altLang="zh-CN"/>
+              <a:rPr lang="en-US" altLang="zh-CN" dirty="0"/>
               <a:t>5.4  </a:t>
             </a:r>
             <a:r>
-              <a:rPr lang="zh-CN" altLang="en-US"/>
+              <a:rPr lang="zh-CN" altLang="en-US" dirty="0"/>
               <a:t>完整性约束命名字句</a:t>
             </a:r>
           </a:p>
@@ -22285,15 +22663,15 @@
               <a:buNone/>
             </a:pPr>
             <a:r>
-              <a:rPr lang="zh-CN" altLang="en-US"/>
+              <a:rPr lang="zh-CN" altLang="en-US" dirty="0"/>
               <a:t>*</a:t>
             </a:r>
             <a:r>
-              <a:rPr lang="en-US" altLang="zh-CN"/>
+              <a:rPr lang="en-US" altLang="zh-CN" dirty="0"/>
               <a:t>5.5  </a:t>
             </a:r>
             <a:r>
-              <a:rPr lang="zh-CN" altLang="en-US"/>
+              <a:rPr lang="zh-CN" altLang="en-US" dirty="0"/>
               <a:t>域中的完整性限制</a:t>
             </a:r>
           </a:p>
@@ -22306,14 +22684,14 @@
               <a:buNone/>
             </a:pPr>
             <a:r>
-              <a:rPr lang="en-US" altLang="zh-CN"/>
+              <a:rPr lang="en-US" altLang="zh-CN" dirty="0"/>
               <a:t>5.6  </a:t>
             </a:r>
             <a:r>
-              <a:rPr lang="zh-CN" altLang="en-US"/>
+              <a:rPr lang="zh-CN" altLang="en-US" dirty="0"/>
               <a:t>断言</a:t>
             </a:r>
-            <a:endParaRPr lang="en-US" altLang="zh-CN"/>
+            <a:endParaRPr lang="en-US" altLang="zh-CN" dirty="0"/>
           </a:p>
           <a:p>
             <a:pPr eaLnBrk="1" hangingPunct="1">
@@ -22324,12 +22702,20 @@
               <a:buNone/>
             </a:pPr>
             <a:r>
-              <a:rPr lang="en-US" altLang="zh-CN"/>
+              <a:rPr lang="en-US" altLang="zh-CN" dirty="0"/>
               <a:t>5.7  </a:t>
             </a:r>
             <a:r>
-              <a:rPr lang="zh-CN" altLang="en-US"/>
-              <a:t>触发器</a:t>
+              <a:rPr lang="zh-CN" altLang="en-US" dirty="0"/>
+              <a:t>触发器 </a:t>
+            </a:r>
+            <a:r>
+              <a:rPr lang="en-US" altLang="zh-CN" dirty="0"/>
+              <a:t>+ 8.3 </a:t>
+            </a:r>
+            <a:r>
+              <a:rPr lang="zh-CN" altLang="en-US" dirty="0"/>
+              <a:t>存储过程</a:t>
             </a:r>
           </a:p>
           <a:p>
@@ -22341,17 +22727,17 @@
               <a:buNone/>
             </a:pPr>
             <a:r>
-              <a:rPr lang="en-US" altLang="zh-CN"/>
+              <a:rPr lang="en-US" altLang="zh-CN" dirty="0"/>
               <a:t>5.8  </a:t>
             </a:r>
             <a:r>
-              <a:rPr lang="zh-CN" altLang="en-US"/>
+              <a:rPr lang="zh-CN" altLang="en-US" dirty="0"/>
               <a:t>小结</a:t>
             </a:r>
           </a:p>
           <a:p>
             <a:pPr eaLnBrk="1" hangingPunct="1"/>
-            <a:endParaRPr lang="en-US" altLang="zh-CN"/>
+            <a:endParaRPr lang="en-US" altLang="zh-CN" dirty="0"/>
           </a:p>
         </p:txBody>
       </p:sp>
@@ -22364,518 +22750,6 @@
 </file>
 
 <file path=ppt/slides/slide40.xml><?xml version="1.0" encoding="utf-8"?>
-<p:sld xmlns:a="http://schemas.openxmlformats.org/drawingml/2006/main" xmlns:r="http://schemas.openxmlformats.org/officeDocument/2006/relationships" xmlns:p="http://schemas.openxmlformats.org/presentationml/2006/main">
-  <p:cSld>
-    <p:spTree>
-      <p:nvGrpSpPr>
-        <p:cNvPr id="1" name=""/>
-        <p:cNvGrpSpPr/>
-        <p:nvPr/>
-      </p:nvGrpSpPr>
-      <p:grpSpPr>
-        <a:xfrm>
-          <a:off x="0" y="0"/>
-          <a:ext cx="0" cy="0"/>
-          <a:chOff x="0" y="0"/>
-          <a:chExt cx="0" cy="0"/>
-        </a:xfrm>
-      </p:grpSpPr>
-      <p:sp>
-        <p:nvSpPr>
-          <p:cNvPr id="43009" name="内容占位符 2">
-            <a:extLst>
-              <a:ext uri="{FF2B5EF4-FFF2-40B4-BE49-F238E27FC236}">
-                <a16:creationId xmlns:a16="http://schemas.microsoft.com/office/drawing/2014/main" id="{658A8EE9-DC68-4ECA-98BF-E1E7B94782FB}"/>
-              </a:ext>
-            </a:extLst>
-          </p:cNvPr>
-          <p:cNvSpPr>
-            <a:spLocks noGrp="1" noChangeArrowheads="1"/>
-          </p:cNvSpPr>
-          <p:nvPr>
-            <p:ph idx="4294967295"/>
-          </p:nvPr>
-        </p:nvSpPr>
-        <p:spPr>
-          <a:xfrm>
-            <a:off x="352425" y="1289050"/>
-            <a:ext cx="8467725" cy="4854575"/>
-          </a:xfrm>
-        </p:spPr>
-        <p:txBody>
-          <a:bodyPr/>
-          <a:lstStyle/>
-          <a:p>
-            <a:pPr eaLnBrk="1" hangingPunct="1">
-              <a:buFont typeface="Wingdings" panose="05000000000000000000" pitchFamily="2" charset="2"/>
-              <a:buNone/>
-            </a:pPr>
-            <a:r>
-              <a:rPr lang="en-US" altLang="zh-CN" sz="2400"/>
-              <a:t>[</a:t>
-            </a:r>
-            <a:r>
-              <a:rPr lang="zh-CN" altLang="en-US" sz="2400"/>
-              <a:t>例5.</a:t>
-            </a:r>
-            <a:r>
-              <a:rPr lang="en-US" altLang="zh-CN" sz="2400"/>
-              <a:t>19]</a:t>
-            </a:r>
-            <a:r>
-              <a:rPr lang="zh-CN" altLang="en-US" sz="2400"/>
-              <a:t>限制每一门课程最多</a:t>
-            </a:r>
-            <a:r>
-              <a:rPr lang="en-US" altLang="zh-CN" sz="2400"/>
-              <a:t>60</a:t>
-            </a:r>
-            <a:r>
-              <a:rPr lang="zh-CN" altLang="en-US" sz="2400"/>
-              <a:t>名学生选修</a:t>
-            </a:r>
-            <a:endParaRPr lang="en-US" altLang="zh-CN" sz="2400"/>
-          </a:p>
-          <a:p>
-            <a:pPr eaLnBrk="1" hangingPunct="1">
-              <a:buFont typeface="Wingdings" panose="05000000000000000000" pitchFamily="2" charset="2"/>
-              <a:buNone/>
-            </a:pPr>
-            <a:endParaRPr lang="en-US" altLang="zh-CN" sz="2200"/>
-          </a:p>
-          <a:p>
-            <a:pPr eaLnBrk="1" hangingPunct="1">
-              <a:lnSpc>
-                <a:spcPct val="120000"/>
-              </a:lnSpc>
-              <a:buFont typeface="Wingdings" panose="05000000000000000000" pitchFamily="2" charset="2"/>
-              <a:buNone/>
-            </a:pPr>
-            <a:r>
-              <a:rPr lang="en-US" altLang="zh-CN" sz="2200"/>
-              <a:t>	CREATE ASSERTION ASSE_SC_CNUM1</a:t>
-            </a:r>
-          </a:p>
-          <a:p>
-            <a:pPr eaLnBrk="1" hangingPunct="1">
-              <a:lnSpc>
-                <a:spcPct val="120000"/>
-              </a:lnSpc>
-              <a:buFont typeface="Wingdings" panose="05000000000000000000" pitchFamily="2" charset="2"/>
-              <a:buNone/>
-            </a:pPr>
-            <a:r>
-              <a:rPr lang="en-US" altLang="zh-CN" sz="2200"/>
-              <a:t>		CHECK</a:t>
-            </a:r>
-            <a:r>
-              <a:rPr lang="zh-CN" altLang="en-US" sz="2200"/>
-              <a:t>(</a:t>
-            </a:r>
-            <a:r>
-              <a:rPr lang="en-US" altLang="zh-CN" sz="2200"/>
-              <a:t>60 &gt;= ALL </a:t>
-            </a:r>
-            <a:r>
-              <a:rPr lang="zh-CN" altLang="en-US" sz="2200"/>
-              <a:t>(</a:t>
-            </a:r>
-            <a:r>
-              <a:rPr lang="en-US" altLang="zh-CN" sz="2200"/>
-              <a:t>SELECT </a:t>
-            </a:r>
-            <a:r>
-              <a:rPr lang="en-US" altLang="zh-CN" sz="2200">
-                <a:solidFill>
-                  <a:srgbClr val="FF00FF"/>
-                </a:solidFill>
-              </a:rPr>
-              <a:t>count</a:t>
-            </a:r>
-            <a:r>
-              <a:rPr lang="zh-CN" altLang="en-US" sz="2200">
-                <a:solidFill>
-                  <a:srgbClr val="FF00FF"/>
-                </a:solidFill>
-              </a:rPr>
-              <a:t>(</a:t>
-            </a:r>
-            <a:r>
-              <a:rPr lang="en-US" altLang="zh-CN" sz="2200">
-                <a:solidFill>
-                  <a:srgbClr val="FF00FF"/>
-                </a:solidFill>
-              </a:rPr>
-              <a:t>*</a:t>
-            </a:r>
-            <a:r>
-              <a:rPr lang="zh-CN" altLang="en-US" sz="2200">
-                <a:solidFill>
-                  <a:srgbClr val="FF00FF"/>
-                </a:solidFill>
-              </a:rPr>
-              <a:t>)</a:t>
-            </a:r>
-            <a:r>
-              <a:rPr lang="zh-CN" altLang="en-US" sz="2200"/>
-              <a:t> </a:t>
-            </a:r>
-            <a:r>
-              <a:rPr lang="en-US" altLang="zh-CN" sz="2200"/>
-              <a:t>		  </a:t>
-            </a:r>
-            <a:r>
-              <a:rPr lang="zh-CN" altLang="en-US" sz="2200"/>
-              <a:t> </a:t>
-            </a:r>
-            <a:r>
-              <a:rPr lang="en-US" altLang="zh-CN" sz="2200"/>
-              <a:t>				          FROM	 SC </a:t>
-            </a:r>
-          </a:p>
-          <a:p>
-            <a:pPr eaLnBrk="1" hangingPunct="1">
-              <a:lnSpc>
-                <a:spcPct val="120000"/>
-              </a:lnSpc>
-              <a:buFont typeface="Wingdings" panose="05000000000000000000" pitchFamily="2" charset="2"/>
-              <a:buNone/>
-            </a:pPr>
-            <a:r>
-              <a:rPr lang="en-US" altLang="zh-CN" sz="2200"/>
-              <a:t>				          </a:t>
-            </a:r>
-            <a:r>
-              <a:rPr lang="en-US" altLang="zh-CN" sz="2200">
-                <a:solidFill>
-                  <a:srgbClr val="FF00FF"/>
-                </a:solidFill>
-              </a:rPr>
-              <a:t>GROUP BY</a:t>
-            </a:r>
-            <a:r>
-              <a:rPr lang="en-US" altLang="zh-CN" sz="2200"/>
-              <a:t> cno</a:t>
-            </a:r>
-            <a:r>
-              <a:rPr lang="zh-CN" altLang="en-US" sz="2200"/>
-              <a:t>)</a:t>
-            </a:r>
-            <a:endParaRPr lang="en-US" altLang="zh-CN" sz="2200"/>
-          </a:p>
-          <a:p>
-            <a:pPr eaLnBrk="1" hangingPunct="1">
-              <a:lnSpc>
-                <a:spcPct val="120000"/>
-              </a:lnSpc>
-              <a:buFont typeface="Wingdings" panose="05000000000000000000" pitchFamily="2" charset="2"/>
-              <a:buNone/>
-            </a:pPr>
-            <a:r>
-              <a:rPr lang="en-US" altLang="zh-CN" sz="2200"/>
-              <a:t>       </a:t>
-            </a:r>
-            <a:r>
-              <a:rPr lang="zh-CN" altLang="en-US" sz="2200"/>
-              <a:t> </a:t>
-            </a:r>
-            <a:r>
-              <a:rPr lang="en-US" altLang="zh-CN" sz="2200"/>
-              <a:t>		  </a:t>
-            </a:r>
-            <a:r>
-              <a:rPr lang="zh-CN" altLang="en-US" sz="2200"/>
-              <a:t>)</a:t>
-            </a:r>
-            <a:r>
-              <a:rPr lang="en-US" altLang="zh-CN" sz="2200"/>
-              <a:t>;</a:t>
-            </a:r>
-          </a:p>
-          <a:p>
-            <a:pPr eaLnBrk="1" hangingPunct="1">
-              <a:lnSpc>
-                <a:spcPct val="150000"/>
-              </a:lnSpc>
-              <a:buFont typeface="Wingdings" panose="05000000000000000000" pitchFamily="2" charset="2"/>
-              <a:buNone/>
-            </a:pPr>
-            <a:r>
-              <a:rPr lang="zh-CN" altLang="en-US" sz="2200"/>
-              <a:t> </a:t>
-            </a:r>
-            <a:r>
-              <a:rPr lang="en-US" altLang="zh-CN" sz="2200"/>
-              <a:t>		/*</a:t>
-            </a:r>
-            <a:r>
-              <a:rPr lang="zh-CN" altLang="en-US" sz="2200"/>
-              <a:t>此断言的谓词，涉及聚集操作</a:t>
-            </a:r>
-            <a:r>
-              <a:rPr lang="en-US" altLang="zh-CN" sz="2200"/>
-              <a:t>count </a:t>
-            </a:r>
-            <a:r>
-              <a:rPr lang="zh-CN" altLang="en-US" sz="2200"/>
-              <a:t>和分组函数</a:t>
-            </a:r>
-            <a:r>
-              <a:rPr lang="en-US" altLang="zh-CN" sz="2200"/>
-              <a:t>group by		</a:t>
-            </a:r>
-            <a:r>
-              <a:rPr lang="zh-CN" altLang="en-US" sz="2200"/>
-              <a:t>的</a:t>
-            </a:r>
-            <a:r>
-              <a:rPr lang="en-US" altLang="zh-CN" sz="2200"/>
-              <a:t>SQL</a:t>
-            </a:r>
-            <a:r>
-              <a:rPr lang="zh-CN" altLang="en-US" sz="2200"/>
-              <a:t>语句*</a:t>
-            </a:r>
-            <a:r>
-              <a:rPr lang="en-US" altLang="zh-CN" sz="2200"/>
-              <a:t>/</a:t>
-            </a:r>
-          </a:p>
-          <a:p>
-            <a:pPr eaLnBrk="1" hangingPunct="1">
-              <a:lnSpc>
-                <a:spcPct val="150000"/>
-              </a:lnSpc>
-              <a:buFont typeface="Wingdings" panose="05000000000000000000" pitchFamily="2" charset="2"/>
-              <a:buNone/>
-            </a:pPr>
-            <a:r>
-              <a:rPr lang="en-US" altLang="zh-CN" sz="2400"/>
-              <a:t>	</a:t>
-            </a:r>
-            <a:endParaRPr lang="zh-CN" altLang="en-US" sz="2200"/>
-          </a:p>
-        </p:txBody>
-      </p:sp>
-      <p:sp>
-        <p:nvSpPr>
-          <p:cNvPr id="43010" name="页脚占位符 3">
-            <a:extLst>
-              <a:ext uri="{FF2B5EF4-FFF2-40B4-BE49-F238E27FC236}">
-                <a16:creationId xmlns:a16="http://schemas.microsoft.com/office/drawing/2014/main" id="{D0DD05A0-A995-46DC-88EE-8B61DF2C4071}"/>
-              </a:ext>
-            </a:extLst>
-          </p:cNvPr>
-          <p:cNvSpPr txBox="1">
-            <a:spLocks noGrp="1" noChangeArrowheads="1"/>
-          </p:cNvSpPr>
-          <p:nvPr/>
-        </p:nvSpPr>
-        <p:spPr bwMode="auto">
-          <a:xfrm>
-            <a:off x="5219700" y="6381750"/>
-            <a:ext cx="3600450" cy="320675"/>
-          </a:xfrm>
-          <a:prstGeom prst="rect">
-            <a:avLst/>
-          </a:prstGeom>
-          <a:noFill/>
-          <a:ln>
-            <a:noFill/>
-          </a:ln>
-          <a:extLst>
-            <a:ext uri="{909E8E84-426E-40DD-AFC4-6F175D3DCCD1}">
-              <a14:hiddenFill xmlns:a14="http://schemas.microsoft.com/office/drawing/2010/main">
-                <a:solidFill>
-                  <a:srgbClr val="FFFFFF"/>
-                </a:solidFill>
-              </a14:hiddenFill>
-            </a:ext>
-            <a:ext uri="{91240B29-F687-4F45-9708-019B960494DF}">
-              <a14:hiddenLine xmlns:a14="http://schemas.microsoft.com/office/drawing/2010/main" w="9525">
-                <a:solidFill>
-                  <a:srgbClr val="000000"/>
-                </a:solidFill>
-                <a:miter lim="800000"/>
-                <a:headEnd/>
-                <a:tailEnd/>
-              </a14:hiddenLine>
-            </a:ext>
-          </a:extLst>
-        </p:spPr>
-        <p:txBody>
-          <a:bodyPr/>
-          <a:lstStyle>
-            <a:lvl1pPr>
-              <a:defRPr>
-                <a:solidFill>
-                  <a:schemeClr val="tx1"/>
-                </a:solidFill>
-                <a:latin typeface="Arial" panose="020B0604020202020204" pitchFamily="34" charset="0"/>
-                <a:ea typeface="宋体" panose="02010600030101010101" pitchFamily="2" charset="-122"/>
-              </a:defRPr>
-            </a:lvl1pPr>
-            <a:lvl2pPr>
-              <a:defRPr>
-                <a:solidFill>
-                  <a:schemeClr val="tx1"/>
-                </a:solidFill>
-                <a:latin typeface="Arial" panose="020B0604020202020204" pitchFamily="34" charset="0"/>
-                <a:ea typeface="宋体" panose="02010600030101010101" pitchFamily="2" charset="-122"/>
-              </a:defRPr>
-            </a:lvl2pPr>
-            <a:lvl3pPr>
-              <a:defRPr>
-                <a:solidFill>
-                  <a:schemeClr val="tx1"/>
-                </a:solidFill>
-                <a:latin typeface="Arial" panose="020B0604020202020204" pitchFamily="34" charset="0"/>
-                <a:ea typeface="宋体" panose="02010600030101010101" pitchFamily="2" charset="-122"/>
-              </a:defRPr>
-            </a:lvl3pPr>
-            <a:lvl4pPr>
-              <a:defRPr>
-                <a:solidFill>
-                  <a:schemeClr val="tx1"/>
-                </a:solidFill>
-                <a:latin typeface="Arial" panose="020B0604020202020204" pitchFamily="34" charset="0"/>
-                <a:ea typeface="宋体" panose="02010600030101010101" pitchFamily="2" charset="-122"/>
-              </a:defRPr>
-            </a:lvl4pPr>
-            <a:lvl5pPr>
-              <a:defRPr>
-                <a:solidFill>
-                  <a:schemeClr val="tx1"/>
-                </a:solidFill>
-                <a:latin typeface="Arial" panose="020B0604020202020204" pitchFamily="34" charset="0"/>
-                <a:ea typeface="宋体" panose="02010600030101010101" pitchFamily="2" charset="-122"/>
-              </a:defRPr>
-            </a:lvl5pPr>
-            <a:lvl6pPr fontAlgn="base">
-              <a:spcBef>
-                <a:spcPct val="0"/>
-              </a:spcBef>
-              <a:spcAft>
-                <a:spcPct val="0"/>
-              </a:spcAft>
-              <a:buFont typeface="Arial" panose="020B0604020202020204" pitchFamily="34" charset="0"/>
-              <a:defRPr>
-                <a:solidFill>
-                  <a:schemeClr val="tx1"/>
-                </a:solidFill>
-                <a:latin typeface="Arial" panose="020B0604020202020204" pitchFamily="34" charset="0"/>
-                <a:ea typeface="宋体" panose="02010600030101010101" pitchFamily="2" charset="-122"/>
-              </a:defRPr>
-            </a:lvl6pPr>
-            <a:lvl7pPr fontAlgn="base">
-              <a:spcBef>
-                <a:spcPct val="0"/>
-              </a:spcBef>
-              <a:spcAft>
-                <a:spcPct val="0"/>
-              </a:spcAft>
-              <a:buFont typeface="Arial" panose="020B0604020202020204" pitchFamily="34" charset="0"/>
-              <a:defRPr>
-                <a:solidFill>
-                  <a:schemeClr val="tx1"/>
-                </a:solidFill>
-                <a:latin typeface="Arial" panose="020B0604020202020204" pitchFamily="34" charset="0"/>
-                <a:ea typeface="宋体" panose="02010600030101010101" pitchFamily="2" charset="-122"/>
-              </a:defRPr>
-            </a:lvl7pPr>
-            <a:lvl8pPr fontAlgn="base">
-              <a:spcBef>
-                <a:spcPct val="0"/>
-              </a:spcBef>
-              <a:spcAft>
-                <a:spcPct val="0"/>
-              </a:spcAft>
-              <a:buFont typeface="Arial" panose="020B0604020202020204" pitchFamily="34" charset="0"/>
-              <a:defRPr>
-                <a:solidFill>
-                  <a:schemeClr val="tx1"/>
-                </a:solidFill>
-                <a:latin typeface="Arial" panose="020B0604020202020204" pitchFamily="34" charset="0"/>
-                <a:ea typeface="宋体" panose="02010600030101010101" pitchFamily="2" charset="-122"/>
-              </a:defRPr>
-            </a:lvl8pPr>
-            <a:lvl9pPr fontAlgn="base">
-              <a:spcBef>
-                <a:spcPct val="0"/>
-              </a:spcBef>
-              <a:spcAft>
-                <a:spcPct val="0"/>
-              </a:spcAft>
-              <a:buFont typeface="Arial" panose="020B0604020202020204" pitchFamily="34" charset="0"/>
-              <a:defRPr>
-                <a:solidFill>
-                  <a:schemeClr val="tx1"/>
-                </a:solidFill>
-                <a:latin typeface="Arial" panose="020B0604020202020204" pitchFamily="34" charset="0"/>
-                <a:ea typeface="宋体" panose="02010600030101010101" pitchFamily="2" charset="-122"/>
-              </a:defRPr>
-            </a:lvl9pPr>
-          </a:lstStyle>
-          <a:p>
-            <a:pPr algn="ctr"/>
-            <a:endParaRPr lang="en-US" altLang="zh-CN" sz="1400" b="1">
-              <a:solidFill>
-                <a:srgbClr val="F03628"/>
-              </a:solidFill>
-            </a:endParaRPr>
-          </a:p>
-        </p:txBody>
-      </p:sp>
-      <p:sp>
-        <p:nvSpPr>
-          <p:cNvPr id="43011" name="标题 1">
-            <a:extLst>
-              <a:ext uri="{FF2B5EF4-FFF2-40B4-BE49-F238E27FC236}">
-                <a16:creationId xmlns:a16="http://schemas.microsoft.com/office/drawing/2014/main" id="{CBE99190-FD09-493D-9E59-CD5AFC0C5EFB}"/>
-              </a:ext>
-            </a:extLst>
-          </p:cNvPr>
-          <p:cNvSpPr>
-            <a:spLocks noGrp="1" noChangeArrowheads="1"/>
-          </p:cNvSpPr>
-          <p:nvPr>
-            <p:ph type="title" idx="4294967295"/>
-          </p:nvPr>
-        </p:nvSpPr>
-        <p:spPr/>
-        <p:txBody>
-          <a:bodyPr/>
-          <a:lstStyle/>
-          <a:p>
-            <a:pPr eaLnBrk="1" hangingPunct="1"/>
-            <a:r>
-              <a:rPr lang="zh-CN" altLang="en-US" sz="3600"/>
-              <a:t>断言</a:t>
-            </a:r>
-            <a:r>
-              <a:rPr lang="en-US" altLang="zh-CN" sz="3600"/>
-              <a:t>（</a:t>
-            </a:r>
-            <a:r>
-              <a:rPr lang="zh-CN" altLang="en-US" sz="3600"/>
-              <a:t>续</a:t>
-            </a:r>
-            <a:r>
-              <a:rPr lang="en-US" altLang="zh-CN" sz="3600"/>
-              <a:t>）</a:t>
-            </a:r>
-          </a:p>
-        </p:txBody>
-      </p:sp>
-    </p:spTree>
-  </p:cSld>
-  <p:clrMapOvr>
-    <a:masterClrMapping/>
-  </p:clrMapOvr>
-</p:sld>
-</file>
-
-<file path=ppt/slides/slide41.xml><?xml version="1.0" encoding="utf-8"?>
 <p:sld xmlns:a="http://schemas.openxmlformats.org/drawingml/2006/main" xmlns:r="http://schemas.openxmlformats.org/officeDocument/2006/relationships" xmlns:p="http://schemas.openxmlformats.org/presentationml/2006/main">
   <p:cSld>
     <p:spTree>
@@ -22926,11 +22800,11 @@
               <a:buNone/>
             </a:pPr>
             <a:r>
-              <a:rPr lang="en-US" altLang="zh-CN"/>
+              <a:rPr lang="en-US" altLang="zh-CN" dirty="0"/>
               <a:t>2. </a:t>
             </a:r>
             <a:r>
-              <a:rPr lang="zh-CN" altLang="en-US"/>
+              <a:rPr lang="zh-CN" altLang="en-US" dirty="0"/>
               <a:t>删除断言的语句格式为</a:t>
             </a:r>
           </a:p>
@@ -22941,19 +22815,19 @@
               </a:lnSpc>
             </a:pPr>
             <a:r>
-              <a:rPr lang="en-US" altLang="zh-CN"/>
+              <a:rPr lang="en-US" altLang="zh-CN" dirty="0"/>
               <a:t>DROP ASSERTION &lt;</a:t>
             </a:r>
             <a:r>
-              <a:rPr lang="zh-CN" altLang="en-US"/>
+              <a:rPr lang="zh-CN" altLang="en-US" dirty="0"/>
               <a:t>断言名</a:t>
             </a:r>
             <a:r>
-              <a:rPr lang="en-US" altLang="zh-CN"/>
+              <a:rPr lang="en-US" altLang="zh-CN" dirty="0"/>
               <a:t>&gt;</a:t>
             </a:r>
             <a:r>
-              <a:rPr lang="zh-CN" altLang="en-US"/>
+              <a:rPr lang="zh-CN" altLang="en-US" dirty="0"/>
               <a:t>;</a:t>
             </a:r>
           </a:p>
@@ -22963,7 +22837,7 @@
                 <a:spcPct val="150000"/>
               </a:lnSpc>
             </a:pPr>
-            <a:endParaRPr lang="zh-CN" altLang="en-US"/>
+            <a:endParaRPr lang="zh-CN" altLang="en-US" dirty="0"/>
           </a:p>
         </p:txBody>
       </p:sp>
@@ -23352,49 +23226,69 @@
                 <a:solidFill>
                   <a:srgbClr val="FF0000"/>
                 </a:solidFill>
-              </a:rPr>
-              <a:t>T-SQL </a:t>
-            </a:r>
-            <a:r>
-              <a:rPr lang="zh-CN" altLang="en-US" sz="2400" b="1" dirty="0">
-                <a:solidFill>
-                  <a:srgbClr val="FF0000"/>
-                </a:solidFill>
-              </a:rPr>
-              <a:t>中没有 </a:t>
-            </a:r>
-            <a:r>
-              <a:rPr lang="en-US" altLang="zh-CN" sz="2400" b="1" dirty="0">
-                <a:solidFill>
-                  <a:srgbClr val="FF0000"/>
-                </a:solidFill>
-              </a:rPr>
-              <a:t>ASSERTION </a:t>
-            </a:r>
-            <a:r>
-              <a:rPr lang="zh-CN" altLang="en-US" sz="2400" b="1" dirty="0">
-                <a:solidFill>
-                  <a:srgbClr val="FF0000"/>
-                </a:solidFill>
-              </a:rPr>
-              <a:t>功能。</a:t>
-            </a:r>
-          </a:p>
-          <a:p>
-            <a:r>
-              <a:rPr lang="zh-CN" altLang="en-US" dirty="0">
                 <a:highlight>
                   <a:srgbClr val="FFFF00"/>
                 </a:highlight>
               </a:rPr>
-              <a:t>类似的有</a:t>
-            </a:r>
-            <a:r>
-              <a:rPr lang="en-US" altLang="zh-CN" dirty="0">
+              <a:t>T-SQL </a:t>
+            </a:r>
+            <a:r>
+              <a:rPr lang="zh-CN" altLang="en-US" sz="2400" b="1" dirty="0">
+                <a:solidFill>
+                  <a:srgbClr val="FF0000"/>
+                </a:solidFill>
                 <a:highlight>
                   <a:srgbClr val="FFFF00"/>
                 </a:highlight>
               </a:rPr>
+              <a:t>中没有 </a:t>
+            </a:r>
+            <a:r>
+              <a:rPr lang="en-US" altLang="zh-CN" sz="2400" b="1" dirty="0">
+                <a:solidFill>
+                  <a:srgbClr val="FF0000"/>
+                </a:solidFill>
+                <a:highlight>
+                  <a:srgbClr val="FFFF00"/>
+                </a:highlight>
+              </a:rPr>
+              <a:t>ASSERTION </a:t>
+            </a:r>
+            <a:r>
+              <a:rPr lang="zh-CN" altLang="en-US" sz="2400" b="1" dirty="0">
+                <a:solidFill>
+                  <a:srgbClr val="FF0000"/>
+                </a:solidFill>
+                <a:highlight>
+                  <a:srgbClr val="FFFF00"/>
+                </a:highlight>
+              </a:rPr>
+              <a:t>功能</a:t>
+            </a:r>
+            <a:r>
+              <a:rPr lang="zh-CN" altLang="en-US" sz="2400" b="1" dirty="0">
+                <a:solidFill>
+                  <a:srgbClr val="FF0000"/>
+                </a:solidFill>
+              </a:rPr>
+              <a:t>。</a:t>
+            </a:r>
+          </a:p>
+          <a:p>
+            <a:r>
+              <a:rPr lang="zh-CN" altLang="en-US" dirty="0">
+                <a:highlight>
+                  <a:srgbClr val="00FF00"/>
+                </a:highlight>
+              </a:rPr>
+              <a:t>类似的有</a:t>
+            </a:r>
+            <a:r>
+              <a:rPr lang="en-US" altLang="zh-CN" dirty="0">
+                <a:highlight>
+                  <a:srgbClr val="00FF00"/>
+                </a:highlight>
+              </a:rPr>
               <a:t>RULE</a:t>
             </a:r>
             <a:r>
@@ -23429,10 +23323,22 @@
           <a:p>
             <a:r>
               <a:rPr lang="zh-CN" altLang="en-US" dirty="0"/>
-              <a:t>使用Constraint基本能完成功能，不建议使用</a:t>
-            </a:r>
-            <a:r>
-              <a:rPr lang="en-US" altLang="zh-CN" dirty="0"/>
+              <a:t>使用Constraint基本能完成功能，</a:t>
+            </a:r>
+            <a:r>
+              <a:rPr lang="zh-CN" altLang="en-US" dirty="0">
+                <a:highlight>
+                  <a:srgbClr val="00FF00"/>
+                </a:highlight>
+              </a:rPr>
+              <a:t>不建议使用</a:t>
+            </a:r>
+            <a:r>
+              <a:rPr lang="en-US" altLang="zh-CN" dirty="0">
+                <a:highlight>
+                  <a:srgbClr val="00FF00"/>
+                </a:highlight>
+              </a:rPr>
               <a:t>RULE</a:t>
             </a:r>
             <a:r>
@@ -23450,7 +23356,7 @@
 </p:sld>
 </file>
 
-<file path=ppt/slides/slide42.xml><?xml version="1.0" encoding="utf-8"?>
+<file path=ppt/slides/slide41.xml><?xml version="1.0" encoding="utf-8"?>
 <p:sld xmlns:a="http://schemas.openxmlformats.org/drawingml/2006/main" xmlns:r="http://schemas.openxmlformats.org/officeDocument/2006/relationships" xmlns:p="http://schemas.openxmlformats.org/presentationml/2006/main">
   <p:cSld>
     <p:spTree>
@@ -23699,11 +23605,11 @@
               <a:buNone/>
             </a:pPr>
             <a:r>
-              <a:rPr lang="en-US" altLang="zh-CN"/>
+              <a:rPr lang="en-US" altLang="zh-CN" dirty="0"/>
               <a:t>5.1  </a:t>
             </a:r>
             <a:r>
-              <a:rPr lang="zh-CN" altLang="en-US"/>
+              <a:rPr lang="zh-CN" altLang="en-US" dirty="0"/>
               <a:t>实体完整性</a:t>
             </a:r>
           </a:p>
@@ -23716,11 +23622,11 @@
               <a:buNone/>
             </a:pPr>
             <a:r>
-              <a:rPr lang="en-US" altLang="zh-CN"/>
+              <a:rPr lang="en-US" altLang="zh-CN" dirty="0"/>
               <a:t>5.2  </a:t>
             </a:r>
             <a:r>
-              <a:rPr lang="zh-CN" altLang="en-US"/>
+              <a:rPr lang="zh-CN" altLang="en-US" dirty="0"/>
               <a:t>参照完整性</a:t>
             </a:r>
           </a:p>
@@ -23733,11 +23639,11 @@
               <a:buNone/>
             </a:pPr>
             <a:r>
-              <a:rPr lang="en-US" altLang="zh-CN"/>
+              <a:rPr lang="en-US" altLang="zh-CN" dirty="0"/>
               <a:t>5.3  </a:t>
             </a:r>
             <a:r>
-              <a:rPr lang="zh-CN" altLang="en-US"/>
+              <a:rPr lang="zh-CN" altLang="en-US" dirty="0"/>
               <a:t>用户定义的完整性</a:t>
             </a:r>
           </a:p>
@@ -23750,11 +23656,11 @@
               <a:buNone/>
             </a:pPr>
             <a:r>
-              <a:rPr lang="en-US" altLang="zh-CN"/>
+              <a:rPr lang="en-US" altLang="zh-CN" dirty="0"/>
               <a:t>5.4  </a:t>
             </a:r>
             <a:r>
-              <a:rPr lang="zh-CN" altLang="en-US"/>
+              <a:rPr lang="zh-CN" altLang="en-US" dirty="0"/>
               <a:t>完整性约束命名字句</a:t>
             </a:r>
           </a:p>
@@ -23767,15 +23673,15 @@
               <a:buNone/>
             </a:pPr>
             <a:r>
-              <a:rPr lang="zh-CN" altLang="en-US"/>
+              <a:rPr lang="zh-CN" altLang="en-US" dirty="0"/>
               <a:t>*</a:t>
             </a:r>
             <a:r>
-              <a:rPr lang="en-US" altLang="zh-CN"/>
+              <a:rPr lang="en-US" altLang="zh-CN" dirty="0"/>
               <a:t>5.5  </a:t>
             </a:r>
             <a:r>
-              <a:rPr lang="zh-CN" altLang="en-US"/>
+              <a:rPr lang="zh-CN" altLang="en-US" dirty="0"/>
               <a:t>域中的完整性限制</a:t>
             </a:r>
           </a:p>
@@ -23788,11 +23694,11 @@
               <a:buNone/>
             </a:pPr>
             <a:r>
-              <a:rPr lang="en-US" altLang="zh-CN"/>
+              <a:rPr lang="en-US" altLang="zh-CN" dirty="0"/>
               <a:t>5.6  </a:t>
             </a:r>
             <a:r>
-              <a:rPr lang="zh-CN" altLang="en-US"/>
+              <a:rPr lang="zh-CN" altLang="en-US" dirty="0"/>
               <a:t>断言</a:t>
             </a:r>
           </a:p>
@@ -23801,11 +23707,10 @@
               <a:lnSpc>
                 <a:spcPct val="130000"/>
               </a:lnSpc>
-              <a:buFont typeface="Wingdings" panose="05000000000000000000" pitchFamily="2" charset="2"/>
-              <a:buNone/>
-            </a:pPr>
-            <a:r>
-              <a:rPr lang="en-US" altLang="zh-CN">
+              <a:buNone/>
+            </a:pPr>
+            <a:r>
+              <a:rPr lang="en-US" altLang="zh-CN" dirty="0">
                 <a:solidFill>
                   <a:srgbClr val="0066FF"/>
                 </a:solidFill>
@@ -23813,14 +23718,26 @@
               <a:t>5.7  </a:t>
             </a:r>
             <a:r>
-              <a:rPr lang="zh-CN" altLang="en-US">
+              <a:rPr lang="zh-CN" altLang="en-US" dirty="0">
                 <a:solidFill>
                   <a:srgbClr val="0066FF"/>
                 </a:solidFill>
               </a:rPr>
               <a:t>触发器</a:t>
             </a:r>
-            <a:endParaRPr lang="en-US" altLang="zh-CN" sz="3200">
+            <a:r>
+              <a:rPr lang="zh-CN" altLang="en-US" dirty="0"/>
+              <a:t> </a:t>
+            </a:r>
+            <a:r>
+              <a:rPr lang="en-US" altLang="zh-CN" dirty="0"/>
+              <a:t>+ 8.3 </a:t>
+            </a:r>
+            <a:r>
+              <a:rPr lang="zh-CN" altLang="en-US" dirty="0"/>
+              <a:t>存储过程</a:t>
+            </a:r>
+            <a:endParaRPr lang="en-US" altLang="zh-CN" sz="3200" dirty="0">
               <a:solidFill>
                 <a:srgbClr val="0066FF"/>
               </a:solidFill>
@@ -23835,17 +23752,17 @@
               <a:buNone/>
             </a:pPr>
             <a:r>
-              <a:rPr lang="en-US" altLang="zh-CN"/>
+              <a:rPr lang="en-US" altLang="zh-CN" dirty="0"/>
               <a:t>5.8  </a:t>
             </a:r>
             <a:r>
-              <a:rPr lang="zh-CN" altLang="en-US"/>
+              <a:rPr lang="zh-CN" altLang="en-US" dirty="0"/>
               <a:t>小结</a:t>
             </a:r>
           </a:p>
           <a:p>
             <a:pPr eaLnBrk="1" hangingPunct="1"/>
-            <a:endParaRPr lang="en-US" altLang="zh-CN"/>
+            <a:endParaRPr lang="en-US" altLang="zh-CN" dirty="0"/>
           </a:p>
         </p:txBody>
       </p:sp>
@@ -23857,7 +23774,7 @@
 </p:sld>
 </file>
 
-<file path=ppt/slides/slide43.xml><?xml version="1.0" encoding="utf-8"?>
+<file path=ppt/slides/slide42.xml><?xml version="1.0" encoding="utf-8"?>
 <p:sld xmlns:a="http://schemas.openxmlformats.org/drawingml/2006/main" xmlns:r="http://schemas.openxmlformats.org/officeDocument/2006/relationships" xmlns:p="http://schemas.openxmlformats.org/presentationml/2006/main">
   <p:cSld>
     <p:spTree>
@@ -24117,7 +24034,7 @@
             <a:r>
               <a:rPr lang="en-US" altLang="zh-CN" noProof="1">
                 <a:highlight>
-                  <a:srgbClr val="FFFF00"/>
+                  <a:srgbClr val="00FF00"/>
                 </a:highlight>
               </a:rPr>
               <a:t>Trigger</a:t>
@@ -24175,8 +24092,19 @@
                 <a:solidFill>
                   <a:srgbClr val="FF00FF"/>
                 </a:solidFill>
-              </a:rPr>
-              <a:t>更为复杂的检查和操作</a:t>
+                <a:highlight>
+                  <a:srgbClr val="00FF00"/>
+                </a:highlight>
+              </a:rPr>
+              <a:t>更为复杂的</a:t>
+            </a:r>
+            <a:r>
+              <a:rPr lang="zh-CN" altLang="en-US" noProof="1">
+                <a:solidFill>
+                  <a:srgbClr val="FF00FF"/>
+                </a:solidFill>
+              </a:rPr>
+              <a:t>检查和操作</a:t>
             </a:r>
             <a:r>
               <a:rPr lang="zh-CN" altLang="en-US" noProof="1"/>
@@ -24193,7 +24121,7 @@
 </p:sld>
 </file>
 
-<file path=ppt/slides/slide44.xml><?xml version="1.0" encoding="utf-8"?>
+<file path=ppt/slides/slide43.xml><?xml version="1.0" encoding="utf-8"?>
 <p:sld xmlns:a="http://schemas.openxmlformats.org/drawingml/2006/main" xmlns:r="http://schemas.openxmlformats.org/officeDocument/2006/relationships" xmlns:p="http://schemas.openxmlformats.org/presentationml/2006/main">
   <p:cSld>
     <p:spTree>
@@ -24525,7 +24453,7 @@
 </p:sld>
 </file>
 
-<file path=ppt/slides/slide45.xml><?xml version="1.0" encoding="utf-8"?>
+<file path=ppt/slides/slide44.xml><?xml version="1.0" encoding="utf-8"?>
 <p:sld xmlns:a="http://schemas.openxmlformats.org/drawingml/2006/main" xmlns:r="http://schemas.openxmlformats.org/officeDocument/2006/relationships" xmlns:p="http://schemas.openxmlformats.org/presentationml/2006/main">
   <p:cSld>
     <p:spTree>
@@ -24985,7 +24913,7 @@
 </p:sld>
 </file>
 
-<file path=ppt/slides/slide46.xml><?xml version="1.0" encoding="utf-8"?>
+<file path=ppt/slides/slide45.xml><?xml version="1.0" encoding="utf-8"?>
 <p:sld xmlns:a="http://schemas.openxmlformats.org/drawingml/2006/main" xmlns:r="http://schemas.openxmlformats.org/officeDocument/2006/relationships" xmlns:p="http://schemas.openxmlformats.org/presentationml/2006/main">
   <p:cSld>
     <p:spTree>
@@ -25223,7 +25151,7 @@
 </p:sld>
 </file>
 
-<file path=ppt/slides/slide47.xml><?xml version="1.0" encoding="utf-8"?>
+<file path=ppt/slides/slide46.xml><?xml version="1.0" encoding="utf-8"?>
 <p:sld xmlns:a="http://schemas.openxmlformats.org/drawingml/2006/main" xmlns:r="http://schemas.openxmlformats.org/officeDocument/2006/relationships" xmlns:p="http://schemas.openxmlformats.org/presentationml/2006/main">
   <p:cSld>
     <p:spTree>
@@ -25675,7 +25603,7 @@
 </p:sld>
 </file>
 
-<file path=ppt/slides/slide48.xml><?xml version="1.0" encoding="utf-8"?>
+<file path=ppt/slides/slide47.xml><?xml version="1.0" encoding="utf-8"?>
 <p:sld xmlns:a="http://schemas.openxmlformats.org/drawingml/2006/main" xmlns:r="http://schemas.openxmlformats.org/officeDocument/2006/relationships" xmlns:p="http://schemas.openxmlformats.org/presentationml/2006/main">
   <p:cSld>
     <p:spTree>
@@ -26269,7 +26197,7 @@
 </p:sld>
 </file>
 
-<file path=ppt/slides/slide49.xml><?xml version="1.0" encoding="utf-8"?>
+<file path=ppt/slides/slide48.xml><?xml version="1.0" encoding="utf-8"?>
 <p:sld xmlns:a="http://schemas.openxmlformats.org/drawingml/2006/main" xmlns:r="http://schemas.openxmlformats.org/officeDocument/2006/relationships" xmlns:p="http://schemas.openxmlformats.org/presentationml/2006/main">
   <p:cSld>
     <p:spTree>
@@ -26527,35 +26455,35 @@
               <a:buNone/>
             </a:pPr>
             <a:r>
-              <a:rPr lang="en-US" altLang="zh-CN" sz="2400"/>
+              <a:rPr lang="en-US" altLang="zh-CN" sz="2400" dirty="0"/>
               <a:t>[</a:t>
             </a:r>
             <a:r>
-              <a:rPr lang="zh-CN" altLang="en-US" sz="2400"/>
+              <a:rPr lang="zh-CN" altLang="en-US" sz="2400" dirty="0"/>
               <a:t>例</a:t>
             </a:r>
             <a:r>
-              <a:rPr lang="en-US" altLang="zh-CN" sz="2400"/>
+              <a:rPr lang="en-US" altLang="zh-CN" sz="2400" dirty="0"/>
               <a:t>5.22] </a:t>
             </a:r>
             <a:r>
-              <a:rPr lang="zh-CN" altLang="en-US" sz="2400"/>
+              <a:rPr lang="zh-CN" altLang="en-US" sz="2400" dirty="0"/>
               <a:t>将每次对表</a:t>
             </a:r>
             <a:r>
-              <a:rPr lang="en-US" altLang="zh-CN" sz="2400"/>
+              <a:rPr lang="en-US" altLang="zh-CN" sz="2400" dirty="0"/>
               <a:t>Student</a:t>
             </a:r>
             <a:r>
-              <a:rPr lang="zh-CN" altLang="en-US" sz="2400"/>
+              <a:rPr lang="zh-CN" altLang="en-US" sz="2400" dirty="0"/>
               <a:t>的插入操作所增加的学生个数记录到表</a:t>
             </a:r>
             <a:r>
-              <a:rPr lang="en-US" altLang="zh-CN" sz="2400"/>
+              <a:rPr lang="en-US" altLang="zh-CN" sz="2400" dirty="0" err="1"/>
               <a:t>StudentInsertLog</a:t>
             </a:r>
             <a:r>
-              <a:rPr lang="zh-CN" altLang="en-US" sz="2400"/>
+              <a:rPr lang="zh-CN" altLang="en-US" sz="2400" dirty="0"/>
               <a:t>中。</a:t>
             </a:r>
           </a:p>
@@ -26564,7 +26492,7 @@
               <a:buFont typeface="Wingdings" panose="05000000000000000000" pitchFamily="2" charset="2"/>
               <a:buNone/>
             </a:pPr>
-            <a:endParaRPr lang="en-US" altLang="zh-CN" sz="2000"/>
+            <a:endParaRPr lang="en-US" altLang="zh-CN" sz="2000" dirty="0"/>
           </a:p>
           <a:p>
             <a:pPr eaLnBrk="1" hangingPunct="1">
@@ -26572,11 +26500,11 @@
               <a:buNone/>
             </a:pPr>
             <a:r>
-              <a:rPr lang="en-US" altLang="zh-CN" sz="2000"/>
+              <a:rPr lang="en-US" altLang="zh-CN" sz="2000" dirty="0"/>
               <a:t>	</a:t>
             </a:r>
             <a:r>
-              <a:rPr lang="en-US" altLang="zh-CN" sz="2000">
+              <a:rPr lang="en-US" altLang="zh-CN" sz="2000" dirty="0">
                 <a:solidFill>
                   <a:srgbClr val="0066FF"/>
                 </a:solidFill>
@@ -26584,10 +26512,14 @@
               <a:t>CREATE TRIGGER</a:t>
             </a:r>
             <a:r>
-              <a:rPr lang="en-US" altLang="zh-CN" sz="2000"/>
-              <a:t> Student_Count</a:t>
-            </a:r>
-            <a:endParaRPr lang="zh-CN" altLang="en-US" sz="2000"/>
+              <a:rPr lang="en-US" altLang="zh-CN" sz="2000" dirty="0"/>
+              <a:t> </a:t>
+            </a:r>
+            <a:r>
+              <a:rPr lang="en-US" altLang="zh-CN" sz="2000" dirty="0" err="1"/>
+              <a:t>Student_Count</a:t>
+            </a:r>
+            <a:endParaRPr lang="zh-CN" altLang="en-US" sz="2000" dirty="0"/>
           </a:p>
           <a:p>
             <a:pPr eaLnBrk="1" hangingPunct="1">
@@ -26595,11 +26527,11 @@
               <a:buNone/>
             </a:pPr>
             <a:r>
-              <a:rPr lang="en-US" altLang="zh-CN" sz="2000"/>
+              <a:rPr lang="en-US" altLang="zh-CN" sz="2000" dirty="0"/>
               <a:t>	</a:t>
             </a:r>
             <a:r>
-              <a:rPr lang="en-US" altLang="zh-CN" sz="2000">
+              <a:rPr lang="en-US" altLang="zh-CN" sz="2000" dirty="0">
                 <a:solidFill>
                   <a:srgbClr val="0066FF"/>
                 </a:solidFill>
@@ -26607,7 +26539,7 @@
               <a:t>AFTER </a:t>
             </a:r>
             <a:r>
-              <a:rPr lang="en-US" altLang="zh-CN" sz="2000"/>
+              <a:rPr lang="en-US" altLang="zh-CN" sz="2000" dirty="0"/>
               <a:t>INSERT ON Student  	         </a:t>
             </a:r>
           </a:p>
@@ -26617,10 +26549,10 @@
               <a:buNone/>
             </a:pPr>
             <a:r>
-              <a:rPr lang="en-US" altLang="zh-CN" sz="2000"/>
+              <a:rPr lang="en-US" altLang="zh-CN" sz="2000" dirty="0"/>
               <a:t>	REFERENCING</a:t>
             </a:r>
-            <a:endParaRPr lang="zh-CN" altLang="en-US" sz="2000"/>
+            <a:endParaRPr lang="zh-CN" altLang="en-US" sz="2000" dirty="0"/>
           </a:p>
           <a:p>
             <a:pPr eaLnBrk="1" hangingPunct="1">
@@ -26628,10 +26560,10 @@
               <a:buNone/>
             </a:pPr>
             <a:r>
-              <a:rPr lang="en-US" altLang="zh-CN" sz="2000"/>
+              <a:rPr lang="en-US" altLang="zh-CN" sz="2000" dirty="0"/>
               <a:t>     	NEW TABLE AS DELTA</a:t>
             </a:r>
-            <a:endParaRPr lang="zh-CN" altLang="en-US" sz="2000"/>
+            <a:endParaRPr lang="zh-CN" altLang="en-US" sz="2000" dirty="0"/>
           </a:p>
           <a:p>
             <a:pPr eaLnBrk="1" hangingPunct="1">
@@ -26639,11 +26571,11 @@
               <a:buNone/>
             </a:pPr>
             <a:r>
-              <a:rPr lang="en-US" altLang="zh-CN" sz="2000"/>
+              <a:rPr lang="en-US" altLang="zh-CN" sz="2000" dirty="0"/>
               <a:t>	FOR EACH </a:t>
             </a:r>
             <a:r>
-              <a:rPr lang="en-US" altLang="zh-CN" sz="2000">
+              <a:rPr lang="en-US" altLang="zh-CN" sz="2000" dirty="0">
                 <a:solidFill>
                   <a:srgbClr val="0066FF"/>
                 </a:solidFill>
@@ -26657,19 +26589,27 @@
               <a:buNone/>
             </a:pPr>
             <a:r>
-              <a:rPr lang="en-US" altLang="zh-CN" sz="2000"/>
-              <a:t>	      	INSERT INTO StudentInsertLog </a:t>
-            </a:r>
-            <a:r>
-              <a:rPr lang="zh-CN" altLang="en-US" sz="2000"/>
+              <a:rPr lang="en-US" altLang="zh-CN" sz="2000" dirty="0"/>
+              <a:t>	      	INSERT INTO </a:t>
+            </a:r>
+            <a:r>
+              <a:rPr lang="en-US" altLang="zh-CN" sz="2000" dirty="0" err="1"/>
+              <a:t>StudentInsertLog</a:t>
+            </a:r>
+            <a:r>
+              <a:rPr lang="en-US" altLang="zh-CN" sz="2000" dirty="0"/>
+              <a:t> </a:t>
+            </a:r>
+            <a:r>
+              <a:rPr lang="zh-CN" altLang="en-US" sz="2000" dirty="0"/>
               <a:t>(</a:t>
             </a:r>
             <a:r>
-              <a:rPr lang="en-US" altLang="zh-CN" sz="2000"/>
+              <a:rPr lang="en-US" altLang="zh-CN" sz="2000" dirty="0"/>
               <a:t>Numbers</a:t>
             </a:r>
             <a:r>
-              <a:rPr lang="zh-CN" altLang="en-US" sz="2000"/>
+              <a:rPr lang="zh-CN" altLang="en-US" sz="2000" dirty="0"/>
               <a:t>)</a:t>
             </a:r>
           </a:p>
@@ -26679,26 +26619,26 @@
               <a:buNone/>
             </a:pPr>
             <a:r>
-              <a:rPr lang="en-US" altLang="zh-CN" sz="2000"/>
+              <a:rPr lang="en-US" altLang="zh-CN" sz="2000" dirty="0"/>
               <a:t>   		SELECT COUNT</a:t>
             </a:r>
             <a:r>
-              <a:rPr lang="zh-CN" altLang="en-US" sz="2000"/>
+              <a:rPr lang="zh-CN" altLang="en-US" sz="2000" dirty="0"/>
               <a:t>(</a:t>
             </a:r>
             <a:r>
-              <a:rPr lang="en-US" altLang="zh-CN" sz="2000"/>
+              <a:rPr lang="en-US" altLang="zh-CN" sz="2000" dirty="0"/>
               <a:t>*</a:t>
             </a:r>
             <a:r>
-              <a:rPr lang="zh-CN" altLang="en-US" sz="2000"/>
+              <a:rPr lang="zh-CN" altLang="en-US" sz="2000" dirty="0"/>
               <a:t>)</a:t>
             </a:r>
             <a:r>
-              <a:rPr lang="en-US" altLang="zh-CN" sz="2000"/>
+              <a:rPr lang="en-US" altLang="zh-CN" sz="2000" dirty="0"/>
               <a:t> FROM DELTA</a:t>
             </a:r>
-            <a:endParaRPr lang="zh-CN" altLang="en-US" sz="2000"/>
+            <a:endParaRPr lang="zh-CN" altLang="en-US" sz="2000" dirty="0"/>
           </a:p>
           <a:p>
             <a:pPr eaLnBrk="1" hangingPunct="1">
@@ -26708,7 +26648,7 @@
               <a:buFont typeface="Wingdings" panose="05000000000000000000" pitchFamily="2" charset="2"/>
               <a:buNone/>
             </a:pPr>
-            <a:endParaRPr lang="en-US" altLang="zh-CN" sz="2200"/>
+            <a:endParaRPr lang="en-US" altLang="zh-CN" sz="2200" dirty="0"/>
           </a:p>
         </p:txBody>
       </p:sp>
@@ -26746,6 +26686,623 @@
                 </a:highlight>
               </a:rPr>
               <a:t>https://blog.csdn.net/qq_38975453/article/details/104729884</a:t>
+            </a:r>
+          </a:p>
+        </p:txBody>
+      </p:sp>
+    </p:spTree>
+  </p:cSld>
+  <p:clrMapOvr>
+    <a:masterClrMapping/>
+  </p:clrMapOvr>
+</p:sld>
+</file>
+
+<file path=ppt/slides/slide49.xml><?xml version="1.0" encoding="utf-8"?>
+<p:sld xmlns:a="http://schemas.openxmlformats.org/drawingml/2006/main" xmlns:r="http://schemas.openxmlformats.org/officeDocument/2006/relationships" xmlns:p="http://schemas.openxmlformats.org/presentationml/2006/main">
+  <p:cSld>
+    <p:spTree>
+      <p:nvGrpSpPr>
+        <p:cNvPr id="1" name=""/>
+        <p:cNvGrpSpPr/>
+        <p:nvPr/>
+      </p:nvGrpSpPr>
+      <p:grpSpPr>
+        <a:xfrm>
+          <a:off x="0" y="0"/>
+          <a:ext cx="0" cy="0"/>
+          <a:chOff x="0" y="0"/>
+          <a:chExt cx="0" cy="0"/>
+        </a:xfrm>
+      </p:grpSpPr>
+      <p:sp>
+        <p:nvSpPr>
+          <p:cNvPr id="53249" name="页脚占位符 4">
+            <a:extLst>
+              <a:ext uri="{FF2B5EF4-FFF2-40B4-BE49-F238E27FC236}">
+                <a16:creationId xmlns:a16="http://schemas.microsoft.com/office/drawing/2014/main" id="{41FCA7F5-72FD-4E64-A7F7-967E0831DF73}"/>
+              </a:ext>
+            </a:extLst>
+          </p:cNvPr>
+          <p:cNvSpPr txBox="1">
+            <a:spLocks noGrp="1" noChangeArrowheads="1"/>
+          </p:cNvSpPr>
+          <p:nvPr/>
+        </p:nvSpPr>
+        <p:spPr bwMode="auto">
+          <a:xfrm>
+            <a:off x="5219700" y="6381750"/>
+            <a:ext cx="3600450" cy="320675"/>
+          </a:xfrm>
+          <a:prstGeom prst="rect">
+            <a:avLst/>
+          </a:prstGeom>
+          <a:noFill/>
+          <a:ln>
+            <a:noFill/>
+          </a:ln>
+          <a:extLst>
+            <a:ext uri="{909E8E84-426E-40DD-AFC4-6F175D3DCCD1}">
+              <a14:hiddenFill xmlns:a14="http://schemas.microsoft.com/office/drawing/2010/main">
+                <a:solidFill>
+                  <a:srgbClr val="FFFFFF"/>
+                </a:solidFill>
+              </a14:hiddenFill>
+            </a:ext>
+            <a:ext uri="{91240B29-F687-4F45-9708-019B960494DF}">
+              <a14:hiddenLine xmlns:a14="http://schemas.microsoft.com/office/drawing/2010/main" w="9525">
+                <a:solidFill>
+                  <a:srgbClr val="000000"/>
+                </a:solidFill>
+                <a:miter lim="800000"/>
+                <a:headEnd/>
+                <a:tailEnd/>
+              </a14:hiddenLine>
+            </a:ext>
+          </a:extLst>
+        </p:spPr>
+        <p:txBody>
+          <a:bodyPr/>
+          <a:lstStyle>
+            <a:lvl1pPr>
+              <a:defRPr>
+                <a:solidFill>
+                  <a:schemeClr val="tx1"/>
+                </a:solidFill>
+                <a:latin typeface="Arial" panose="020B0604020202020204" pitchFamily="34" charset="0"/>
+                <a:ea typeface="宋体" panose="02010600030101010101" pitchFamily="2" charset="-122"/>
+              </a:defRPr>
+            </a:lvl1pPr>
+            <a:lvl2pPr>
+              <a:defRPr>
+                <a:solidFill>
+                  <a:schemeClr val="tx1"/>
+                </a:solidFill>
+                <a:latin typeface="Arial" panose="020B0604020202020204" pitchFamily="34" charset="0"/>
+                <a:ea typeface="宋体" panose="02010600030101010101" pitchFamily="2" charset="-122"/>
+              </a:defRPr>
+            </a:lvl2pPr>
+            <a:lvl3pPr>
+              <a:defRPr>
+                <a:solidFill>
+                  <a:schemeClr val="tx1"/>
+                </a:solidFill>
+                <a:latin typeface="Arial" panose="020B0604020202020204" pitchFamily="34" charset="0"/>
+                <a:ea typeface="宋体" panose="02010600030101010101" pitchFamily="2" charset="-122"/>
+              </a:defRPr>
+            </a:lvl3pPr>
+            <a:lvl4pPr>
+              <a:defRPr>
+                <a:solidFill>
+                  <a:schemeClr val="tx1"/>
+                </a:solidFill>
+                <a:latin typeface="Arial" panose="020B0604020202020204" pitchFamily="34" charset="0"/>
+                <a:ea typeface="宋体" panose="02010600030101010101" pitchFamily="2" charset="-122"/>
+              </a:defRPr>
+            </a:lvl4pPr>
+            <a:lvl5pPr>
+              <a:defRPr>
+                <a:solidFill>
+                  <a:schemeClr val="tx1"/>
+                </a:solidFill>
+                <a:latin typeface="Arial" panose="020B0604020202020204" pitchFamily="34" charset="0"/>
+                <a:ea typeface="宋体" panose="02010600030101010101" pitchFamily="2" charset="-122"/>
+              </a:defRPr>
+            </a:lvl5pPr>
+            <a:lvl6pPr fontAlgn="base">
+              <a:spcBef>
+                <a:spcPct val="0"/>
+              </a:spcBef>
+              <a:spcAft>
+                <a:spcPct val="0"/>
+              </a:spcAft>
+              <a:buFont typeface="Arial" panose="020B0604020202020204" pitchFamily="34" charset="0"/>
+              <a:defRPr>
+                <a:solidFill>
+                  <a:schemeClr val="tx1"/>
+                </a:solidFill>
+                <a:latin typeface="Arial" panose="020B0604020202020204" pitchFamily="34" charset="0"/>
+                <a:ea typeface="宋体" panose="02010600030101010101" pitchFamily="2" charset="-122"/>
+              </a:defRPr>
+            </a:lvl6pPr>
+            <a:lvl7pPr fontAlgn="base">
+              <a:spcBef>
+                <a:spcPct val="0"/>
+              </a:spcBef>
+              <a:spcAft>
+                <a:spcPct val="0"/>
+              </a:spcAft>
+              <a:buFont typeface="Arial" panose="020B0604020202020204" pitchFamily="34" charset="0"/>
+              <a:defRPr>
+                <a:solidFill>
+                  <a:schemeClr val="tx1"/>
+                </a:solidFill>
+                <a:latin typeface="Arial" panose="020B0604020202020204" pitchFamily="34" charset="0"/>
+                <a:ea typeface="宋体" panose="02010600030101010101" pitchFamily="2" charset="-122"/>
+              </a:defRPr>
+            </a:lvl7pPr>
+            <a:lvl8pPr fontAlgn="base">
+              <a:spcBef>
+                <a:spcPct val="0"/>
+              </a:spcBef>
+              <a:spcAft>
+                <a:spcPct val="0"/>
+              </a:spcAft>
+              <a:buFont typeface="Arial" panose="020B0604020202020204" pitchFamily="34" charset="0"/>
+              <a:defRPr>
+                <a:solidFill>
+                  <a:schemeClr val="tx1"/>
+                </a:solidFill>
+                <a:latin typeface="Arial" panose="020B0604020202020204" pitchFamily="34" charset="0"/>
+                <a:ea typeface="宋体" panose="02010600030101010101" pitchFamily="2" charset="-122"/>
+              </a:defRPr>
+            </a:lvl8pPr>
+            <a:lvl9pPr fontAlgn="base">
+              <a:spcBef>
+                <a:spcPct val="0"/>
+              </a:spcBef>
+              <a:spcAft>
+                <a:spcPct val="0"/>
+              </a:spcAft>
+              <a:buFont typeface="Arial" panose="020B0604020202020204" pitchFamily="34" charset="0"/>
+              <a:defRPr>
+                <a:solidFill>
+                  <a:schemeClr val="tx1"/>
+                </a:solidFill>
+                <a:latin typeface="Arial" panose="020B0604020202020204" pitchFamily="34" charset="0"/>
+                <a:ea typeface="宋体" panose="02010600030101010101" pitchFamily="2" charset="-122"/>
+              </a:defRPr>
+            </a:lvl9pPr>
+          </a:lstStyle>
+          <a:p>
+            <a:pPr algn="ctr"/>
+            <a:endParaRPr lang="en-US" altLang="zh-CN" sz="1400" b="1">
+              <a:solidFill>
+                <a:srgbClr val="F03628"/>
+              </a:solidFill>
+            </a:endParaRPr>
+          </a:p>
+        </p:txBody>
+      </p:sp>
+      <p:sp>
+        <p:nvSpPr>
+          <p:cNvPr id="53250" name="Rectangle 2">
+            <a:extLst>
+              <a:ext uri="{FF2B5EF4-FFF2-40B4-BE49-F238E27FC236}">
+                <a16:creationId xmlns:a16="http://schemas.microsoft.com/office/drawing/2014/main" id="{EE21242B-2872-4613-BF33-B3AC774F9043}"/>
+              </a:ext>
+            </a:extLst>
+          </p:cNvPr>
+          <p:cNvSpPr>
+            <a:spLocks noGrp="1" noChangeArrowheads="1"/>
+          </p:cNvSpPr>
+          <p:nvPr>
+            <p:ph type="title" idx="4294967295"/>
+          </p:nvPr>
+        </p:nvSpPr>
+        <p:spPr/>
+        <p:txBody>
+          <a:bodyPr/>
+          <a:lstStyle/>
+          <a:p>
+            <a:pPr eaLnBrk="1" hangingPunct="1"/>
+            <a:r>
+              <a:rPr lang="zh-CN" altLang="en-US" sz="3600"/>
+              <a:t>定义触发器</a:t>
+            </a:r>
+            <a:r>
+              <a:rPr lang="en-US" altLang="zh-CN" sz="3600"/>
+              <a:t>（</a:t>
+            </a:r>
+            <a:r>
+              <a:rPr lang="zh-CN" altLang="en-US" sz="3600"/>
+              <a:t>续</a:t>
+            </a:r>
+            <a:r>
+              <a:rPr lang="en-US" altLang="zh-CN" sz="3600"/>
+              <a:t>）</a:t>
+            </a:r>
+          </a:p>
+        </p:txBody>
+      </p:sp>
+      <p:sp>
+        <p:nvSpPr>
+          <p:cNvPr id="53251" name="Rectangle 3">
+            <a:extLst>
+              <a:ext uri="{FF2B5EF4-FFF2-40B4-BE49-F238E27FC236}">
+                <a16:creationId xmlns:a16="http://schemas.microsoft.com/office/drawing/2014/main" id="{17EA18CE-64D3-4CCD-BEA5-0FC6B69DDA25}"/>
+              </a:ext>
+            </a:extLst>
+          </p:cNvPr>
+          <p:cNvSpPr>
+            <a:spLocks noGrp="1" noChangeArrowheads="1"/>
+          </p:cNvSpPr>
+          <p:nvPr>
+            <p:ph type="body" idx="4294967295"/>
+          </p:nvPr>
+        </p:nvSpPr>
+        <p:spPr>
+          <a:xfrm>
+            <a:off x="457200" y="1122363"/>
+            <a:ext cx="8229600" cy="5487987"/>
+          </a:xfrm>
+        </p:spPr>
+        <p:txBody>
+          <a:bodyPr/>
+          <a:lstStyle/>
+          <a:p>
+            <a:pPr eaLnBrk="1" hangingPunct="1">
+              <a:lnSpc>
+                <a:spcPct val="130000"/>
+              </a:lnSpc>
+              <a:buFont typeface="Wingdings" panose="05000000000000000000" pitchFamily="2" charset="2"/>
+              <a:buNone/>
+            </a:pPr>
+            <a:r>
+              <a:rPr lang="en-US" altLang="zh-CN" sz="2400"/>
+              <a:t>[</a:t>
+            </a:r>
+            <a:r>
+              <a:rPr lang="zh-CN" altLang="en-US" sz="2400"/>
+              <a:t>例5.</a:t>
+            </a:r>
+            <a:r>
+              <a:rPr lang="en-US" altLang="zh-CN" sz="2400"/>
+              <a:t>23] </a:t>
+            </a:r>
+            <a:r>
+              <a:rPr lang="zh-CN" altLang="en-US" sz="2400"/>
+              <a:t>定义一个</a:t>
+            </a:r>
+            <a:r>
+              <a:rPr lang="en-US" altLang="zh-CN" sz="2400"/>
+              <a:t>BEFORE</a:t>
+            </a:r>
+            <a:r>
+              <a:rPr lang="zh-CN" altLang="en-US" sz="2400"/>
+              <a:t>行级触发器，为教师表</a:t>
+            </a:r>
+            <a:r>
+              <a:rPr lang="en-US" altLang="zh-CN" sz="2400"/>
+              <a:t>Teacher</a:t>
+            </a:r>
+            <a:r>
+              <a:rPr lang="zh-CN" altLang="en-US" sz="2400"/>
+              <a:t>定义完整性规则“教授的工资不得低于</a:t>
+            </a:r>
+            <a:r>
+              <a:rPr lang="en-US" altLang="zh-CN" sz="2400"/>
+              <a:t>4000</a:t>
+            </a:r>
+            <a:r>
+              <a:rPr lang="zh-CN" altLang="en-US" sz="2400"/>
+              <a:t>元，如果低于</a:t>
+            </a:r>
+            <a:r>
+              <a:rPr lang="en-US" altLang="zh-CN" sz="2400"/>
+              <a:t>4000</a:t>
+            </a:r>
+            <a:r>
+              <a:rPr lang="zh-CN" altLang="en-US" sz="2400"/>
+              <a:t>元，自动改为</a:t>
+            </a:r>
+            <a:r>
+              <a:rPr lang="en-US" altLang="zh-CN" sz="2400"/>
+              <a:t>4000</a:t>
+            </a:r>
+            <a:r>
+              <a:rPr lang="zh-CN" altLang="en-US" sz="2400"/>
+              <a:t>元”。</a:t>
+            </a:r>
+          </a:p>
+          <a:p>
+            <a:pPr eaLnBrk="1" hangingPunct="1">
+              <a:lnSpc>
+                <a:spcPct val="80000"/>
+              </a:lnSpc>
+              <a:buFont typeface="Wingdings" panose="05000000000000000000" pitchFamily="2" charset="2"/>
+              <a:buNone/>
+            </a:pPr>
+            <a:r>
+              <a:rPr lang="zh-CN" altLang="en-US" sz="2000"/>
+              <a:t>   </a:t>
+            </a:r>
+            <a:r>
+              <a:rPr lang="zh-CN" altLang="en-US" sz="2400"/>
+              <a:t> </a:t>
+            </a:r>
+          </a:p>
+          <a:p>
+            <a:pPr eaLnBrk="1" hangingPunct="1">
+              <a:lnSpc>
+                <a:spcPct val="80000"/>
+              </a:lnSpc>
+              <a:buFont typeface="Wingdings" panose="05000000000000000000" pitchFamily="2" charset="2"/>
+              <a:buNone/>
+            </a:pPr>
+            <a:r>
+              <a:rPr lang="zh-CN" altLang="en-US" sz="2400"/>
+              <a:t>	    </a:t>
+            </a:r>
+            <a:r>
+              <a:rPr lang="en-US" altLang="zh-CN" sz="2400"/>
+              <a:t>CREATE TRIGGER Insert_Or_Update_Sal </a:t>
+            </a:r>
+          </a:p>
+          <a:p>
+            <a:pPr eaLnBrk="1" hangingPunct="1">
+              <a:lnSpc>
+                <a:spcPct val="80000"/>
+              </a:lnSpc>
+              <a:buFont typeface="Wingdings" panose="05000000000000000000" pitchFamily="2" charset="2"/>
+              <a:buNone/>
+            </a:pPr>
+            <a:r>
+              <a:rPr lang="en-US" altLang="zh-CN" sz="2400"/>
+              <a:t>         BEFORE </a:t>
+            </a:r>
+            <a:r>
+              <a:rPr lang="en-US" altLang="zh-CN" sz="2400">
+                <a:solidFill>
+                  <a:srgbClr val="72BE2C"/>
+                </a:solidFill>
+              </a:rPr>
+              <a:t>INSERT OR UPDATE</a:t>
+            </a:r>
+            <a:r>
+              <a:rPr lang="en-US" altLang="zh-CN" sz="2400"/>
+              <a:t> ON Teacher  </a:t>
+            </a:r>
+          </a:p>
+          <a:p>
+            <a:pPr eaLnBrk="1" hangingPunct="1">
+              <a:lnSpc>
+                <a:spcPct val="80000"/>
+              </a:lnSpc>
+              <a:buFont typeface="Wingdings" panose="05000000000000000000" pitchFamily="2" charset="2"/>
+              <a:buNone/>
+            </a:pPr>
+            <a:r>
+              <a:rPr lang="en-US" altLang="zh-CN" sz="2000"/>
+              <a:t>       </a:t>
+            </a:r>
+            <a:r>
+              <a:rPr lang="en-US" altLang="zh-CN" sz="1600"/>
+              <a:t> </a:t>
+            </a:r>
+            <a:r>
+              <a:rPr lang="zh-CN" altLang="en-US" sz="2000"/>
+              <a:t> </a:t>
+            </a:r>
+            <a:r>
+              <a:rPr lang="en-US" altLang="zh-CN" sz="2000"/>
+              <a:t>			            </a:t>
+            </a:r>
+            <a:r>
+              <a:rPr lang="zh-CN" altLang="en-US" sz="1800"/>
+              <a:t> </a:t>
+            </a:r>
+            <a:r>
+              <a:rPr lang="en-US" altLang="zh-CN" sz="1800"/>
+              <a:t>/*</a:t>
+            </a:r>
+            <a:r>
+              <a:rPr lang="zh-CN" altLang="en-US" sz="1800"/>
+              <a:t>触发事件是插入或更新操作*</a:t>
+            </a:r>
+            <a:r>
+              <a:rPr lang="en-US" altLang="zh-CN" sz="1800"/>
+              <a:t>/</a:t>
+            </a:r>
+          </a:p>
+          <a:p>
+            <a:pPr eaLnBrk="1" hangingPunct="1">
+              <a:lnSpc>
+                <a:spcPct val="80000"/>
+              </a:lnSpc>
+              <a:buFont typeface="Wingdings" panose="05000000000000000000" pitchFamily="2" charset="2"/>
+              <a:buNone/>
+            </a:pPr>
+            <a:r>
+              <a:rPr lang="en-US" altLang="zh-CN" sz="2000"/>
+              <a:t>         </a:t>
+            </a:r>
+            <a:r>
+              <a:rPr lang="zh-CN" altLang="en-US" sz="2000"/>
+              <a:t> </a:t>
+            </a:r>
+            <a:r>
+              <a:rPr lang="en-US" altLang="zh-CN" sz="2400"/>
+              <a:t>FOR </a:t>
+            </a:r>
+            <a:r>
+              <a:rPr lang="en-US" altLang="zh-CN" sz="2400">
+                <a:solidFill>
+                  <a:srgbClr val="72BE2C"/>
+                </a:solidFill>
+              </a:rPr>
+              <a:t>EACH ROW</a:t>
+            </a:r>
+            <a:r>
+              <a:rPr lang="en-US" altLang="zh-CN" sz="2000"/>
+              <a:t>        </a:t>
+            </a:r>
+            <a:r>
+              <a:rPr lang="en-US" altLang="zh-CN" sz="1800"/>
+              <a:t>/*</a:t>
+            </a:r>
+            <a:r>
+              <a:rPr lang="zh-CN" altLang="en-US" sz="1800"/>
+              <a:t>行级触发器*</a:t>
+            </a:r>
+            <a:r>
+              <a:rPr lang="en-US" altLang="zh-CN" sz="1800"/>
+              <a:t>/</a:t>
+            </a:r>
+          </a:p>
+          <a:p>
+            <a:pPr eaLnBrk="1" hangingPunct="1">
+              <a:lnSpc>
+                <a:spcPct val="80000"/>
+              </a:lnSpc>
+              <a:buFont typeface="Wingdings" panose="05000000000000000000" pitchFamily="2" charset="2"/>
+              <a:buNone/>
+            </a:pPr>
+            <a:r>
+              <a:rPr lang="en-US" altLang="zh-CN" sz="2000"/>
+              <a:t>        </a:t>
+            </a:r>
+            <a:r>
+              <a:rPr lang="zh-CN" altLang="en-US" sz="2000"/>
+              <a:t>  </a:t>
+            </a:r>
+            <a:r>
+              <a:rPr lang="en-US" altLang="zh-CN" sz="2400"/>
+              <a:t>BEGIN  </a:t>
+            </a:r>
+            <a:r>
+              <a:rPr lang="en-US" altLang="zh-CN" sz="2000"/>
+              <a:t>                          </a:t>
+            </a:r>
+            <a:r>
+              <a:rPr lang="en-US" altLang="zh-CN" sz="1800"/>
+              <a:t> /*</a:t>
+            </a:r>
+            <a:r>
+              <a:rPr lang="zh-CN" altLang="en-US" sz="1800"/>
+              <a:t>定义触发动作体，是</a:t>
+            </a:r>
+            <a:r>
+              <a:rPr lang="en-US" altLang="zh-CN" sz="1800"/>
+              <a:t>PL/SQL</a:t>
+            </a:r>
+            <a:r>
+              <a:rPr lang="zh-CN" altLang="en-US" sz="1800"/>
+              <a:t>过程块*</a:t>
+            </a:r>
+            <a:r>
+              <a:rPr lang="en-US" altLang="zh-CN" sz="1800"/>
+              <a:t>/</a:t>
+            </a:r>
+          </a:p>
+          <a:p>
+            <a:pPr eaLnBrk="1" hangingPunct="1">
+              <a:lnSpc>
+                <a:spcPct val="80000"/>
+              </a:lnSpc>
+              <a:buFont typeface="Wingdings" panose="05000000000000000000" pitchFamily="2" charset="2"/>
+              <a:buNone/>
+            </a:pPr>
+            <a:r>
+              <a:rPr lang="en-US" altLang="zh-CN" sz="2000"/>
+              <a:t>             	</a:t>
+            </a:r>
+            <a:r>
+              <a:rPr lang="en-US" altLang="zh-CN" sz="2400"/>
+              <a:t>IF </a:t>
+            </a:r>
+            <a:r>
+              <a:rPr lang="zh-CN" altLang="en-US" sz="2400"/>
+              <a:t>(</a:t>
+            </a:r>
+            <a:r>
+              <a:rPr lang="en-US" altLang="zh-CN" sz="2400"/>
+              <a:t>new.Job='</a:t>
+            </a:r>
+            <a:r>
+              <a:rPr lang="zh-CN" altLang="en-US" sz="2400"/>
+              <a:t>教授</a:t>
+            </a:r>
+            <a:r>
+              <a:rPr lang="en-US" altLang="zh-CN" sz="2400"/>
+              <a:t>'</a:t>
+            </a:r>
+            <a:r>
+              <a:rPr lang="zh-CN" altLang="en-US" sz="2400"/>
+              <a:t>)</a:t>
+            </a:r>
+            <a:r>
+              <a:rPr lang="en-US" altLang="zh-CN" sz="2400"/>
+              <a:t> AND </a:t>
+            </a:r>
+            <a:r>
+              <a:rPr lang="zh-CN" altLang="en-US" sz="2400"/>
+              <a:t>(</a:t>
+            </a:r>
+            <a:r>
+              <a:rPr lang="en-US" altLang="zh-CN" sz="2400"/>
+              <a:t>new.Sal &lt; 4000</a:t>
+            </a:r>
+            <a:r>
+              <a:rPr lang="zh-CN" altLang="en-US" sz="2400"/>
+              <a:t>)</a:t>
+            </a:r>
+            <a:r>
+              <a:rPr lang="en-US" altLang="zh-CN" sz="2400"/>
+              <a:t> </a:t>
+            </a:r>
+          </a:p>
+          <a:p>
+            <a:pPr eaLnBrk="1" hangingPunct="1">
+              <a:lnSpc>
+                <a:spcPct val="80000"/>
+              </a:lnSpc>
+              <a:buFont typeface="Wingdings" panose="05000000000000000000" pitchFamily="2" charset="2"/>
+              <a:buNone/>
+            </a:pPr>
+            <a:r>
+              <a:rPr lang="en-US" altLang="zh-CN" sz="2400"/>
+              <a:t>             	 THEN  new.Sal :=4000;                </a:t>
+            </a:r>
+          </a:p>
+          <a:p>
+            <a:pPr eaLnBrk="1" hangingPunct="1">
+              <a:lnSpc>
+                <a:spcPct val="80000"/>
+              </a:lnSpc>
+              <a:buFont typeface="Wingdings" panose="05000000000000000000" pitchFamily="2" charset="2"/>
+              <a:buNone/>
+            </a:pPr>
+            <a:r>
+              <a:rPr lang="en-US" altLang="zh-CN" sz="2400"/>
+              <a:t>           	 END IF;</a:t>
+            </a:r>
+          </a:p>
+          <a:p>
+            <a:pPr eaLnBrk="1" hangingPunct="1">
+              <a:lnSpc>
+                <a:spcPct val="80000"/>
+              </a:lnSpc>
+              <a:buFont typeface="Wingdings" panose="05000000000000000000" pitchFamily="2" charset="2"/>
+              <a:buNone/>
+            </a:pPr>
+            <a:r>
+              <a:rPr lang="en-US" altLang="zh-CN" sz="2400"/>
+              <a:t>        END;               </a:t>
+            </a:r>
+            <a:r>
+              <a:rPr lang="en-US" altLang="zh-CN" sz="2000"/>
+              <a:t>                	</a:t>
             </a:r>
           </a:p>
         </p:txBody>
@@ -27073,623 +27630,6 @@
       </p:grpSpPr>
       <p:sp>
         <p:nvSpPr>
-          <p:cNvPr id="53249" name="页脚占位符 4">
-            <a:extLst>
-              <a:ext uri="{FF2B5EF4-FFF2-40B4-BE49-F238E27FC236}">
-                <a16:creationId xmlns:a16="http://schemas.microsoft.com/office/drawing/2014/main" id="{41FCA7F5-72FD-4E64-A7F7-967E0831DF73}"/>
-              </a:ext>
-            </a:extLst>
-          </p:cNvPr>
-          <p:cNvSpPr txBox="1">
-            <a:spLocks noGrp="1" noChangeArrowheads="1"/>
-          </p:cNvSpPr>
-          <p:nvPr/>
-        </p:nvSpPr>
-        <p:spPr bwMode="auto">
-          <a:xfrm>
-            <a:off x="5219700" y="6381750"/>
-            <a:ext cx="3600450" cy="320675"/>
-          </a:xfrm>
-          <a:prstGeom prst="rect">
-            <a:avLst/>
-          </a:prstGeom>
-          <a:noFill/>
-          <a:ln>
-            <a:noFill/>
-          </a:ln>
-          <a:extLst>
-            <a:ext uri="{909E8E84-426E-40DD-AFC4-6F175D3DCCD1}">
-              <a14:hiddenFill xmlns:a14="http://schemas.microsoft.com/office/drawing/2010/main">
-                <a:solidFill>
-                  <a:srgbClr val="FFFFFF"/>
-                </a:solidFill>
-              </a14:hiddenFill>
-            </a:ext>
-            <a:ext uri="{91240B29-F687-4F45-9708-019B960494DF}">
-              <a14:hiddenLine xmlns:a14="http://schemas.microsoft.com/office/drawing/2010/main" w="9525">
-                <a:solidFill>
-                  <a:srgbClr val="000000"/>
-                </a:solidFill>
-                <a:miter lim="800000"/>
-                <a:headEnd/>
-                <a:tailEnd/>
-              </a14:hiddenLine>
-            </a:ext>
-          </a:extLst>
-        </p:spPr>
-        <p:txBody>
-          <a:bodyPr/>
-          <a:lstStyle>
-            <a:lvl1pPr>
-              <a:defRPr>
-                <a:solidFill>
-                  <a:schemeClr val="tx1"/>
-                </a:solidFill>
-                <a:latin typeface="Arial" panose="020B0604020202020204" pitchFamily="34" charset="0"/>
-                <a:ea typeface="宋体" panose="02010600030101010101" pitchFamily="2" charset="-122"/>
-              </a:defRPr>
-            </a:lvl1pPr>
-            <a:lvl2pPr>
-              <a:defRPr>
-                <a:solidFill>
-                  <a:schemeClr val="tx1"/>
-                </a:solidFill>
-                <a:latin typeface="Arial" panose="020B0604020202020204" pitchFamily="34" charset="0"/>
-                <a:ea typeface="宋体" panose="02010600030101010101" pitchFamily="2" charset="-122"/>
-              </a:defRPr>
-            </a:lvl2pPr>
-            <a:lvl3pPr>
-              <a:defRPr>
-                <a:solidFill>
-                  <a:schemeClr val="tx1"/>
-                </a:solidFill>
-                <a:latin typeface="Arial" panose="020B0604020202020204" pitchFamily="34" charset="0"/>
-                <a:ea typeface="宋体" panose="02010600030101010101" pitchFamily="2" charset="-122"/>
-              </a:defRPr>
-            </a:lvl3pPr>
-            <a:lvl4pPr>
-              <a:defRPr>
-                <a:solidFill>
-                  <a:schemeClr val="tx1"/>
-                </a:solidFill>
-                <a:latin typeface="Arial" panose="020B0604020202020204" pitchFamily="34" charset="0"/>
-                <a:ea typeface="宋体" panose="02010600030101010101" pitchFamily="2" charset="-122"/>
-              </a:defRPr>
-            </a:lvl4pPr>
-            <a:lvl5pPr>
-              <a:defRPr>
-                <a:solidFill>
-                  <a:schemeClr val="tx1"/>
-                </a:solidFill>
-                <a:latin typeface="Arial" panose="020B0604020202020204" pitchFamily="34" charset="0"/>
-                <a:ea typeface="宋体" panose="02010600030101010101" pitchFamily="2" charset="-122"/>
-              </a:defRPr>
-            </a:lvl5pPr>
-            <a:lvl6pPr fontAlgn="base">
-              <a:spcBef>
-                <a:spcPct val="0"/>
-              </a:spcBef>
-              <a:spcAft>
-                <a:spcPct val="0"/>
-              </a:spcAft>
-              <a:buFont typeface="Arial" panose="020B0604020202020204" pitchFamily="34" charset="0"/>
-              <a:defRPr>
-                <a:solidFill>
-                  <a:schemeClr val="tx1"/>
-                </a:solidFill>
-                <a:latin typeface="Arial" panose="020B0604020202020204" pitchFamily="34" charset="0"/>
-                <a:ea typeface="宋体" panose="02010600030101010101" pitchFamily="2" charset="-122"/>
-              </a:defRPr>
-            </a:lvl6pPr>
-            <a:lvl7pPr fontAlgn="base">
-              <a:spcBef>
-                <a:spcPct val="0"/>
-              </a:spcBef>
-              <a:spcAft>
-                <a:spcPct val="0"/>
-              </a:spcAft>
-              <a:buFont typeface="Arial" panose="020B0604020202020204" pitchFamily="34" charset="0"/>
-              <a:defRPr>
-                <a:solidFill>
-                  <a:schemeClr val="tx1"/>
-                </a:solidFill>
-                <a:latin typeface="Arial" panose="020B0604020202020204" pitchFamily="34" charset="0"/>
-                <a:ea typeface="宋体" panose="02010600030101010101" pitchFamily="2" charset="-122"/>
-              </a:defRPr>
-            </a:lvl7pPr>
-            <a:lvl8pPr fontAlgn="base">
-              <a:spcBef>
-                <a:spcPct val="0"/>
-              </a:spcBef>
-              <a:spcAft>
-                <a:spcPct val="0"/>
-              </a:spcAft>
-              <a:buFont typeface="Arial" panose="020B0604020202020204" pitchFamily="34" charset="0"/>
-              <a:defRPr>
-                <a:solidFill>
-                  <a:schemeClr val="tx1"/>
-                </a:solidFill>
-                <a:latin typeface="Arial" panose="020B0604020202020204" pitchFamily="34" charset="0"/>
-                <a:ea typeface="宋体" panose="02010600030101010101" pitchFamily="2" charset="-122"/>
-              </a:defRPr>
-            </a:lvl8pPr>
-            <a:lvl9pPr fontAlgn="base">
-              <a:spcBef>
-                <a:spcPct val="0"/>
-              </a:spcBef>
-              <a:spcAft>
-                <a:spcPct val="0"/>
-              </a:spcAft>
-              <a:buFont typeface="Arial" panose="020B0604020202020204" pitchFamily="34" charset="0"/>
-              <a:defRPr>
-                <a:solidFill>
-                  <a:schemeClr val="tx1"/>
-                </a:solidFill>
-                <a:latin typeface="Arial" panose="020B0604020202020204" pitchFamily="34" charset="0"/>
-                <a:ea typeface="宋体" panose="02010600030101010101" pitchFamily="2" charset="-122"/>
-              </a:defRPr>
-            </a:lvl9pPr>
-          </a:lstStyle>
-          <a:p>
-            <a:pPr algn="ctr"/>
-            <a:endParaRPr lang="en-US" altLang="zh-CN" sz="1400" b="1">
-              <a:solidFill>
-                <a:srgbClr val="F03628"/>
-              </a:solidFill>
-            </a:endParaRPr>
-          </a:p>
-        </p:txBody>
-      </p:sp>
-      <p:sp>
-        <p:nvSpPr>
-          <p:cNvPr id="53250" name="Rectangle 2">
-            <a:extLst>
-              <a:ext uri="{FF2B5EF4-FFF2-40B4-BE49-F238E27FC236}">
-                <a16:creationId xmlns:a16="http://schemas.microsoft.com/office/drawing/2014/main" id="{EE21242B-2872-4613-BF33-B3AC774F9043}"/>
-              </a:ext>
-            </a:extLst>
-          </p:cNvPr>
-          <p:cNvSpPr>
-            <a:spLocks noGrp="1" noChangeArrowheads="1"/>
-          </p:cNvSpPr>
-          <p:nvPr>
-            <p:ph type="title" idx="4294967295"/>
-          </p:nvPr>
-        </p:nvSpPr>
-        <p:spPr/>
-        <p:txBody>
-          <a:bodyPr/>
-          <a:lstStyle/>
-          <a:p>
-            <a:pPr eaLnBrk="1" hangingPunct="1"/>
-            <a:r>
-              <a:rPr lang="zh-CN" altLang="en-US" sz="3600"/>
-              <a:t>定义触发器</a:t>
-            </a:r>
-            <a:r>
-              <a:rPr lang="en-US" altLang="zh-CN" sz="3600"/>
-              <a:t>（</a:t>
-            </a:r>
-            <a:r>
-              <a:rPr lang="zh-CN" altLang="en-US" sz="3600"/>
-              <a:t>续</a:t>
-            </a:r>
-            <a:r>
-              <a:rPr lang="en-US" altLang="zh-CN" sz="3600"/>
-              <a:t>）</a:t>
-            </a:r>
-          </a:p>
-        </p:txBody>
-      </p:sp>
-      <p:sp>
-        <p:nvSpPr>
-          <p:cNvPr id="53251" name="Rectangle 3">
-            <a:extLst>
-              <a:ext uri="{FF2B5EF4-FFF2-40B4-BE49-F238E27FC236}">
-                <a16:creationId xmlns:a16="http://schemas.microsoft.com/office/drawing/2014/main" id="{17EA18CE-64D3-4CCD-BEA5-0FC6B69DDA25}"/>
-              </a:ext>
-            </a:extLst>
-          </p:cNvPr>
-          <p:cNvSpPr>
-            <a:spLocks noGrp="1" noChangeArrowheads="1"/>
-          </p:cNvSpPr>
-          <p:nvPr>
-            <p:ph type="body" idx="4294967295"/>
-          </p:nvPr>
-        </p:nvSpPr>
-        <p:spPr>
-          <a:xfrm>
-            <a:off x="457200" y="1122363"/>
-            <a:ext cx="8229600" cy="5487987"/>
-          </a:xfrm>
-        </p:spPr>
-        <p:txBody>
-          <a:bodyPr/>
-          <a:lstStyle/>
-          <a:p>
-            <a:pPr eaLnBrk="1" hangingPunct="1">
-              <a:lnSpc>
-                <a:spcPct val="130000"/>
-              </a:lnSpc>
-              <a:buFont typeface="Wingdings" panose="05000000000000000000" pitchFamily="2" charset="2"/>
-              <a:buNone/>
-            </a:pPr>
-            <a:r>
-              <a:rPr lang="en-US" altLang="zh-CN" sz="2400"/>
-              <a:t>[</a:t>
-            </a:r>
-            <a:r>
-              <a:rPr lang="zh-CN" altLang="en-US" sz="2400"/>
-              <a:t>例5.</a:t>
-            </a:r>
-            <a:r>
-              <a:rPr lang="en-US" altLang="zh-CN" sz="2400"/>
-              <a:t>23] </a:t>
-            </a:r>
-            <a:r>
-              <a:rPr lang="zh-CN" altLang="en-US" sz="2400"/>
-              <a:t>定义一个</a:t>
-            </a:r>
-            <a:r>
-              <a:rPr lang="en-US" altLang="zh-CN" sz="2400"/>
-              <a:t>BEFORE</a:t>
-            </a:r>
-            <a:r>
-              <a:rPr lang="zh-CN" altLang="en-US" sz="2400"/>
-              <a:t>行级触发器，为教师表</a:t>
-            </a:r>
-            <a:r>
-              <a:rPr lang="en-US" altLang="zh-CN" sz="2400"/>
-              <a:t>Teacher</a:t>
-            </a:r>
-            <a:r>
-              <a:rPr lang="zh-CN" altLang="en-US" sz="2400"/>
-              <a:t>定义完整性规则“教授的工资不得低于</a:t>
-            </a:r>
-            <a:r>
-              <a:rPr lang="en-US" altLang="zh-CN" sz="2400"/>
-              <a:t>4000</a:t>
-            </a:r>
-            <a:r>
-              <a:rPr lang="zh-CN" altLang="en-US" sz="2400"/>
-              <a:t>元，如果低于</a:t>
-            </a:r>
-            <a:r>
-              <a:rPr lang="en-US" altLang="zh-CN" sz="2400"/>
-              <a:t>4000</a:t>
-            </a:r>
-            <a:r>
-              <a:rPr lang="zh-CN" altLang="en-US" sz="2400"/>
-              <a:t>元，自动改为</a:t>
-            </a:r>
-            <a:r>
-              <a:rPr lang="en-US" altLang="zh-CN" sz="2400"/>
-              <a:t>4000</a:t>
-            </a:r>
-            <a:r>
-              <a:rPr lang="zh-CN" altLang="en-US" sz="2400"/>
-              <a:t>元”。</a:t>
-            </a:r>
-          </a:p>
-          <a:p>
-            <a:pPr eaLnBrk="1" hangingPunct="1">
-              <a:lnSpc>
-                <a:spcPct val="80000"/>
-              </a:lnSpc>
-              <a:buFont typeface="Wingdings" panose="05000000000000000000" pitchFamily="2" charset="2"/>
-              <a:buNone/>
-            </a:pPr>
-            <a:r>
-              <a:rPr lang="zh-CN" altLang="en-US" sz="2000"/>
-              <a:t>   </a:t>
-            </a:r>
-            <a:r>
-              <a:rPr lang="zh-CN" altLang="en-US" sz="2400"/>
-              <a:t> </a:t>
-            </a:r>
-          </a:p>
-          <a:p>
-            <a:pPr eaLnBrk="1" hangingPunct="1">
-              <a:lnSpc>
-                <a:spcPct val="80000"/>
-              </a:lnSpc>
-              <a:buFont typeface="Wingdings" panose="05000000000000000000" pitchFamily="2" charset="2"/>
-              <a:buNone/>
-            </a:pPr>
-            <a:r>
-              <a:rPr lang="zh-CN" altLang="en-US" sz="2400"/>
-              <a:t>	    </a:t>
-            </a:r>
-            <a:r>
-              <a:rPr lang="en-US" altLang="zh-CN" sz="2400"/>
-              <a:t>CREATE TRIGGER Insert_Or_Update_Sal </a:t>
-            </a:r>
-          </a:p>
-          <a:p>
-            <a:pPr eaLnBrk="1" hangingPunct="1">
-              <a:lnSpc>
-                <a:spcPct val="80000"/>
-              </a:lnSpc>
-              <a:buFont typeface="Wingdings" panose="05000000000000000000" pitchFamily="2" charset="2"/>
-              <a:buNone/>
-            </a:pPr>
-            <a:r>
-              <a:rPr lang="en-US" altLang="zh-CN" sz="2400"/>
-              <a:t>         BEFORE </a:t>
-            </a:r>
-            <a:r>
-              <a:rPr lang="en-US" altLang="zh-CN" sz="2400">
-                <a:solidFill>
-                  <a:srgbClr val="72BE2C"/>
-                </a:solidFill>
-              </a:rPr>
-              <a:t>INSERT OR UPDATE</a:t>
-            </a:r>
-            <a:r>
-              <a:rPr lang="en-US" altLang="zh-CN" sz="2400"/>
-              <a:t> ON Teacher  </a:t>
-            </a:r>
-          </a:p>
-          <a:p>
-            <a:pPr eaLnBrk="1" hangingPunct="1">
-              <a:lnSpc>
-                <a:spcPct val="80000"/>
-              </a:lnSpc>
-              <a:buFont typeface="Wingdings" panose="05000000000000000000" pitchFamily="2" charset="2"/>
-              <a:buNone/>
-            </a:pPr>
-            <a:r>
-              <a:rPr lang="en-US" altLang="zh-CN" sz="2000"/>
-              <a:t>       </a:t>
-            </a:r>
-            <a:r>
-              <a:rPr lang="en-US" altLang="zh-CN" sz="1600"/>
-              <a:t> </a:t>
-            </a:r>
-            <a:r>
-              <a:rPr lang="zh-CN" altLang="en-US" sz="2000"/>
-              <a:t> </a:t>
-            </a:r>
-            <a:r>
-              <a:rPr lang="en-US" altLang="zh-CN" sz="2000"/>
-              <a:t>			            </a:t>
-            </a:r>
-            <a:r>
-              <a:rPr lang="zh-CN" altLang="en-US" sz="1800"/>
-              <a:t> </a:t>
-            </a:r>
-            <a:r>
-              <a:rPr lang="en-US" altLang="zh-CN" sz="1800"/>
-              <a:t>/*</a:t>
-            </a:r>
-            <a:r>
-              <a:rPr lang="zh-CN" altLang="en-US" sz="1800"/>
-              <a:t>触发事件是插入或更新操作*</a:t>
-            </a:r>
-            <a:r>
-              <a:rPr lang="en-US" altLang="zh-CN" sz="1800"/>
-              <a:t>/</a:t>
-            </a:r>
-          </a:p>
-          <a:p>
-            <a:pPr eaLnBrk="1" hangingPunct="1">
-              <a:lnSpc>
-                <a:spcPct val="80000"/>
-              </a:lnSpc>
-              <a:buFont typeface="Wingdings" panose="05000000000000000000" pitchFamily="2" charset="2"/>
-              <a:buNone/>
-            </a:pPr>
-            <a:r>
-              <a:rPr lang="en-US" altLang="zh-CN" sz="2000"/>
-              <a:t>         </a:t>
-            </a:r>
-            <a:r>
-              <a:rPr lang="zh-CN" altLang="en-US" sz="2000"/>
-              <a:t> </a:t>
-            </a:r>
-            <a:r>
-              <a:rPr lang="en-US" altLang="zh-CN" sz="2400"/>
-              <a:t>FOR </a:t>
-            </a:r>
-            <a:r>
-              <a:rPr lang="en-US" altLang="zh-CN" sz="2400">
-                <a:solidFill>
-                  <a:srgbClr val="72BE2C"/>
-                </a:solidFill>
-              </a:rPr>
-              <a:t>EACH ROW</a:t>
-            </a:r>
-            <a:r>
-              <a:rPr lang="en-US" altLang="zh-CN" sz="2000"/>
-              <a:t>        </a:t>
-            </a:r>
-            <a:r>
-              <a:rPr lang="en-US" altLang="zh-CN" sz="1800"/>
-              <a:t>/*</a:t>
-            </a:r>
-            <a:r>
-              <a:rPr lang="zh-CN" altLang="en-US" sz="1800"/>
-              <a:t>行级触发器*</a:t>
-            </a:r>
-            <a:r>
-              <a:rPr lang="en-US" altLang="zh-CN" sz="1800"/>
-              <a:t>/</a:t>
-            </a:r>
-          </a:p>
-          <a:p>
-            <a:pPr eaLnBrk="1" hangingPunct="1">
-              <a:lnSpc>
-                <a:spcPct val="80000"/>
-              </a:lnSpc>
-              <a:buFont typeface="Wingdings" panose="05000000000000000000" pitchFamily="2" charset="2"/>
-              <a:buNone/>
-            </a:pPr>
-            <a:r>
-              <a:rPr lang="en-US" altLang="zh-CN" sz="2000"/>
-              <a:t>        </a:t>
-            </a:r>
-            <a:r>
-              <a:rPr lang="zh-CN" altLang="en-US" sz="2000"/>
-              <a:t>  </a:t>
-            </a:r>
-            <a:r>
-              <a:rPr lang="en-US" altLang="zh-CN" sz="2400"/>
-              <a:t>BEGIN  </a:t>
-            </a:r>
-            <a:r>
-              <a:rPr lang="en-US" altLang="zh-CN" sz="2000"/>
-              <a:t>                          </a:t>
-            </a:r>
-            <a:r>
-              <a:rPr lang="en-US" altLang="zh-CN" sz="1800"/>
-              <a:t> /*</a:t>
-            </a:r>
-            <a:r>
-              <a:rPr lang="zh-CN" altLang="en-US" sz="1800"/>
-              <a:t>定义触发动作体，是</a:t>
-            </a:r>
-            <a:r>
-              <a:rPr lang="en-US" altLang="zh-CN" sz="1800"/>
-              <a:t>PL/SQL</a:t>
-            </a:r>
-            <a:r>
-              <a:rPr lang="zh-CN" altLang="en-US" sz="1800"/>
-              <a:t>过程块*</a:t>
-            </a:r>
-            <a:r>
-              <a:rPr lang="en-US" altLang="zh-CN" sz="1800"/>
-              <a:t>/</a:t>
-            </a:r>
-          </a:p>
-          <a:p>
-            <a:pPr eaLnBrk="1" hangingPunct="1">
-              <a:lnSpc>
-                <a:spcPct val="80000"/>
-              </a:lnSpc>
-              <a:buFont typeface="Wingdings" panose="05000000000000000000" pitchFamily="2" charset="2"/>
-              <a:buNone/>
-            </a:pPr>
-            <a:r>
-              <a:rPr lang="en-US" altLang="zh-CN" sz="2000"/>
-              <a:t>             	</a:t>
-            </a:r>
-            <a:r>
-              <a:rPr lang="en-US" altLang="zh-CN" sz="2400"/>
-              <a:t>IF </a:t>
-            </a:r>
-            <a:r>
-              <a:rPr lang="zh-CN" altLang="en-US" sz="2400"/>
-              <a:t>(</a:t>
-            </a:r>
-            <a:r>
-              <a:rPr lang="en-US" altLang="zh-CN" sz="2400"/>
-              <a:t>new.Job='</a:t>
-            </a:r>
-            <a:r>
-              <a:rPr lang="zh-CN" altLang="en-US" sz="2400"/>
-              <a:t>教授</a:t>
-            </a:r>
-            <a:r>
-              <a:rPr lang="en-US" altLang="zh-CN" sz="2400"/>
-              <a:t>'</a:t>
-            </a:r>
-            <a:r>
-              <a:rPr lang="zh-CN" altLang="en-US" sz="2400"/>
-              <a:t>)</a:t>
-            </a:r>
-            <a:r>
-              <a:rPr lang="en-US" altLang="zh-CN" sz="2400"/>
-              <a:t> AND </a:t>
-            </a:r>
-            <a:r>
-              <a:rPr lang="zh-CN" altLang="en-US" sz="2400"/>
-              <a:t>(</a:t>
-            </a:r>
-            <a:r>
-              <a:rPr lang="en-US" altLang="zh-CN" sz="2400"/>
-              <a:t>new.Sal &lt; 4000</a:t>
-            </a:r>
-            <a:r>
-              <a:rPr lang="zh-CN" altLang="en-US" sz="2400"/>
-              <a:t>)</a:t>
-            </a:r>
-            <a:r>
-              <a:rPr lang="en-US" altLang="zh-CN" sz="2400"/>
-              <a:t> </a:t>
-            </a:r>
-          </a:p>
-          <a:p>
-            <a:pPr eaLnBrk="1" hangingPunct="1">
-              <a:lnSpc>
-                <a:spcPct val="80000"/>
-              </a:lnSpc>
-              <a:buFont typeface="Wingdings" panose="05000000000000000000" pitchFamily="2" charset="2"/>
-              <a:buNone/>
-            </a:pPr>
-            <a:r>
-              <a:rPr lang="en-US" altLang="zh-CN" sz="2400"/>
-              <a:t>             	 THEN  new.Sal :=4000;                </a:t>
-            </a:r>
-          </a:p>
-          <a:p>
-            <a:pPr eaLnBrk="1" hangingPunct="1">
-              <a:lnSpc>
-                <a:spcPct val="80000"/>
-              </a:lnSpc>
-              <a:buFont typeface="Wingdings" panose="05000000000000000000" pitchFamily="2" charset="2"/>
-              <a:buNone/>
-            </a:pPr>
-            <a:r>
-              <a:rPr lang="en-US" altLang="zh-CN" sz="2400"/>
-              <a:t>           	 END IF;</a:t>
-            </a:r>
-          </a:p>
-          <a:p>
-            <a:pPr eaLnBrk="1" hangingPunct="1">
-              <a:lnSpc>
-                <a:spcPct val="80000"/>
-              </a:lnSpc>
-              <a:buFont typeface="Wingdings" panose="05000000000000000000" pitchFamily="2" charset="2"/>
-              <a:buNone/>
-            </a:pPr>
-            <a:r>
-              <a:rPr lang="en-US" altLang="zh-CN" sz="2400"/>
-              <a:t>        END;               </a:t>
-            </a:r>
-            <a:r>
-              <a:rPr lang="en-US" altLang="zh-CN" sz="2000"/>
-              <a:t>                	</a:t>
-            </a:r>
-          </a:p>
-        </p:txBody>
-      </p:sp>
-    </p:spTree>
-  </p:cSld>
-  <p:clrMapOvr>
-    <a:masterClrMapping/>
-  </p:clrMapOvr>
-</p:sld>
-</file>
-
-<file path=ppt/slides/slide51.xml><?xml version="1.0" encoding="utf-8"?>
-<p:sld xmlns:a="http://schemas.openxmlformats.org/drawingml/2006/main" xmlns:r="http://schemas.openxmlformats.org/officeDocument/2006/relationships" xmlns:p="http://schemas.openxmlformats.org/presentationml/2006/main">
-  <p:cSld>
-    <p:spTree>
-      <p:nvGrpSpPr>
-        <p:cNvPr id="1" name=""/>
-        <p:cNvGrpSpPr/>
-        <p:nvPr/>
-      </p:nvGrpSpPr>
-      <p:grpSpPr>
-        <a:xfrm>
-          <a:off x="0" y="0"/>
-          <a:ext cx="0" cy="0"/>
-          <a:chOff x="0" y="0"/>
-          <a:chExt cx="0" cy="0"/>
-        </a:xfrm>
-      </p:grpSpPr>
-      <p:sp>
-        <p:nvSpPr>
           <p:cNvPr id="54273" name="页脚占位符 4">
             <a:extLst>
               <a:ext uri="{FF2B5EF4-FFF2-40B4-BE49-F238E27FC236}">
@@ -28003,7 +27943,7 @@
 </p:sld>
 </file>
 
-<file path=ppt/slides/slide52.xml><?xml version="1.0" encoding="utf-8"?>
+<file path=ppt/slides/slide51.xml><?xml version="1.0" encoding="utf-8"?>
 <p:sld xmlns:a="http://schemas.openxmlformats.org/drawingml/2006/main" xmlns:r="http://schemas.openxmlformats.org/officeDocument/2006/relationships" xmlns:p="http://schemas.openxmlformats.org/presentationml/2006/main">
   <p:cSld>
     <p:spTree>
@@ -28398,7 +28338,7 @@
 </p:sld>
 </file>
 
-<file path=ppt/slides/slide53.xml><?xml version="1.0" encoding="utf-8"?>
+<file path=ppt/slides/slide52.xml><?xml version="1.0" encoding="utf-8"?>
 <p:sld xmlns:a="http://schemas.openxmlformats.org/drawingml/2006/main" xmlns:r="http://schemas.openxmlformats.org/officeDocument/2006/relationships" xmlns:p="http://schemas.openxmlformats.org/presentationml/2006/main">
   <p:cSld>
     <p:spTree>
@@ -28730,7 +28670,7 @@
 </p:sld>
 </file>
 
-<file path=ppt/slides/slide54.xml><?xml version="1.0" encoding="utf-8"?>
+<file path=ppt/slides/slide53.xml><?xml version="1.0" encoding="utf-8"?>
 <p:sld xmlns:a="http://schemas.openxmlformats.org/drawingml/2006/main" xmlns:r="http://schemas.openxmlformats.org/officeDocument/2006/relationships" xmlns:p="http://schemas.openxmlformats.org/presentationml/2006/main">
   <p:cSld>
     <p:spTree>
@@ -29039,7 +28979,7 @@
 </p:sld>
 </file>
 
-<file path=ppt/slides/slide55.xml><?xml version="1.0" encoding="utf-8"?>
+<file path=ppt/slides/slide54.xml><?xml version="1.0" encoding="utf-8"?>
 <p:sld xmlns:a="http://schemas.openxmlformats.org/drawingml/2006/main" xmlns:r="http://schemas.openxmlformats.org/officeDocument/2006/relationships" xmlns:p="http://schemas.openxmlformats.org/presentationml/2006/main">
   <p:cSld>
     <p:spTree>
@@ -29629,7 +29569,7 @@
 </p:sld>
 </file>
 
-<file path=ppt/slides/slide56.xml><?xml version="1.0" encoding="utf-8"?>
+<file path=ppt/slides/slide55.xml><?xml version="1.0" encoding="utf-8"?>
 <p:sld xmlns:a="http://schemas.openxmlformats.org/drawingml/2006/main" xmlns:r="http://schemas.openxmlformats.org/officeDocument/2006/relationships" xmlns:p="http://schemas.openxmlformats.org/presentationml/2006/main">
   <p:cSld>
     <p:spTree>
@@ -29885,7 +29825,7 @@
 </p:sld>
 </file>
 
-<file path=ppt/slides/slide57.xml><?xml version="1.0" encoding="utf-8"?>
+<file path=ppt/slides/slide56.xml><?xml version="1.0" encoding="utf-8"?>
 <p:sld xmlns:a="http://schemas.openxmlformats.org/drawingml/2006/main" xmlns:r="http://schemas.openxmlformats.org/officeDocument/2006/relationships" xmlns:p="http://schemas.openxmlformats.org/presentationml/2006/main">
   <p:cSld>
     <p:spTree>
@@ -30112,7 +30052,7 @@
 </p:sld>
 </file>
 
-<file path=ppt/slides/slide58.xml><?xml version="1.0" encoding="utf-8"?>
+<file path=ppt/slides/slide57.xml><?xml version="1.0" encoding="utf-8"?>
 <p:sld xmlns:a="http://schemas.openxmlformats.org/drawingml/2006/main" xmlns:r="http://schemas.openxmlformats.org/officeDocument/2006/relationships" xmlns:p="http://schemas.openxmlformats.org/presentationml/2006/main">
   <p:cSld>
     <p:spTree>
@@ -30558,7 +30498,7 @@
 </p:sld>
 </file>
 
-<file path=ppt/slides/slide59.xml><?xml version="1.0" encoding="utf-8"?>
+<file path=ppt/slides/slide58.xml><?xml version="1.0" encoding="utf-8"?>
 <p:sld xmlns:a="http://schemas.openxmlformats.org/drawingml/2006/main" xmlns:r="http://schemas.openxmlformats.org/officeDocument/2006/relationships" xmlns:p="http://schemas.openxmlformats.org/presentationml/2006/main">
   <p:cSld>
     <p:spTree>
@@ -30842,6 +30782,354 @@
               <a:buNone/>
             </a:pPr>
             <a:endParaRPr lang="zh-CN" altLang="en-US" sz="2000"/>
+          </a:p>
+        </p:txBody>
+      </p:sp>
+    </p:spTree>
+  </p:cSld>
+  <p:clrMapOvr>
+    <a:masterClrMapping/>
+  </p:clrMapOvr>
+</p:sld>
+</file>
+
+<file path=ppt/slides/slide59.xml><?xml version="1.0" encoding="utf-8"?>
+<p:sld xmlns:a="http://schemas.openxmlformats.org/drawingml/2006/main" xmlns:r="http://schemas.openxmlformats.org/officeDocument/2006/relationships" xmlns:p="http://schemas.openxmlformats.org/presentationml/2006/main">
+  <p:cSld>
+    <p:spTree>
+      <p:nvGrpSpPr>
+        <p:cNvPr id="1" name=""/>
+        <p:cNvGrpSpPr/>
+        <p:nvPr/>
+      </p:nvGrpSpPr>
+      <p:grpSpPr>
+        <a:xfrm>
+          <a:off x="0" y="0"/>
+          <a:ext cx="0" cy="0"/>
+          <a:chOff x="0" y="0"/>
+          <a:chExt cx="0" cy="0"/>
+        </a:xfrm>
+      </p:grpSpPr>
+      <p:sp>
+        <p:nvSpPr>
+          <p:cNvPr id="63489" name="标题 1">
+            <a:extLst>
+              <a:ext uri="{FF2B5EF4-FFF2-40B4-BE49-F238E27FC236}">
+                <a16:creationId xmlns:a16="http://schemas.microsoft.com/office/drawing/2014/main" id="{677216E2-3B52-45A5-AF13-FA3CC087DFF7}"/>
+              </a:ext>
+            </a:extLst>
+          </p:cNvPr>
+          <p:cNvSpPr>
+            <a:spLocks noGrp="1" noChangeArrowheads="1"/>
+          </p:cNvSpPr>
+          <p:nvPr>
+            <p:ph type="title" idx="4294967295"/>
+          </p:nvPr>
+        </p:nvSpPr>
+        <p:spPr/>
+        <p:txBody>
+          <a:bodyPr/>
+          <a:lstStyle/>
+          <a:p>
+            <a:r>
+              <a:rPr lang="zh-CN" altLang="en-US"/>
+              <a:t>存储过程的用户接口（续）</a:t>
+            </a:r>
+          </a:p>
+        </p:txBody>
+      </p:sp>
+      <p:sp>
+        <p:nvSpPr>
+          <p:cNvPr id="22530" name="内容占位符 2">
+            <a:extLst>
+              <a:ext uri="{FF2B5EF4-FFF2-40B4-BE49-F238E27FC236}">
+                <a16:creationId xmlns:a16="http://schemas.microsoft.com/office/drawing/2014/main" id="{8287B59F-4C60-4694-8811-471BF41682E5}"/>
+              </a:ext>
+            </a:extLst>
+          </p:cNvPr>
+          <p:cNvSpPr>
+            <a:spLocks noGrp="1"/>
+          </p:cNvSpPr>
+          <p:nvPr>
+            <p:ph idx="4294967295"/>
+          </p:nvPr>
+        </p:nvSpPr>
+        <p:spPr>
+          <a:xfrm>
+            <a:off x="182563" y="971550"/>
+            <a:ext cx="8847137" cy="5095875"/>
+          </a:xfrm>
+          <a:ln>
+            <a:miter/>
+          </a:ln>
+        </p:spPr>
+        <p:txBody>
+          <a:bodyPr/>
+          <a:lstStyle/>
+          <a:p>
+            <a:pPr>
+              <a:lnSpc>
+                <a:spcPct val="120000"/>
+              </a:lnSpc>
+              <a:buFont typeface="Wingdings" panose="05000000000000000000" pitchFamily="2" charset="2"/>
+              <a:buNone/>
+            </a:pPr>
+            <a:r>
+              <a:rPr lang="en-US" altLang="zh-CN" sz="2000" noProof="1">
+                <a:sym typeface="+mn-ea"/>
+              </a:rPr>
+              <a:t>  SELECT Accountnum INTO inAccountnum FROM Account</a:t>
+            </a:r>
+            <a:endParaRPr lang="en-US" altLang="zh-CN" sz="2000" noProof="1"/>
+          </a:p>
+          <a:p>
+            <a:pPr marL="0" indent="0">
+              <a:lnSpc>
+                <a:spcPct val="120000"/>
+              </a:lnSpc>
+              <a:buFont typeface="Wingdings" panose="05000000000000000000" pitchFamily="2" charset="2"/>
+              <a:buNone/>
+            </a:pPr>
+            <a:r>
+              <a:rPr lang="en-US" altLang="zh-CN" sz="2000" noProof="1">
+                <a:sym typeface="+mn-ea"/>
+              </a:rPr>
+              <a:t>      WHERE accountnum=inAccount;</a:t>
+            </a:r>
+            <a:endParaRPr lang="en-US" altLang="zh-CN" sz="2000" noProof="1"/>
+          </a:p>
+          <a:p>
+            <a:pPr marL="0" indent="0">
+              <a:lnSpc>
+                <a:spcPct val="120000"/>
+              </a:lnSpc>
+              <a:buFont typeface="Wingdings" panose="05000000000000000000" pitchFamily="2" charset="2"/>
+              <a:buNone/>
+            </a:pPr>
+            <a:r>
+              <a:rPr lang="en-US" altLang="zh-CN" sz="2000" noProof="1">
+                <a:sym typeface="+mn-ea"/>
+              </a:rPr>
+              <a:t>  IF inAccount IS NULL THEN  		/*</a:t>
+            </a:r>
+            <a:r>
+              <a:rPr lang="zh-CN" altLang="en-US" sz="2000" noProof="1">
+                <a:sym typeface="+mn-ea"/>
+              </a:rPr>
+              <a:t>如果转入账户不存在</a:t>
+            </a:r>
+            <a:r>
+              <a:rPr lang="en-US" altLang="zh-CN" sz="2000" noProof="1">
+                <a:sym typeface="+mn-ea"/>
+              </a:rPr>
+              <a:t>*/                        </a:t>
+            </a:r>
+            <a:endParaRPr lang="en-US" altLang="zh-CN" sz="2000" noProof="1"/>
+          </a:p>
+          <a:p>
+            <a:pPr marL="0" indent="0">
+              <a:lnSpc>
+                <a:spcPct val="120000"/>
+              </a:lnSpc>
+              <a:buFont typeface="Wingdings" panose="05000000000000000000" pitchFamily="2" charset="2"/>
+              <a:buNone/>
+            </a:pPr>
+            <a:r>
+              <a:rPr lang="en-US" altLang="zh-CN" sz="2000" noProof="1">
+                <a:sym typeface="+mn-ea"/>
+              </a:rPr>
+              <a:t>	ROLLBACK; 	         	 		/*</a:t>
+            </a:r>
+            <a:r>
+              <a:rPr lang="zh-CN" altLang="en-US" sz="2000" noProof="1">
+                <a:sym typeface="+mn-ea"/>
+              </a:rPr>
+              <a:t>回滚事务</a:t>
+            </a:r>
+            <a:r>
+              <a:rPr lang="en-US" altLang="zh-CN" sz="2000" noProof="1">
+                <a:sym typeface="+mn-ea"/>
+              </a:rPr>
+              <a:t>*/</a:t>
+            </a:r>
+            <a:endParaRPr lang="zh-CN" altLang="en-US" sz="2000" noProof="1"/>
+          </a:p>
+          <a:p>
+            <a:pPr marL="0" indent="0">
+              <a:lnSpc>
+                <a:spcPct val="120000"/>
+              </a:lnSpc>
+              <a:buFont typeface="Wingdings" panose="05000000000000000000" pitchFamily="2" charset="2"/>
+              <a:buNone/>
+            </a:pPr>
+            <a:r>
+              <a:rPr lang="en-US" altLang="zh-CN" sz="2000" noProof="1">
+                <a:sym typeface="+mn-ea"/>
+              </a:rPr>
+              <a:t>	RETURN;</a:t>
+            </a:r>
+            <a:endParaRPr lang="en-US" altLang="zh-CN" sz="2000" noProof="1"/>
+          </a:p>
+          <a:p>
+            <a:pPr marL="0" indent="0">
+              <a:lnSpc>
+                <a:spcPct val="120000"/>
+              </a:lnSpc>
+              <a:buFont typeface="Wingdings" panose="05000000000000000000" pitchFamily="2" charset="2"/>
+              <a:buNone/>
+            </a:pPr>
+            <a:r>
+              <a:rPr lang="en-US" altLang="zh-CN" sz="2000" noProof="1">
+                <a:sym typeface="+mn-ea"/>
+              </a:rPr>
+              <a:t>  ENDIF;</a:t>
+            </a:r>
+            <a:endParaRPr lang="zh-CN" altLang="en-US" sz="2000" noProof="1"/>
+          </a:p>
+          <a:p>
+            <a:pPr marL="0" indent="0">
+              <a:lnSpc>
+                <a:spcPct val="120000"/>
+              </a:lnSpc>
+              <a:buFont typeface="Wingdings" panose="05000000000000000000" pitchFamily="2" charset="2"/>
+              <a:buNone/>
+            </a:pPr>
+            <a:r>
+              <a:rPr lang="en-US" altLang="zh-CN" sz="2000" noProof="1">
+                <a:sym typeface="+mn-ea"/>
+              </a:rPr>
+              <a:t>  UPDATE Account SET total=total-amount </a:t>
+            </a:r>
+            <a:br>
+              <a:rPr lang="zh-CN" altLang="en-US" sz="2000" dirty="0">
+                <a:sym typeface="+mn-ea"/>
+              </a:rPr>
+            </a:br>
+            <a:r>
+              <a:rPr lang="zh-CN" altLang="en-US" sz="2000" noProof="1">
+                <a:sym typeface="+mn-ea"/>
+              </a:rPr>
+              <a:t>    </a:t>
+            </a:r>
+            <a:r>
+              <a:rPr lang="en-US" altLang="zh-CN" sz="2000" noProof="1">
+                <a:sym typeface="+mn-ea"/>
+              </a:rPr>
+              <a:t>WHERE accountnum=outAccount; /* </a:t>
+            </a:r>
+            <a:r>
+              <a:rPr lang="zh-CN" altLang="en-US" sz="2000" noProof="1">
+                <a:sym typeface="+mn-ea"/>
+              </a:rPr>
+              <a:t>修改转出账户余额，减去转出额 *</a:t>
+            </a:r>
+            <a:r>
+              <a:rPr lang="en-US" altLang="zh-CN" sz="2000" noProof="1">
+                <a:sym typeface="+mn-ea"/>
+              </a:rPr>
+              <a:t>/</a:t>
+            </a:r>
+            <a:endParaRPr lang="zh-CN" altLang="en-US" sz="2000" noProof="1"/>
+          </a:p>
+          <a:p>
+            <a:pPr marL="0" indent="0">
+              <a:lnSpc>
+                <a:spcPct val="120000"/>
+              </a:lnSpc>
+              <a:buFont typeface="Wingdings" panose="05000000000000000000" pitchFamily="2" charset="2"/>
+              <a:buNone/>
+            </a:pPr>
+            <a:r>
+              <a:rPr lang="en-US" altLang="zh-CN" sz="2000" noProof="1">
+                <a:sym typeface="+mn-ea"/>
+              </a:rPr>
+              <a:t>  UPDATE Account SET total=total + amount </a:t>
+            </a:r>
+            <a:endParaRPr lang="en-US" altLang="zh-CN" sz="2000" noProof="1"/>
+          </a:p>
+          <a:p>
+            <a:pPr marL="0" indent="0">
+              <a:lnSpc>
+                <a:spcPct val="120000"/>
+              </a:lnSpc>
+              <a:buFont typeface="Wingdings" panose="05000000000000000000" pitchFamily="2" charset="2"/>
+              <a:buNone/>
+            </a:pPr>
+            <a:r>
+              <a:rPr lang="en-US" altLang="zh-CN" sz="2000" noProof="1">
+                <a:sym typeface="+mn-ea"/>
+              </a:rPr>
+              <a:t>    WHERE   accountnum=inAccount; /* </a:t>
+            </a:r>
+            <a:r>
+              <a:rPr lang="zh-CN" altLang="en-US" sz="2000" noProof="1">
+                <a:sym typeface="+mn-ea"/>
+              </a:rPr>
+              <a:t>修改转入账户余额，增加转入额 *</a:t>
+            </a:r>
+            <a:r>
+              <a:rPr lang="en-US" altLang="zh-CN" sz="2000" noProof="1">
+                <a:sym typeface="+mn-ea"/>
+              </a:rPr>
+              <a:t>/</a:t>
+            </a:r>
+            <a:endParaRPr lang="zh-CN" altLang="en-US" sz="2000" noProof="1"/>
+          </a:p>
+          <a:p>
+            <a:pPr marL="0" indent="0">
+              <a:lnSpc>
+                <a:spcPct val="120000"/>
+              </a:lnSpc>
+              <a:buFont typeface="Wingdings" panose="05000000000000000000" pitchFamily="2" charset="2"/>
+              <a:buNone/>
+            </a:pPr>
+            <a:r>
+              <a:rPr lang="en-US" altLang="zh-CN" sz="2000" noProof="1">
+                <a:sym typeface="+mn-ea"/>
+              </a:rPr>
+              <a:t>  COMMIT;                       </a:t>
+            </a:r>
+            <a:r>
+              <a:rPr lang="zh-CN" altLang="en-US" sz="2000" noProof="1">
+                <a:sym typeface="+mn-ea"/>
+              </a:rPr>
+              <a:t>	</a:t>
+            </a:r>
+            <a:r>
+              <a:rPr lang="en-US" altLang="zh-CN" sz="2000" noProof="1">
+                <a:sym typeface="+mn-ea"/>
+              </a:rPr>
+              <a:t>/* </a:t>
+            </a:r>
+            <a:r>
+              <a:rPr lang="zh-CN" altLang="en-US" sz="2000" noProof="1">
+                <a:sym typeface="+mn-ea"/>
+              </a:rPr>
+              <a:t>提交转账事务 *</a:t>
+            </a:r>
+            <a:r>
+              <a:rPr lang="en-US" altLang="zh-CN" sz="2000" noProof="1">
+                <a:sym typeface="+mn-ea"/>
+              </a:rPr>
+              <a:t>/</a:t>
+            </a:r>
+            <a:endParaRPr lang="zh-CN" altLang="en-US" sz="2000" noProof="1"/>
+          </a:p>
+          <a:p>
+            <a:pPr marL="0" indent="0">
+              <a:lnSpc>
+                <a:spcPct val="120000"/>
+              </a:lnSpc>
+              <a:buFont typeface="Wingdings" panose="05000000000000000000" pitchFamily="2" charset="2"/>
+              <a:buNone/>
+            </a:pPr>
+            <a:r>
+              <a:rPr lang="en-US" altLang="zh-CN" sz="2000" noProof="1">
+                <a:sym typeface="+mn-ea"/>
+              </a:rPr>
+              <a:t>END;</a:t>
+            </a:r>
+            <a:endParaRPr lang="zh-CN" altLang="en-US" sz="2000" noProof="1"/>
           </a:p>
         </p:txBody>
       </p:sp>
@@ -31189,354 +31477,6 @@
       </p:grpSpPr>
       <p:sp>
         <p:nvSpPr>
-          <p:cNvPr id="63489" name="标题 1">
-            <a:extLst>
-              <a:ext uri="{FF2B5EF4-FFF2-40B4-BE49-F238E27FC236}">
-                <a16:creationId xmlns:a16="http://schemas.microsoft.com/office/drawing/2014/main" id="{677216E2-3B52-45A5-AF13-FA3CC087DFF7}"/>
-              </a:ext>
-            </a:extLst>
-          </p:cNvPr>
-          <p:cNvSpPr>
-            <a:spLocks noGrp="1" noChangeArrowheads="1"/>
-          </p:cNvSpPr>
-          <p:nvPr>
-            <p:ph type="title" idx="4294967295"/>
-          </p:nvPr>
-        </p:nvSpPr>
-        <p:spPr/>
-        <p:txBody>
-          <a:bodyPr/>
-          <a:lstStyle/>
-          <a:p>
-            <a:r>
-              <a:rPr lang="zh-CN" altLang="en-US"/>
-              <a:t>存储过程的用户接口（续）</a:t>
-            </a:r>
-          </a:p>
-        </p:txBody>
-      </p:sp>
-      <p:sp>
-        <p:nvSpPr>
-          <p:cNvPr id="22530" name="内容占位符 2">
-            <a:extLst>
-              <a:ext uri="{FF2B5EF4-FFF2-40B4-BE49-F238E27FC236}">
-                <a16:creationId xmlns:a16="http://schemas.microsoft.com/office/drawing/2014/main" id="{8287B59F-4C60-4694-8811-471BF41682E5}"/>
-              </a:ext>
-            </a:extLst>
-          </p:cNvPr>
-          <p:cNvSpPr>
-            <a:spLocks noGrp="1"/>
-          </p:cNvSpPr>
-          <p:nvPr>
-            <p:ph idx="4294967295"/>
-          </p:nvPr>
-        </p:nvSpPr>
-        <p:spPr>
-          <a:xfrm>
-            <a:off x="182563" y="971550"/>
-            <a:ext cx="8847137" cy="5095875"/>
-          </a:xfrm>
-          <a:ln>
-            <a:miter/>
-          </a:ln>
-        </p:spPr>
-        <p:txBody>
-          <a:bodyPr/>
-          <a:lstStyle/>
-          <a:p>
-            <a:pPr>
-              <a:lnSpc>
-                <a:spcPct val="120000"/>
-              </a:lnSpc>
-              <a:buFont typeface="Wingdings" panose="05000000000000000000" pitchFamily="2" charset="2"/>
-              <a:buNone/>
-            </a:pPr>
-            <a:r>
-              <a:rPr lang="en-US" altLang="zh-CN" sz="2000" noProof="1">
-                <a:sym typeface="+mn-ea"/>
-              </a:rPr>
-              <a:t>  SELECT Accountnum INTO inAccountnum FROM Account</a:t>
-            </a:r>
-            <a:endParaRPr lang="en-US" altLang="zh-CN" sz="2000" noProof="1"/>
-          </a:p>
-          <a:p>
-            <a:pPr marL="0" indent="0">
-              <a:lnSpc>
-                <a:spcPct val="120000"/>
-              </a:lnSpc>
-              <a:buFont typeface="Wingdings" panose="05000000000000000000" pitchFamily="2" charset="2"/>
-              <a:buNone/>
-            </a:pPr>
-            <a:r>
-              <a:rPr lang="en-US" altLang="zh-CN" sz="2000" noProof="1">
-                <a:sym typeface="+mn-ea"/>
-              </a:rPr>
-              <a:t>      WHERE accountnum=inAccount;</a:t>
-            </a:r>
-            <a:endParaRPr lang="en-US" altLang="zh-CN" sz="2000" noProof="1"/>
-          </a:p>
-          <a:p>
-            <a:pPr marL="0" indent="0">
-              <a:lnSpc>
-                <a:spcPct val="120000"/>
-              </a:lnSpc>
-              <a:buFont typeface="Wingdings" panose="05000000000000000000" pitchFamily="2" charset="2"/>
-              <a:buNone/>
-            </a:pPr>
-            <a:r>
-              <a:rPr lang="en-US" altLang="zh-CN" sz="2000" noProof="1">
-                <a:sym typeface="+mn-ea"/>
-              </a:rPr>
-              <a:t>  IF inAccount IS NULL THEN  		/*</a:t>
-            </a:r>
-            <a:r>
-              <a:rPr lang="zh-CN" altLang="en-US" sz="2000" noProof="1">
-                <a:sym typeface="+mn-ea"/>
-              </a:rPr>
-              <a:t>如果转入账户不存在</a:t>
-            </a:r>
-            <a:r>
-              <a:rPr lang="en-US" altLang="zh-CN" sz="2000" noProof="1">
-                <a:sym typeface="+mn-ea"/>
-              </a:rPr>
-              <a:t>*/                        </a:t>
-            </a:r>
-            <a:endParaRPr lang="en-US" altLang="zh-CN" sz="2000" noProof="1"/>
-          </a:p>
-          <a:p>
-            <a:pPr marL="0" indent="0">
-              <a:lnSpc>
-                <a:spcPct val="120000"/>
-              </a:lnSpc>
-              <a:buFont typeface="Wingdings" panose="05000000000000000000" pitchFamily="2" charset="2"/>
-              <a:buNone/>
-            </a:pPr>
-            <a:r>
-              <a:rPr lang="en-US" altLang="zh-CN" sz="2000" noProof="1">
-                <a:sym typeface="+mn-ea"/>
-              </a:rPr>
-              <a:t>	ROLLBACK; 	         	 		/*</a:t>
-            </a:r>
-            <a:r>
-              <a:rPr lang="zh-CN" altLang="en-US" sz="2000" noProof="1">
-                <a:sym typeface="+mn-ea"/>
-              </a:rPr>
-              <a:t>回滚事务</a:t>
-            </a:r>
-            <a:r>
-              <a:rPr lang="en-US" altLang="zh-CN" sz="2000" noProof="1">
-                <a:sym typeface="+mn-ea"/>
-              </a:rPr>
-              <a:t>*/</a:t>
-            </a:r>
-            <a:endParaRPr lang="zh-CN" altLang="en-US" sz="2000" noProof="1"/>
-          </a:p>
-          <a:p>
-            <a:pPr marL="0" indent="0">
-              <a:lnSpc>
-                <a:spcPct val="120000"/>
-              </a:lnSpc>
-              <a:buFont typeface="Wingdings" panose="05000000000000000000" pitchFamily="2" charset="2"/>
-              <a:buNone/>
-            </a:pPr>
-            <a:r>
-              <a:rPr lang="en-US" altLang="zh-CN" sz="2000" noProof="1">
-                <a:sym typeface="+mn-ea"/>
-              </a:rPr>
-              <a:t>	RETURN;</a:t>
-            </a:r>
-            <a:endParaRPr lang="en-US" altLang="zh-CN" sz="2000" noProof="1"/>
-          </a:p>
-          <a:p>
-            <a:pPr marL="0" indent="0">
-              <a:lnSpc>
-                <a:spcPct val="120000"/>
-              </a:lnSpc>
-              <a:buFont typeface="Wingdings" panose="05000000000000000000" pitchFamily="2" charset="2"/>
-              <a:buNone/>
-            </a:pPr>
-            <a:r>
-              <a:rPr lang="en-US" altLang="zh-CN" sz="2000" noProof="1">
-                <a:sym typeface="+mn-ea"/>
-              </a:rPr>
-              <a:t>  ENDIF;</a:t>
-            </a:r>
-            <a:endParaRPr lang="zh-CN" altLang="en-US" sz="2000" noProof="1"/>
-          </a:p>
-          <a:p>
-            <a:pPr marL="0" indent="0">
-              <a:lnSpc>
-                <a:spcPct val="120000"/>
-              </a:lnSpc>
-              <a:buFont typeface="Wingdings" panose="05000000000000000000" pitchFamily="2" charset="2"/>
-              <a:buNone/>
-            </a:pPr>
-            <a:r>
-              <a:rPr lang="en-US" altLang="zh-CN" sz="2000" noProof="1">
-                <a:sym typeface="+mn-ea"/>
-              </a:rPr>
-              <a:t>  UPDATE Account SET total=total-amount </a:t>
-            </a:r>
-            <a:br>
-              <a:rPr lang="zh-CN" altLang="en-US" sz="2000" dirty="0">
-                <a:sym typeface="+mn-ea"/>
-              </a:rPr>
-            </a:br>
-            <a:r>
-              <a:rPr lang="zh-CN" altLang="en-US" sz="2000" noProof="1">
-                <a:sym typeface="+mn-ea"/>
-              </a:rPr>
-              <a:t>    </a:t>
-            </a:r>
-            <a:r>
-              <a:rPr lang="en-US" altLang="zh-CN" sz="2000" noProof="1">
-                <a:sym typeface="+mn-ea"/>
-              </a:rPr>
-              <a:t>WHERE accountnum=outAccount; /* </a:t>
-            </a:r>
-            <a:r>
-              <a:rPr lang="zh-CN" altLang="en-US" sz="2000" noProof="1">
-                <a:sym typeface="+mn-ea"/>
-              </a:rPr>
-              <a:t>修改转出账户余额，减去转出额 *</a:t>
-            </a:r>
-            <a:r>
-              <a:rPr lang="en-US" altLang="zh-CN" sz="2000" noProof="1">
-                <a:sym typeface="+mn-ea"/>
-              </a:rPr>
-              <a:t>/</a:t>
-            </a:r>
-            <a:endParaRPr lang="zh-CN" altLang="en-US" sz="2000" noProof="1"/>
-          </a:p>
-          <a:p>
-            <a:pPr marL="0" indent="0">
-              <a:lnSpc>
-                <a:spcPct val="120000"/>
-              </a:lnSpc>
-              <a:buFont typeface="Wingdings" panose="05000000000000000000" pitchFamily="2" charset="2"/>
-              <a:buNone/>
-            </a:pPr>
-            <a:r>
-              <a:rPr lang="en-US" altLang="zh-CN" sz="2000" noProof="1">
-                <a:sym typeface="+mn-ea"/>
-              </a:rPr>
-              <a:t>  UPDATE Account SET total=total + amount </a:t>
-            </a:r>
-            <a:endParaRPr lang="en-US" altLang="zh-CN" sz="2000" noProof="1"/>
-          </a:p>
-          <a:p>
-            <a:pPr marL="0" indent="0">
-              <a:lnSpc>
-                <a:spcPct val="120000"/>
-              </a:lnSpc>
-              <a:buFont typeface="Wingdings" panose="05000000000000000000" pitchFamily="2" charset="2"/>
-              <a:buNone/>
-            </a:pPr>
-            <a:r>
-              <a:rPr lang="en-US" altLang="zh-CN" sz="2000" noProof="1">
-                <a:sym typeface="+mn-ea"/>
-              </a:rPr>
-              <a:t>    WHERE   accountnum=inAccount; /* </a:t>
-            </a:r>
-            <a:r>
-              <a:rPr lang="zh-CN" altLang="en-US" sz="2000" noProof="1">
-                <a:sym typeface="+mn-ea"/>
-              </a:rPr>
-              <a:t>修改转入账户余额，增加转入额 *</a:t>
-            </a:r>
-            <a:r>
-              <a:rPr lang="en-US" altLang="zh-CN" sz="2000" noProof="1">
-                <a:sym typeface="+mn-ea"/>
-              </a:rPr>
-              <a:t>/</a:t>
-            </a:r>
-            <a:endParaRPr lang="zh-CN" altLang="en-US" sz="2000" noProof="1"/>
-          </a:p>
-          <a:p>
-            <a:pPr marL="0" indent="0">
-              <a:lnSpc>
-                <a:spcPct val="120000"/>
-              </a:lnSpc>
-              <a:buFont typeface="Wingdings" panose="05000000000000000000" pitchFamily="2" charset="2"/>
-              <a:buNone/>
-            </a:pPr>
-            <a:r>
-              <a:rPr lang="en-US" altLang="zh-CN" sz="2000" noProof="1">
-                <a:sym typeface="+mn-ea"/>
-              </a:rPr>
-              <a:t>  COMMIT;                       </a:t>
-            </a:r>
-            <a:r>
-              <a:rPr lang="zh-CN" altLang="en-US" sz="2000" noProof="1">
-                <a:sym typeface="+mn-ea"/>
-              </a:rPr>
-              <a:t>	</a:t>
-            </a:r>
-            <a:r>
-              <a:rPr lang="en-US" altLang="zh-CN" sz="2000" noProof="1">
-                <a:sym typeface="+mn-ea"/>
-              </a:rPr>
-              <a:t>/* </a:t>
-            </a:r>
-            <a:r>
-              <a:rPr lang="zh-CN" altLang="en-US" sz="2000" noProof="1">
-                <a:sym typeface="+mn-ea"/>
-              </a:rPr>
-              <a:t>提交转账事务 *</a:t>
-            </a:r>
-            <a:r>
-              <a:rPr lang="en-US" altLang="zh-CN" sz="2000" noProof="1">
-                <a:sym typeface="+mn-ea"/>
-              </a:rPr>
-              <a:t>/</a:t>
-            </a:r>
-            <a:endParaRPr lang="zh-CN" altLang="en-US" sz="2000" noProof="1"/>
-          </a:p>
-          <a:p>
-            <a:pPr marL="0" indent="0">
-              <a:lnSpc>
-                <a:spcPct val="120000"/>
-              </a:lnSpc>
-              <a:buFont typeface="Wingdings" panose="05000000000000000000" pitchFamily="2" charset="2"/>
-              <a:buNone/>
-            </a:pPr>
-            <a:r>
-              <a:rPr lang="en-US" altLang="zh-CN" sz="2000" noProof="1">
-                <a:sym typeface="+mn-ea"/>
-              </a:rPr>
-              <a:t>END;</a:t>
-            </a:r>
-            <a:endParaRPr lang="zh-CN" altLang="en-US" sz="2000" noProof="1"/>
-          </a:p>
-        </p:txBody>
-      </p:sp>
-    </p:spTree>
-  </p:cSld>
-  <p:clrMapOvr>
-    <a:masterClrMapping/>
-  </p:clrMapOvr>
-</p:sld>
-</file>
-
-<file path=ppt/slides/slide61.xml><?xml version="1.0" encoding="utf-8"?>
-<p:sld xmlns:a="http://schemas.openxmlformats.org/drawingml/2006/main" xmlns:r="http://schemas.openxmlformats.org/officeDocument/2006/relationships" xmlns:p="http://schemas.openxmlformats.org/presentationml/2006/main">
-  <p:cSld>
-    <p:spTree>
-      <p:nvGrpSpPr>
-        <p:cNvPr id="1" name=""/>
-        <p:cNvGrpSpPr/>
-        <p:nvPr/>
-      </p:nvGrpSpPr>
-      <p:grpSpPr>
-        <a:xfrm>
-          <a:off x="0" y="0"/>
-          <a:ext cx="0" cy="0"/>
-          <a:chOff x="0" y="0"/>
-          <a:chExt cx="0" cy="0"/>
-        </a:xfrm>
-      </p:grpSpPr>
-      <p:sp>
-        <p:nvSpPr>
           <p:cNvPr id="64513" name="标题 1">
             <a:extLst>
               <a:ext uri="{FF2B5EF4-FFF2-40B4-BE49-F238E27FC236}">
@@ -31884,7 +31824,7 @@
 </p:sld>
 </file>
 
-<file path=ppt/slides/slide62.xml><?xml version="1.0" encoding="utf-8"?>
+<file path=ppt/slides/slide61.xml><?xml version="1.0" encoding="utf-8"?>
 <p:sld xmlns:a="http://schemas.openxmlformats.org/drawingml/2006/main" xmlns:r="http://schemas.openxmlformats.org/officeDocument/2006/relationships" xmlns:p="http://schemas.openxmlformats.org/presentationml/2006/main">
   <p:cSld>
     <p:spTree>
@@ -32087,7 +32027,7 @@
 </p:sld>
 </file>
 
-<file path=ppt/slides/slide63.xml><?xml version="1.0" encoding="utf-8"?>
+<file path=ppt/slides/slide62.xml><?xml version="1.0" encoding="utf-8"?>
 <p:sld xmlns:a="http://schemas.openxmlformats.org/drawingml/2006/main" xmlns:r="http://schemas.openxmlformats.org/officeDocument/2006/relationships" xmlns:p="http://schemas.openxmlformats.org/presentationml/2006/main">
   <p:cSld>
     <p:spTree>
@@ -32229,7 +32169,7 @@
 </p:sld>
 </file>
 
-<file path=ppt/slides/slide64.xml><?xml version="1.0" encoding="utf-8"?>
+<file path=ppt/slides/slide63.xml><?xml version="1.0" encoding="utf-8"?>
 <p:sld xmlns:a="http://schemas.openxmlformats.org/drawingml/2006/main" xmlns:r="http://schemas.openxmlformats.org/officeDocument/2006/relationships" xmlns:p="http://schemas.openxmlformats.org/presentationml/2006/main">
   <p:cSld>
     <p:spTree>
@@ -32310,10 +32250,30 @@
               </a:lnSpc>
             </a:pPr>
             <a:r>
-              <a:rPr lang="zh-CN" altLang="en-US"/>
-              <a:t>函数和存储过程的异同</a:t>
-            </a:r>
-            <a:endParaRPr lang="en-US" altLang="zh-CN"/>
+              <a:rPr lang="zh-CN" altLang="en-US" dirty="0">
+                <a:highlight>
+                  <a:srgbClr val="00FF00"/>
+                </a:highlight>
+              </a:rPr>
+              <a:t>函数</a:t>
+            </a:r>
+            <a:r>
+              <a:rPr lang="zh-CN" altLang="en-US" dirty="0"/>
+              <a:t>和</a:t>
+            </a:r>
+            <a:r>
+              <a:rPr lang="zh-CN" altLang="en-US" dirty="0">
+                <a:highlight>
+                  <a:srgbClr val="00FF00"/>
+                </a:highlight>
+              </a:rPr>
+              <a:t>存储过程</a:t>
+            </a:r>
+            <a:r>
+              <a:rPr lang="zh-CN" altLang="en-US" dirty="0"/>
+              <a:t>的异同</a:t>
+            </a:r>
+            <a:endParaRPr lang="en-US" altLang="zh-CN" dirty="0"/>
           </a:p>
           <a:p>
             <a:pPr lvl="1">
@@ -32322,10 +32282,10 @@
               </a:lnSpc>
             </a:pPr>
             <a:r>
-              <a:rPr lang="zh-CN" altLang="en-US"/>
+              <a:rPr lang="zh-CN" altLang="en-US" dirty="0"/>
               <a:t>同：都是持久性存储模块</a:t>
             </a:r>
-            <a:endParaRPr lang="en-US" altLang="zh-CN"/>
+            <a:endParaRPr lang="en-US" altLang="zh-CN" dirty="0"/>
           </a:p>
           <a:p>
             <a:pPr lvl="1">
@@ -32334,11 +32294,11 @@
               </a:lnSpc>
             </a:pPr>
             <a:r>
-              <a:rPr lang="zh-CN" altLang="en-US"/>
+              <a:rPr lang="zh-CN" altLang="en-US" dirty="0"/>
               <a:t>异：</a:t>
             </a:r>
             <a:r>
-              <a:rPr lang="zh-CN" altLang="en-US" u="sng"/>
+              <a:rPr lang="zh-CN" altLang="en-US" u="sng" dirty="0"/>
               <a:t>函数必须指定返回的类型</a:t>
             </a:r>
           </a:p>
@@ -32347,7 +32307,7 @@
               <a:buFont typeface="Wingdings" panose="05000000000000000000" pitchFamily="2" charset="2"/>
               <a:buNone/>
             </a:pPr>
-            <a:endParaRPr lang="zh-CN" altLang="en-US"/>
+            <a:endParaRPr lang="zh-CN" altLang="en-US" dirty="0"/>
           </a:p>
         </p:txBody>
       </p:sp>
@@ -32359,7 +32319,7 @@
 </p:sld>
 </file>
 
-<file path=ppt/slides/slide65.xml><?xml version="1.0" encoding="utf-8"?>
+<file path=ppt/slides/slide64.xml><?xml version="1.0" encoding="utf-8"?>
 <p:sld xmlns:a="http://schemas.openxmlformats.org/drawingml/2006/main" xmlns:r="http://schemas.openxmlformats.org/officeDocument/2006/relationships" xmlns:p="http://schemas.openxmlformats.org/presentationml/2006/main">
   <p:cSld>
     <p:spTree>
@@ -32704,7 +32664,7 @@
 </p:sld>
 </file>
 
-<file path=ppt/slides/slide66.xml><?xml version="1.0" encoding="utf-8"?>
+<file path=ppt/slides/slide65.xml><?xml version="1.0" encoding="utf-8"?>
 <p:sld xmlns:a="http://schemas.openxmlformats.org/drawingml/2006/main" xmlns:r="http://schemas.openxmlformats.org/officeDocument/2006/relationships" xmlns:p="http://schemas.openxmlformats.org/presentationml/2006/main">
   <p:cSld>
     <p:spTree>
@@ -32908,7 +32868,7 @@
 </p:sld>
 </file>
 
-<file path=ppt/slides/slide67.xml><?xml version="1.0" encoding="utf-8"?>
+<file path=ppt/slides/slide66.xml><?xml version="1.0" encoding="utf-8"?>
 <p:sld xmlns:a="http://schemas.openxmlformats.org/drawingml/2006/main" xmlns:r="http://schemas.openxmlformats.org/officeDocument/2006/relationships" xmlns:p="http://schemas.openxmlformats.org/presentationml/2006/main">
   <p:cSld>
     <p:spTree>
@@ -33137,6 +33097,10 @@
           </p:nvPr>
         </p:nvSpPr>
         <p:spPr>
+          <a:xfrm>
+            <a:off x="3203848" y="1412776"/>
+            <a:ext cx="2530624" cy="1657102"/>
+          </a:xfrm>
           <a:ln>
             <a:miter/>
           </a:ln>
